--- a/HAN_AdvancedJava_Ch06-Design Patterns.pptx
+++ b/HAN_AdvancedJava_Ch06-Design Patterns.pptx
@@ -349,7 +349,7 @@
       <p15:notesGuideLst xmlns:p15="http://schemas.microsoft.com/office/powerpoint/2012/main"/>
     </p:ext>
     <p:ext uri="http://customooxmlschemas.google.com/">
-      <go:slidesCustomData xmlns:go="http://customooxmlschemas.google.com/" xmlns:p15="http://schemas.microsoft.com/office/powerpoint/2012/main" xmlns:p14="http://schemas.microsoft.com/office/powerpoint/2010/main" xmlns:com="http://schemas.openxmlformats.org/drawingml/2006/compatibility" xmlns:pvml="urn:schemas-microsoft-com:office:powerpoint" xmlns:v="urn:schemas-microsoft-com:vml" xmlns:o="urn:schemas-microsoft-com:office:office" xmlns:dgm="http://schemas.openxmlformats.org/drawingml/2006/diagram" xmlns:c="http://schemas.openxmlformats.org/drawingml/2006/chart" xmlns:mv="urn:schemas-microsoft-com:mac:vml" xmlns:mc="http://schemas.openxmlformats.org/markup-compatibility/2006" xmlns="" r:id="rId83" roundtripDataSignature="AMtx7mh+9/dCSlYobEHwms6iFvXqxM7Fgg=="/>
+      <go:slidesCustomData xmlns="" xmlns:mc="http://schemas.openxmlformats.org/markup-compatibility/2006" xmlns:mv="urn:schemas-microsoft-com:mac:vml" xmlns:c="http://schemas.openxmlformats.org/drawingml/2006/chart" xmlns:dgm="http://schemas.openxmlformats.org/drawingml/2006/diagram" xmlns:o="urn:schemas-microsoft-com:office:office" xmlns:v="urn:schemas-microsoft-com:vml" xmlns:pvml="urn:schemas-microsoft-com:office:powerpoint" xmlns:com="http://schemas.openxmlformats.org/drawingml/2006/compatibility" xmlns:p14="http://schemas.microsoft.com/office/powerpoint/2010/main" xmlns:p15="http://schemas.microsoft.com/office/powerpoint/2012/main" xmlns:go="http://customooxmlschemas.google.com/" r:id="rId83" roundtripDataSignature="AMtx7mh+9/dCSlYobEHwms6iFvXqxM7Fgg=="/>
     </p:ext>
   </p:extLst>
 </p:presentation>
@@ -1686,8 +1686,8 @@
         </p:nvSpPr>
         <p:spPr>
           <a:xfrm>
-            <a:off x="1143000" y="685800"/>
-            <a:ext cx="4572000" cy="3429000"/>
+            <a:off x="381000" y="685800"/>
+            <a:ext cx="6096000" cy="3429000"/>
           </a:xfrm>
           <a:custGeom>
             <a:avLst/>
@@ -1790,8 +1790,8 @@
         </p:nvSpPr>
         <p:spPr>
           <a:xfrm>
-            <a:off x="1143000" y="685800"/>
-            <a:ext cx="4572000" cy="3429000"/>
+            <a:off x="381000" y="685800"/>
+            <a:ext cx="6096000" cy="3429000"/>
           </a:xfrm>
           <a:custGeom>
             <a:avLst/>
@@ -1894,8 +1894,8 @@
         </p:nvSpPr>
         <p:spPr>
           <a:xfrm>
-            <a:off x="1143000" y="685800"/>
-            <a:ext cx="4572000" cy="3429000"/>
+            <a:off x="381000" y="685800"/>
+            <a:ext cx="6096000" cy="3429000"/>
           </a:xfrm>
           <a:custGeom>
             <a:avLst/>
@@ -1998,8 +1998,8 @@
         </p:nvSpPr>
         <p:spPr>
           <a:xfrm>
-            <a:off x="1143000" y="685800"/>
-            <a:ext cx="4572000" cy="3429000"/>
+            <a:off x="381000" y="685800"/>
+            <a:ext cx="6096000" cy="3429000"/>
           </a:xfrm>
           <a:custGeom>
             <a:avLst/>
@@ -2102,8 +2102,8 @@
         </p:nvSpPr>
         <p:spPr>
           <a:xfrm>
-            <a:off x="1143000" y="685800"/>
-            <a:ext cx="4572000" cy="3429000"/>
+            <a:off x="381000" y="685800"/>
+            <a:ext cx="6096000" cy="3429000"/>
           </a:xfrm>
           <a:custGeom>
             <a:avLst/>
@@ -2206,8 +2206,8 @@
         </p:nvSpPr>
         <p:spPr>
           <a:xfrm>
-            <a:off x="1143000" y="685800"/>
-            <a:ext cx="4572000" cy="3429000"/>
+            <a:off x="381000" y="685800"/>
+            <a:ext cx="6096000" cy="3429000"/>
           </a:xfrm>
           <a:custGeom>
             <a:avLst/>
@@ -2310,8 +2310,8 @@
         </p:nvSpPr>
         <p:spPr>
           <a:xfrm>
-            <a:off x="1143000" y="685800"/>
-            <a:ext cx="4572000" cy="3429000"/>
+            <a:off x="381000" y="685800"/>
+            <a:ext cx="6096000" cy="3429000"/>
           </a:xfrm>
           <a:custGeom>
             <a:avLst/>
@@ -2414,8 +2414,8 @@
         </p:nvSpPr>
         <p:spPr>
           <a:xfrm>
-            <a:off x="1143000" y="685800"/>
-            <a:ext cx="4572000" cy="3429000"/>
+            <a:off x="381000" y="685800"/>
+            <a:ext cx="6096000" cy="3429000"/>
           </a:xfrm>
           <a:custGeom>
             <a:avLst/>
@@ -2518,8 +2518,8 @@
         </p:nvSpPr>
         <p:spPr>
           <a:xfrm>
-            <a:off x="1143000" y="685800"/>
-            <a:ext cx="4572000" cy="3429000"/>
+            <a:off x="381000" y="685800"/>
+            <a:ext cx="6096000" cy="3429000"/>
           </a:xfrm>
           <a:custGeom>
             <a:avLst/>
@@ -2622,8 +2622,8 @@
         </p:nvSpPr>
         <p:spPr>
           <a:xfrm>
-            <a:off x="1143000" y="685800"/>
-            <a:ext cx="4572000" cy="3429000"/>
+            <a:off x="381000" y="685800"/>
+            <a:ext cx="6096000" cy="3429000"/>
           </a:xfrm>
           <a:custGeom>
             <a:avLst/>
@@ -2873,8 +2873,8 @@
         </p:nvSpPr>
         <p:spPr>
           <a:xfrm>
-            <a:off x="1143000" y="685800"/>
-            <a:ext cx="4572000" cy="3429000"/>
+            <a:off x="381000" y="685800"/>
+            <a:ext cx="6096000" cy="3429000"/>
           </a:xfrm>
           <a:custGeom>
             <a:avLst/>
@@ -2968,6 +2968,340 @@
       <p:sp>
         <p:nvSpPr>
           <p:cNvPr id="167" name="Google Shape;167;g5a0274641_1_14:notes"/>
+          <p:cNvSpPr>
+            <a:spLocks noGrp="1" noRot="1" noChangeAspect="1"/>
+          </p:cNvSpPr>
+          <p:nvPr>
+            <p:ph type="sldImg" idx="2"/>
+          </p:nvPr>
+        </p:nvSpPr>
+        <p:spPr>
+          <a:xfrm>
+            <a:off x="381000" y="685800"/>
+            <a:ext cx="6096000" cy="3429000"/>
+          </a:xfrm>
+          <a:custGeom>
+            <a:avLst/>
+            <a:gdLst/>
+            <a:ahLst/>
+            <a:cxnLst/>
+            <a:rect l="l" t="t" r="r" b="b"/>
+            <a:pathLst>
+              <a:path w="120000" h="120000" extrusionOk="0">
+                <a:moveTo>
+                  <a:pt x="0" y="0"/>
+                </a:moveTo>
+                <a:lnTo>
+                  <a:pt x="120000" y="0"/>
+                </a:lnTo>
+                <a:lnTo>
+                  <a:pt x="120000" y="120000"/>
+                </a:lnTo>
+                <a:lnTo>
+                  <a:pt x="0" y="120000"/>
+                </a:lnTo>
+                <a:close/>
+              </a:path>
+            </a:pathLst>
+          </a:custGeom>
+        </p:spPr>
+      </p:sp>
+      <p:sp>
+        <p:nvSpPr>
+          <p:cNvPr id="168" name="Google Shape;168;g5a0274641_1_14:notes"/>
+          <p:cNvSpPr txBox="1">
+            <a:spLocks noGrp="1"/>
+          </p:cNvSpPr>
+          <p:nvPr>
+            <p:ph type="body" idx="1"/>
+          </p:nvPr>
+        </p:nvSpPr>
+        <p:spPr>
+          <a:xfrm>
+            <a:off x="685800" y="4343400"/>
+            <a:ext cx="5486400" cy="4114800"/>
+          </a:xfrm>
+          <a:prstGeom prst="rect">
+            <a:avLst/>
+          </a:prstGeom>
+        </p:spPr>
+        <p:txBody>
+          <a:bodyPr spcFirstLastPara="1" wrap="square" lIns="91425" tIns="91425" rIns="91425" bIns="91425" anchor="t" anchorCtr="0">
+            <a:noAutofit/>
+          </a:bodyPr>
+          <a:lstStyle/>
+          <a:p>
+            <a:pPr marL="0" lvl="0" indent="0" algn="l" rtl="0">
+              <a:spcBef>
+                <a:spcPts val="360"/>
+              </a:spcBef>
+              <a:spcAft>
+                <a:spcPts val="0"/>
+              </a:spcAft>
+              <a:buNone/>
+            </a:pPr>
+            <a:endParaRPr/>
+          </a:p>
+        </p:txBody>
+      </p:sp>
+    </p:spTree>
+  </p:cSld>
+  <p:clrMapOvr>
+    <a:masterClrMapping/>
+  </p:clrMapOvr>
+</p:notes>
+</file>
+
+<file path=ppt/notesSlides/notesSlide22.xml><?xml version="1.0" encoding="utf-8"?>
+<p:notes xmlns:a="http://schemas.openxmlformats.org/drawingml/2006/main" xmlns:r="http://schemas.openxmlformats.org/officeDocument/2006/relationships" xmlns:p="http://schemas.openxmlformats.org/presentationml/2006/main" showMasterSp="0" showMasterPhAnim="0">
+  <p:cSld>
+    <p:spTree>
+      <p:nvGrpSpPr>
+        <p:cNvPr id="1" name="Shape 173"/>
+        <p:cNvGrpSpPr/>
+        <p:nvPr/>
+      </p:nvGrpSpPr>
+      <p:grpSpPr>
+        <a:xfrm>
+          <a:off x="0" y="0"/>
+          <a:ext cx="0" cy="0"/>
+          <a:chOff x="0" y="0"/>
+          <a:chExt cx="0" cy="0"/>
+        </a:xfrm>
+      </p:grpSpPr>
+      <p:sp>
+        <p:nvSpPr>
+          <p:cNvPr id="174" name="Google Shape;174;g5a0274641_0_0:notes"/>
+          <p:cNvSpPr>
+            <a:spLocks noGrp="1" noRot="1" noChangeAspect="1"/>
+          </p:cNvSpPr>
+          <p:nvPr>
+            <p:ph type="sldImg" idx="2"/>
+          </p:nvPr>
+        </p:nvSpPr>
+        <p:spPr>
+          <a:xfrm>
+            <a:off x="381000" y="685800"/>
+            <a:ext cx="6096000" cy="3429000"/>
+          </a:xfrm>
+          <a:custGeom>
+            <a:avLst/>
+            <a:gdLst/>
+            <a:ahLst/>
+            <a:cxnLst/>
+            <a:rect l="l" t="t" r="r" b="b"/>
+            <a:pathLst>
+              <a:path w="120000" h="120000" extrusionOk="0">
+                <a:moveTo>
+                  <a:pt x="0" y="0"/>
+                </a:moveTo>
+                <a:lnTo>
+                  <a:pt x="120000" y="0"/>
+                </a:lnTo>
+                <a:lnTo>
+                  <a:pt x="120000" y="120000"/>
+                </a:lnTo>
+                <a:lnTo>
+                  <a:pt x="0" y="120000"/>
+                </a:lnTo>
+                <a:close/>
+              </a:path>
+            </a:pathLst>
+          </a:custGeom>
+          <a:noFill/>
+          <a:ln w="9525" cap="flat" cmpd="sng">
+            <a:solidFill>
+              <a:srgbClr val="000000"/>
+            </a:solidFill>
+            <a:prstDash val="solid"/>
+            <a:miter lim="8000"/>
+            <a:headEnd type="none" w="sm" len="sm"/>
+            <a:tailEnd type="none" w="sm" len="sm"/>
+          </a:ln>
+        </p:spPr>
+      </p:sp>
+      <p:sp>
+        <p:nvSpPr>
+          <p:cNvPr id="175" name="Google Shape;175;g5a0274641_0_0:notes"/>
+          <p:cNvSpPr txBox="1">
+            <a:spLocks noGrp="1"/>
+          </p:cNvSpPr>
+          <p:nvPr>
+            <p:ph type="body" idx="1"/>
+          </p:nvPr>
+        </p:nvSpPr>
+        <p:spPr>
+          <a:xfrm>
+            <a:off x="685800" y="4343400"/>
+            <a:ext cx="5486400" cy="4114800"/>
+          </a:xfrm>
+          <a:prstGeom prst="rect">
+            <a:avLst/>
+          </a:prstGeom>
+          <a:noFill/>
+          <a:ln>
+            <a:noFill/>
+          </a:ln>
+        </p:spPr>
+        <p:txBody>
+          <a:bodyPr spcFirstLastPara="1" wrap="square" lIns="91425" tIns="45700" rIns="91425" bIns="45700" anchor="t" anchorCtr="0">
+            <a:noAutofit/>
+          </a:bodyPr>
+          <a:lstStyle/>
+          <a:p>
+            <a:pPr marL="0" marR="0" lvl="0" indent="0" algn="l" rtl="0">
+              <a:spcBef>
+                <a:spcPts val="0"/>
+              </a:spcBef>
+              <a:spcAft>
+                <a:spcPts val="0"/>
+              </a:spcAft>
+              <a:buNone/>
+            </a:pPr>
+            <a:endParaRPr sz="1200" b="0" i="0" u="none" strike="noStrike" cap="none">
+              <a:solidFill>
+                <a:schemeClr val="dk1"/>
+              </a:solidFill>
+              <a:latin typeface="Arial"/>
+              <a:ea typeface="Arial"/>
+              <a:cs typeface="Arial"/>
+              <a:sym typeface="Arial"/>
+            </a:endParaRPr>
+          </a:p>
+        </p:txBody>
+      </p:sp>
+    </p:spTree>
+  </p:cSld>
+  <p:clrMapOvr>
+    <a:masterClrMapping/>
+  </p:clrMapOvr>
+</p:notes>
+</file>
+
+<file path=ppt/notesSlides/notesSlide23.xml><?xml version="1.0" encoding="utf-8"?>
+<p:notes xmlns:a="http://schemas.openxmlformats.org/drawingml/2006/main" xmlns:r="http://schemas.openxmlformats.org/officeDocument/2006/relationships" xmlns:p="http://schemas.openxmlformats.org/presentationml/2006/main" showMasterSp="0" showMasterPhAnim="0">
+  <p:cSld>
+    <p:spTree>
+      <p:nvGrpSpPr>
+        <p:cNvPr id="1" name="Shape 180"/>
+        <p:cNvGrpSpPr/>
+        <p:nvPr/>
+      </p:nvGrpSpPr>
+      <p:grpSpPr>
+        <a:xfrm>
+          <a:off x="0" y="0"/>
+          <a:ext cx="0" cy="0"/>
+          <a:chOff x="0" y="0"/>
+          <a:chExt cx="0" cy="0"/>
+        </a:xfrm>
+      </p:grpSpPr>
+      <p:sp>
+        <p:nvSpPr>
+          <p:cNvPr id="181" name="Google Shape;181;g5a0274641_1_21:notes"/>
+          <p:cNvSpPr>
+            <a:spLocks noGrp="1" noRot="1" noChangeAspect="1"/>
+          </p:cNvSpPr>
+          <p:nvPr>
+            <p:ph type="sldImg" idx="2"/>
+          </p:nvPr>
+        </p:nvSpPr>
+        <p:spPr>
+          <a:xfrm>
+            <a:off x="381000" y="685800"/>
+            <a:ext cx="6096000" cy="3429000"/>
+          </a:xfrm>
+          <a:custGeom>
+            <a:avLst/>
+            <a:gdLst/>
+            <a:ahLst/>
+            <a:cxnLst/>
+            <a:rect l="l" t="t" r="r" b="b"/>
+            <a:pathLst>
+              <a:path w="120000" h="120000" extrusionOk="0">
+                <a:moveTo>
+                  <a:pt x="0" y="0"/>
+                </a:moveTo>
+                <a:lnTo>
+                  <a:pt x="120000" y="0"/>
+                </a:lnTo>
+                <a:lnTo>
+                  <a:pt x="120000" y="120000"/>
+                </a:lnTo>
+                <a:lnTo>
+                  <a:pt x="0" y="120000"/>
+                </a:lnTo>
+                <a:close/>
+              </a:path>
+            </a:pathLst>
+          </a:custGeom>
+        </p:spPr>
+      </p:sp>
+      <p:sp>
+        <p:nvSpPr>
+          <p:cNvPr id="182" name="Google Shape;182;g5a0274641_1_21:notes"/>
+          <p:cNvSpPr txBox="1">
+            <a:spLocks noGrp="1"/>
+          </p:cNvSpPr>
+          <p:nvPr>
+            <p:ph type="body" idx="1"/>
+          </p:nvPr>
+        </p:nvSpPr>
+        <p:spPr>
+          <a:xfrm>
+            <a:off x="685800" y="4343400"/>
+            <a:ext cx="5486400" cy="4114800"/>
+          </a:xfrm>
+          <a:prstGeom prst="rect">
+            <a:avLst/>
+          </a:prstGeom>
+        </p:spPr>
+        <p:txBody>
+          <a:bodyPr spcFirstLastPara="1" wrap="square" lIns="91425" tIns="91425" rIns="91425" bIns="91425" anchor="t" anchorCtr="0">
+            <a:noAutofit/>
+          </a:bodyPr>
+          <a:lstStyle/>
+          <a:p>
+            <a:pPr marL="0" lvl="0" indent="0" algn="l" rtl="0">
+              <a:spcBef>
+                <a:spcPts val="360"/>
+              </a:spcBef>
+              <a:spcAft>
+                <a:spcPts val="0"/>
+              </a:spcAft>
+              <a:buNone/>
+            </a:pPr>
+            <a:endParaRPr/>
+          </a:p>
+        </p:txBody>
+      </p:sp>
+    </p:spTree>
+  </p:cSld>
+  <p:clrMapOvr>
+    <a:masterClrMapping/>
+  </p:clrMapOvr>
+</p:notes>
+</file>
+
+<file path=ppt/notesSlides/notesSlide24.xml><?xml version="1.0" encoding="utf-8"?>
+<p:notes xmlns:a="http://schemas.openxmlformats.org/drawingml/2006/main" xmlns:r="http://schemas.openxmlformats.org/officeDocument/2006/relationships" xmlns:p="http://schemas.openxmlformats.org/presentationml/2006/main" showMasterSp="0" showMasterPhAnim="0">
+  <p:cSld>
+    <p:spTree>
+      <p:nvGrpSpPr>
+        <p:cNvPr id="1" name="Shape 187"/>
+        <p:cNvGrpSpPr/>
+        <p:nvPr/>
+      </p:nvGrpSpPr>
+      <p:grpSpPr>
+        <a:xfrm>
+          <a:off x="0" y="0"/>
+          <a:ext cx="0" cy="0"/>
+          <a:chOff x="0" y="0"/>
+          <a:chExt cx="0" cy="0"/>
+        </a:xfrm>
+      </p:grpSpPr>
+      <p:sp>
+        <p:nvSpPr>
+          <p:cNvPr id="188" name="Google Shape;188;g5a0274641_1_29:notes"/>
           <p:cNvSpPr>
             <a:spLocks noGrp="1" noRot="1" noChangeAspect="1"/>
           </p:cNvSpPr>
@@ -3008,7 +3342,7 @@
       </p:sp>
       <p:sp>
         <p:nvSpPr>
-          <p:cNvPr id="168" name="Google Shape;168;g5a0274641_1_14:notes"/>
+          <p:cNvPr id="189" name="Google Shape;189;g5a0274641_1_29:notes"/>
           <p:cNvSpPr txBox="1">
             <a:spLocks noGrp="1"/>
           </p:cNvSpPr>
@@ -3052,12 +3386,12 @@
 </p:notes>
 </file>
 
-<file path=ppt/notesSlides/notesSlide22.xml><?xml version="1.0" encoding="utf-8"?>
+<file path=ppt/notesSlides/notesSlide25.xml><?xml version="1.0" encoding="utf-8"?>
 <p:notes xmlns:a="http://schemas.openxmlformats.org/drawingml/2006/main" xmlns:r="http://schemas.openxmlformats.org/officeDocument/2006/relationships" xmlns:p="http://schemas.openxmlformats.org/presentationml/2006/main" showMasterSp="0" showMasterPhAnim="0">
   <p:cSld>
     <p:spTree>
       <p:nvGrpSpPr>
-        <p:cNvPr id="1" name="Shape 173"/>
+        <p:cNvPr id="1" name="Shape 193"/>
         <p:cNvGrpSpPr/>
         <p:nvPr/>
       </p:nvGrpSpPr>
@@ -3071,7 +3405,861 @@
       </p:grpSpPr>
       <p:sp>
         <p:nvSpPr>
-          <p:cNvPr id="174" name="Google Shape;174;g5a0274641_0_0:notes"/>
+          <p:cNvPr id="194" name="Google Shape;194;g5a0274641_1_35:notes"/>
+          <p:cNvSpPr>
+            <a:spLocks noGrp="1" noRot="1" noChangeAspect="1"/>
+          </p:cNvSpPr>
+          <p:nvPr>
+            <p:ph type="sldImg" idx="2"/>
+          </p:nvPr>
+        </p:nvSpPr>
+        <p:spPr>
+          <a:xfrm>
+            <a:off x="381000" y="685800"/>
+            <a:ext cx="6096000" cy="3429000"/>
+          </a:xfrm>
+          <a:custGeom>
+            <a:avLst/>
+            <a:gdLst/>
+            <a:ahLst/>
+            <a:cxnLst/>
+            <a:rect l="l" t="t" r="r" b="b"/>
+            <a:pathLst>
+              <a:path w="120000" h="120000" extrusionOk="0">
+                <a:moveTo>
+                  <a:pt x="0" y="0"/>
+                </a:moveTo>
+                <a:lnTo>
+                  <a:pt x="120000" y="0"/>
+                </a:lnTo>
+                <a:lnTo>
+                  <a:pt x="120000" y="120000"/>
+                </a:lnTo>
+                <a:lnTo>
+                  <a:pt x="0" y="120000"/>
+                </a:lnTo>
+                <a:close/>
+              </a:path>
+            </a:pathLst>
+          </a:custGeom>
+        </p:spPr>
+      </p:sp>
+      <p:sp>
+        <p:nvSpPr>
+          <p:cNvPr id="195" name="Google Shape;195;g5a0274641_1_35:notes"/>
+          <p:cNvSpPr txBox="1">
+            <a:spLocks noGrp="1"/>
+          </p:cNvSpPr>
+          <p:nvPr>
+            <p:ph type="body" idx="1"/>
+          </p:nvPr>
+        </p:nvSpPr>
+        <p:spPr>
+          <a:xfrm>
+            <a:off x="685800" y="4343400"/>
+            <a:ext cx="5486400" cy="4114800"/>
+          </a:xfrm>
+          <a:prstGeom prst="rect">
+            <a:avLst/>
+          </a:prstGeom>
+        </p:spPr>
+        <p:txBody>
+          <a:bodyPr spcFirstLastPara="1" wrap="square" lIns="91425" tIns="91425" rIns="91425" bIns="91425" anchor="t" anchorCtr="0">
+            <a:noAutofit/>
+          </a:bodyPr>
+          <a:lstStyle/>
+          <a:p>
+            <a:pPr marL="0" lvl="0" indent="0" algn="l" rtl="0">
+              <a:spcBef>
+                <a:spcPts val="360"/>
+              </a:spcBef>
+              <a:spcAft>
+                <a:spcPts val="0"/>
+              </a:spcAft>
+              <a:buNone/>
+            </a:pPr>
+            <a:endParaRPr/>
+          </a:p>
+        </p:txBody>
+      </p:sp>
+    </p:spTree>
+  </p:cSld>
+  <p:clrMapOvr>
+    <a:masterClrMapping/>
+  </p:clrMapOvr>
+</p:notes>
+</file>
+
+<file path=ppt/notesSlides/notesSlide26.xml><?xml version="1.0" encoding="utf-8"?>
+<p:notes xmlns:a="http://schemas.openxmlformats.org/drawingml/2006/main" xmlns:r="http://schemas.openxmlformats.org/officeDocument/2006/relationships" xmlns:p="http://schemas.openxmlformats.org/presentationml/2006/main" showMasterSp="0" showMasterPhAnim="0">
+  <p:cSld>
+    <p:spTree>
+      <p:nvGrpSpPr>
+        <p:cNvPr id="1" name="Shape 200"/>
+        <p:cNvGrpSpPr/>
+        <p:nvPr/>
+      </p:nvGrpSpPr>
+      <p:grpSpPr>
+        <a:xfrm>
+          <a:off x="0" y="0"/>
+          <a:ext cx="0" cy="0"/>
+          <a:chOff x="0" y="0"/>
+          <a:chExt cx="0" cy="0"/>
+        </a:xfrm>
+      </p:grpSpPr>
+      <p:sp>
+        <p:nvSpPr>
+          <p:cNvPr id="201" name="Google Shape;201;g5a0274641_1_44:notes"/>
+          <p:cNvSpPr>
+            <a:spLocks noGrp="1" noRot="1" noChangeAspect="1"/>
+          </p:cNvSpPr>
+          <p:nvPr>
+            <p:ph type="sldImg" idx="2"/>
+          </p:nvPr>
+        </p:nvSpPr>
+        <p:spPr>
+          <a:xfrm>
+            <a:off x="381000" y="685800"/>
+            <a:ext cx="6096000" cy="3429000"/>
+          </a:xfrm>
+          <a:custGeom>
+            <a:avLst/>
+            <a:gdLst/>
+            <a:ahLst/>
+            <a:cxnLst/>
+            <a:rect l="l" t="t" r="r" b="b"/>
+            <a:pathLst>
+              <a:path w="120000" h="120000" extrusionOk="0">
+                <a:moveTo>
+                  <a:pt x="0" y="0"/>
+                </a:moveTo>
+                <a:lnTo>
+                  <a:pt x="120000" y="0"/>
+                </a:lnTo>
+                <a:lnTo>
+                  <a:pt x="120000" y="120000"/>
+                </a:lnTo>
+                <a:lnTo>
+                  <a:pt x="0" y="120000"/>
+                </a:lnTo>
+                <a:close/>
+              </a:path>
+            </a:pathLst>
+          </a:custGeom>
+        </p:spPr>
+      </p:sp>
+      <p:sp>
+        <p:nvSpPr>
+          <p:cNvPr id="202" name="Google Shape;202;g5a0274641_1_44:notes"/>
+          <p:cNvSpPr txBox="1">
+            <a:spLocks noGrp="1"/>
+          </p:cNvSpPr>
+          <p:nvPr>
+            <p:ph type="body" idx="1"/>
+          </p:nvPr>
+        </p:nvSpPr>
+        <p:spPr>
+          <a:xfrm>
+            <a:off x="685800" y="4343400"/>
+            <a:ext cx="5486400" cy="4114800"/>
+          </a:xfrm>
+          <a:prstGeom prst="rect">
+            <a:avLst/>
+          </a:prstGeom>
+        </p:spPr>
+        <p:txBody>
+          <a:bodyPr spcFirstLastPara="1" wrap="square" lIns="91425" tIns="91425" rIns="91425" bIns="91425" anchor="t" anchorCtr="0">
+            <a:noAutofit/>
+          </a:bodyPr>
+          <a:lstStyle/>
+          <a:p>
+            <a:pPr marL="0" lvl="0" indent="0" algn="l" rtl="0">
+              <a:spcBef>
+                <a:spcPts val="360"/>
+              </a:spcBef>
+              <a:spcAft>
+                <a:spcPts val="0"/>
+              </a:spcAft>
+              <a:buNone/>
+            </a:pPr>
+            <a:endParaRPr/>
+          </a:p>
+        </p:txBody>
+      </p:sp>
+    </p:spTree>
+  </p:cSld>
+  <p:clrMapOvr>
+    <a:masterClrMapping/>
+  </p:clrMapOvr>
+</p:notes>
+</file>
+
+<file path=ppt/notesSlides/notesSlide27.xml><?xml version="1.0" encoding="utf-8"?>
+<p:notes xmlns:a="http://schemas.openxmlformats.org/drawingml/2006/main" xmlns:r="http://schemas.openxmlformats.org/officeDocument/2006/relationships" xmlns:p="http://schemas.openxmlformats.org/presentationml/2006/main" showMasterSp="0" showMasterPhAnim="0">
+  <p:cSld>
+    <p:spTree>
+      <p:nvGrpSpPr>
+        <p:cNvPr id="1" name="Shape 207"/>
+        <p:cNvGrpSpPr/>
+        <p:nvPr/>
+      </p:nvGrpSpPr>
+      <p:grpSpPr>
+        <a:xfrm>
+          <a:off x="0" y="0"/>
+          <a:ext cx="0" cy="0"/>
+          <a:chOff x="0" y="0"/>
+          <a:chExt cx="0" cy="0"/>
+        </a:xfrm>
+      </p:grpSpPr>
+      <p:sp>
+        <p:nvSpPr>
+          <p:cNvPr id="208" name="Google Shape;208;g5a0274641_1_52:notes"/>
+          <p:cNvSpPr>
+            <a:spLocks noGrp="1" noRot="1" noChangeAspect="1"/>
+          </p:cNvSpPr>
+          <p:nvPr>
+            <p:ph type="sldImg" idx="2"/>
+          </p:nvPr>
+        </p:nvSpPr>
+        <p:spPr>
+          <a:xfrm>
+            <a:off x="381000" y="685800"/>
+            <a:ext cx="6096000" cy="3429000"/>
+          </a:xfrm>
+          <a:custGeom>
+            <a:avLst/>
+            <a:gdLst/>
+            <a:ahLst/>
+            <a:cxnLst/>
+            <a:rect l="l" t="t" r="r" b="b"/>
+            <a:pathLst>
+              <a:path w="120000" h="120000" extrusionOk="0">
+                <a:moveTo>
+                  <a:pt x="0" y="0"/>
+                </a:moveTo>
+                <a:lnTo>
+                  <a:pt x="120000" y="0"/>
+                </a:lnTo>
+                <a:lnTo>
+                  <a:pt x="120000" y="120000"/>
+                </a:lnTo>
+                <a:lnTo>
+                  <a:pt x="0" y="120000"/>
+                </a:lnTo>
+                <a:close/>
+              </a:path>
+            </a:pathLst>
+          </a:custGeom>
+        </p:spPr>
+      </p:sp>
+      <p:sp>
+        <p:nvSpPr>
+          <p:cNvPr id="209" name="Google Shape;209;g5a0274641_1_52:notes"/>
+          <p:cNvSpPr txBox="1">
+            <a:spLocks noGrp="1"/>
+          </p:cNvSpPr>
+          <p:nvPr>
+            <p:ph type="body" idx="1"/>
+          </p:nvPr>
+        </p:nvSpPr>
+        <p:spPr>
+          <a:xfrm>
+            <a:off x="685800" y="4343400"/>
+            <a:ext cx="5486400" cy="4114800"/>
+          </a:xfrm>
+          <a:prstGeom prst="rect">
+            <a:avLst/>
+          </a:prstGeom>
+        </p:spPr>
+        <p:txBody>
+          <a:bodyPr spcFirstLastPara="1" wrap="square" lIns="91425" tIns="91425" rIns="91425" bIns="91425" anchor="t" anchorCtr="0">
+            <a:noAutofit/>
+          </a:bodyPr>
+          <a:lstStyle/>
+          <a:p>
+            <a:pPr marL="0" lvl="0" indent="0" algn="l" rtl="0">
+              <a:spcBef>
+                <a:spcPts val="360"/>
+              </a:spcBef>
+              <a:spcAft>
+                <a:spcPts val="0"/>
+              </a:spcAft>
+              <a:buNone/>
+            </a:pPr>
+            <a:endParaRPr/>
+          </a:p>
+        </p:txBody>
+      </p:sp>
+    </p:spTree>
+  </p:cSld>
+  <p:clrMapOvr>
+    <a:masterClrMapping/>
+  </p:clrMapOvr>
+</p:notes>
+</file>
+
+<file path=ppt/notesSlides/notesSlide28.xml><?xml version="1.0" encoding="utf-8"?>
+<p:notes xmlns:a="http://schemas.openxmlformats.org/drawingml/2006/main" xmlns:r="http://schemas.openxmlformats.org/officeDocument/2006/relationships" xmlns:p="http://schemas.openxmlformats.org/presentationml/2006/main" showMasterSp="0" showMasterPhAnim="0">
+  <p:cSld>
+    <p:spTree>
+      <p:nvGrpSpPr>
+        <p:cNvPr id="1" name="Shape 214"/>
+        <p:cNvGrpSpPr/>
+        <p:nvPr/>
+      </p:nvGrpSpPr>
+      <p:grpSpPr>
+        <a:xfrm>
+          <a:off x="0" y="0"/>
+          <a:ext cx="0" cy="0"/>
+          <a:chOff x="0" y="0"/>
+          <a:chExt cx="0" cy="0"/>
+        </a:xfrm>
+      </p:grpSpPr>
+      <p:sp>
+        <p:nvSpPr>
+          <p:cNvPr id="215" name="Google Shape;215;g5a0274641_1_60:notes"/>
+          <p:cNvSpPr>
+            <a:spLocks noGrp="1" noRot="1" noChangeAspect="1"/>
+          </p:cNvSpPr>
+          <p:nvPr>
+            <p:ph type="sldImg" idx="2"/>
+          </p:nvPr>
+        </p:nvSpPr>
+        <p:spPr>
+          <a:xfrm>
+            <a:off x="381000" y="685800"/>
+            <a:ext cx="6096000" cy="3429000"/>
+          </a:xfrm>
+          <a:custGeom>
+            <a:avLst/>
+            <a:gdLst/>
+            <a:ahLst/>
+            <a:cxnLst/>
+            <a:rect l="l" t="t" r="r" b="b"/>
+            <a:pathLst>
+              <a:path w="120000" h="120000" extrusionOk="0">
+                <a:moveTo>
+                  <a:pt x="0" y="0"/>
+                </a:moveTo>
+                <a:lnTo>
+                  <a:pt x="120000" y="0"/>
+                </a:lnTo>
+                <a:lnTo>
+                  <a:pt x="120000" y="120000"/>
+                </a:lnTo>
+                <a:lnTo>
+                  <a:pt x="0" y="120000"/>
+                </a:lnTo>
+                <a:close/>
+              </a:path>
+            </a:pathLst>
+          </a:custGeom>
+        </p:spPr>
+      </p:sp>
+      <p:sp>
+        <p:nvSpPr>
+          <p:cNvPr id="216" name="Google Shape;216;g5a0274641_1_60:notes"/>
+          <p:cNvSpPr txBox="1">
+            <a:spLocks noGrp="1"/>
+          </p:cNvSpPr>
+          <p:nvPr>
+            <p:ph type="body" idx="1"/>
+          </p:nvPr>
+        </p:nvSpPr>
+        <p:spPr>
+          <a:xfrm>
+            <a:off x="685800" y="4343400"/>
+            <a:ext cx="5486400" cy="4114800"/>
+          </a:xfrm>
+          <a:prstGeom prst="rect">
+            <a:avLst/>
+          </a:prstGeom>
+        </p:spPr>
+        <p:txBody>
+          <a:bodyPr spcFirstLastPara="1" wrap="square" lIns="91425" tIns="91425" rIns="91425" bIns="91425" anchor="t" anchorCtr="0">
+            <a:noAutofit/>
+          </a:bodyPr>
+          <a:lstStyle/>
+          <a:p>
+            <a:pPr marL="0" lvl="0" indent="0" algn="l" rtl="0">
+              <a:spcBef>
+                <a:spcPts val="360"/>
+              </a:spcBef>
+              <a:spcAft>
+                <a:spcPts val="0"/>
+              </a:spcAft>
+              <a:buNone/>
+            </a:pPr>
+            <a:endParaRPr/>
+          </a:p>
+        </p:txBody>
+      </p:sp>
+    </p:spTree>
+  </p:cSld>
+  <p:clrMapOvr>
+    <a:masterClrMapping/>
+  </p:clrMapOvr>
+</p:notes>
+</file>
+
+<file path=ppt/notesSlides/notesSlide29.xml><?xml version="1.0" encoding="utf-8"?>
+<p:notes xmlns:a="http://schemas.openxmlformats.org/drawingml/2006/main" xmlns:r="http://schemas.openxmlformats.org/officeDocument/2006/relationships" xmlns:p="http://schemas.openxmlformats.org/presentationml/2006/main" showMasterSp="0" showMasterPhAnim="0">
+  <p:cSld>
+    <p:spTree>
+      <p:nvGrpSpPr>
+        <p:cNvPr id="1" name="Shape 221"/>
+        <p:cNvGrpSpPr/>
+        <p:nvPr/>
+      </p:nvGrpSpPr>
+      <p:grpSpPr>
+        <a:xfrm>
+          <a:off x="0" y="0"/>
+          <a:ext cx="0" cy="0"/>
+          <a:chOff x="0" y="0"/>
+          <a:chExt cx="0" cy="0"/>
+        </a:xfrm>
+      </p:grpSpPr>
+      <p:sp>
+        <p:nvSpPr>
+          <p:cNvPr id="222" name="Google Shape;222;g5a0274641_1_68:notes"/>
+          <p:cNvSpPr>
+            <a:spLocks noGrp="1" noRot="1" noChangeAspect="1"/>
+          </p:cNvSpPr>
+          <p:nvPr>
+            <p:ph type="sldImg" idx="2"/>
+          </p:nvPr>
+        </p:nvSpPr>
+        <p:spPr>
+          <a:xfrm>
+            <a:off x="381000" y="685800"/>
+            <a:ext cx="6096000" cy="3429000"/>
+          </a:xfrm>
+          <a:custGeom>
+            <a:avLst/>
+            <a:gdLst/>
+            <a:ahLst/>
+            <a:cxnLst/>
+            <a:rect l="l" t="t" r="r" b="b"/>
+            <a:pathLst>
+              <a:path w="120000" h="120000" extrusionOk="0">
+                <a:moveTo>
+                  <a:pt x="0" y="0"/>
+                </a:moveTo>
+                <a:lnTo>
+                  <a:pt x="120000" y="0"/>
+                </a:lnTo>
+                <a:lnTo>
+                  <a:pt x="120000" y="120000"/>
+                </a:lnTo>
+                <a:lnTo>
+                  <a:pt x="0" y="120000"/>
+                </a:lnTo>
+                <a:close/>
+              </a:path>
+            </a:pathLst>
+          </a:custGeom>
+        </p:spPr>
+      </p:sp>
+      <p:sp>
+        <p:nvSpPr>
+          <p:cNvPr id="223" name="Google Shape;223;g5a0274641_1_68:notes"/>
+          <p:cNvSpPr txBox="1">
+            <a:spLocks noGrp="1"/>
+          </p:cNvSpPr>
+          <p:nvPr>
+            <p:ph type="body" idx="1"/>
+          </p:nvPr>
+        </p:nvSpPr>
+        <p:spPr>
+          <a:xfrm>
+            <a:off x="685800" y="4343400"/>
+            <a:ext cx="5486400" cy="4114800"/>
+          </a:xfrm>
+          <a:prstGeom prst="rect">
+            <a:avLst/>
+          </a:prstGeom>
+        </p:spPr>
+        <p:txBody>
+          <a:bodyPr spcFirstLastPara="1" wrap="square" lIns="91425" tIns="91425" rIns="91425" bIns="91425" anchor="t" anchorCtr="0">
+            <a:noAutofit/>
+          </a:bodyPr>
+          <a:lstStyle/>
+          <a:p>
+            <a:pPr marL="0" lvl="0" indent="0" algn="l" rtl="0">
+              <a:spcBef>
+                <a:spcPts val="360"/>
+              </a:spcBef>
+              <a:spcAft>
+                <a:spcPts val="0"/>
+              </a:spcAft>
+              <a:buNone/>
+            </a:pPr>
+            <a:endParaRPr/>
+          </a:p>
+        </p:txBody>
+      </p:sp>
+    </p:spTree>
+  </p:cSld>
+  <p:clrMapOvr>
+    <a:masterClrMapping/>
+  </p:clrMapOvr>
+</p:notes>
+</file>
+
+<file path=ppt/notesSlides/notesSlide3.xml><?xml version="1.0" encoding="utf-8"?>
+<p:notes xmlns:a="http://schemas.openxmlformats.org/drawingml/2006/main" xmlns:r="http://schemas.openxmlformats.org/officeDocument/2006/relationships" xmlns:p="http://schemas.openxmlformats.org/presentationml/2006/main" showMasterSp="0" showMasterPhAnim="0">
+  <p:cSld>
+    <p:spTree>
+      <p:nvGrpSpPr>
+        <p:cNvPr id="1" name="Shape 52"/>
+        <p:cNvGrpSpPr/>
+        <p:nvPr/>
+      </p:nvGrpSpPr>
+      <p:grpSpPr>
+        <a:xfrm>
+          <a:off x="0" y="0"/>
+          <a:ext cx="0" cy="0"/>
+          <a:chOff x="0" y="0"/>
+          <a:chExt cx="0" cy="0"/>
+        </a:xfrm>
+      </p:grpSpPr>
+      <p:sp>
+        <p:nvSpPr>
+          <p:cNvPr id="53" name="Google Shape;53;p7:notes"/>
+          <p:cNvSpPr txBox="1">
+            <a:spLocks noGrp="1"/>
+          </p:cNvSpPr>
+          <p:nvPr>
+            <p:ph type="body" idx="1"/>
+          </p:nvPr>
+        </p:nvSpPr>
+        <p:spPr>
+          <a:xfrm>
+            <a:off x="685800" y="4343400"/>
+            <a:ext cx="5486400" cy="4114800"/>
+          </a:xfrm>
+          <a:prstGeom prst="rect">
+            <a:avLst/>
+          </a:prstGeom>
+          <a:noFill/>
+          <a:ln>
+            <a:noFill/>
+          </a:ln>
+        </p:spPr>
+        <p:txBody>
+          <a:bodyPr spcFirstLastPara="1" wrap="square" lIns="91425" tIns="45700" rIns="91425" bIns="45700" anchor="t" anchorCtr="0">
+            <a:noAutofit/>
+          </a:bodyPr>
+          <a:lstStyle/>
+          <a:p>
+            <a:pPr marL="0" marR="0" lvl="0" indent="0" algn="l" rtl="0">
+              <a:spcBef>
+                <a:spcPts val="0"/>
+              </a:spcBef>
+              <a:spcAft>
+                <a:spcPts val="0"/>
+              </a:spcAft>
+              <a:buNone/>
+            </a:pPr>
+            <a:endParaRPr sz="1200" b="0" i="0" u="none" strike="noStrike" cap="none">
+              <a:solidFill>
+                <a:schemeClr val="dk1"/>
+              </a:solidFill>
+              <a:latin typeface="Arial"/>
+              <a:ea typeface="Arial"/>
+              <a:cs typeface="Arial"/>
+              <a:sym typeface="Arial"/>
+            </a:endParaRPr>
+          </a:p>
+        </p:txBody>
+      </p:sp>
+      <p:sp>
+        <p:nvSpPr>
+          <p:cNvPr id="54" name="Google Shape;54;p7:notes"/>
+          <p:cNvSpPr>
+            <a:spLocks noGrp="1" noRot="1" noChangeAspect="1"/>
+          </p:cNvSpPr>
+          <p:nvPr>
+            <p:ph type="sldImg" idx="2"/>
+          </p:nvPr>
+        </p:nvSpPr>
+        <p:spPr>
+          <a:xfrm>
+            <a:off x="381000" y="685800"/>
+            <a:ext cx="6096000" cy="3429000"/>
+          </a:xfrm>
+          <a:custGeom>
+            <a:avLst/>
+            <a:gdLst/>
+            <a:ahLst/>
+            <a:cxnLst/>
+            <a:rect l="l" t="t" r="r" b="b"/>
+            <a:pathLst>
+              <a:path w="120000" h="120000" extrusionOk="0">
+                <a:moveTo>
+                  <a:pt x="0" y="0"/>
+                </a:moveTo>
+                <a:lnTo>
+                  <a:pt x="120000" y="0"/>
+                </a:lnTo>
+                <a:lnTo>
+                  <a:pt x="120000" y="120000"/>
+                </a:lnTo>
+                <a:lnTo>
+                  <a:pt x="0" y="120000"/>
+                </a:lnTo>
+                <a:close/>
+              </a:path>
+            </a:pathLst>
+          </a:custGeom>
+          <a:noFill/>
+          <a:ln w="9525" cap="flat" cmpd="sng">
+            <a:solidFill>
+              <a:srgbClr val="000000"/>
+            </a:solidFill>
+            <a:prstDash val="solid"/>
+            <a:miter lim="8000"/>
+            <a:headEnd type="none" w="sm" len="sm"/>
+            <a:tailEnd type="none" w="sm" len="sm"/>
+          </a:ln>
+        </p:spPr>
+      </p:sp>
+    </p:spTree>
+  </p:cSld>
+  <p:clrMapOvr>
+    <a:masterClrMapping/>
+  </p:clrMapOvr>
+</p:notes>
+</file>
+
+<file path=ppt/notesSlides/notesSlide30.xml><?xml version="1.0" encoding="utf-8"?>
+<p:notes xmlns:a="http://schemas.openxmlformats.org/drawingml/2006/main" xmlns:r="http://schemas.openxmlformats.org/officeDocument/2006/relationships" xmlns:p="http://schemas.openxmlformats.org/presentationml/2006/main" showMasterSp="0" showMasterPhAnim="0">
+  <p:cSld>
+    <p:spTree>
+      <p:nvGrpSpPr>
+        <p:cNvPr id="1" name="Shape 228"/>
+        <p:cNvGrpSpPr/>
+        <p:nvPr/>
+      </p:nvGrpSpPr>
+      <p:grpSpPr>
+        <a:xfrm>
+          <a:off x="0" y="0"/>
+          <a:ext cx="0" cy="0"/>
+          <a:chOff x="0" y="0"/>
+          <a:chExt cx="0" cy="0"/>
+        </a:xfrm>
+      </p:grpSpPr>
+      <p:sp>
+        <p:nvSpPr>
+          <p:cNvPr id="229" name="Google Shape;229;g5a0274641_1_76:notes"/>
+          <p:cNvSpPr>
+            <a:spLocks noGrp="1" noRot="1" noChangeAspect="1"/>
+          </p:cNvSpPr>
+          <p:nvPr>
+            <p:ph type="sldImg" idx="2"/>
+          </p:nvPr>
+        </p:nvSpPr>
+        <p:spPr>
+          <a:xfrm>
+            <a:off x="381000" y="685800"/>
+            <a:ext cx="6096000" cy="3429000"/>
+          </a:xfrm>
+          <a:custGeom>
+            <a:avLst/>
+            <a:gdLst/>
+            <a:ahLst/>
+            <a:cxnLst/>
+            <a:rect l="l" t="t" r="r" b="b"/>
+            <a:pathLst>
+              <a:path w="120000" h="120000" extrusionOk="0">
+                <a:moveTo>
+                  <a:pt x="0" y="0"/>
+                </a:moveTo>
+                <a:lnTo>
+                  <a:pt x="120000" y="0"/>
+                </a:lnTo>
+                <a:lnTo>
+                  <a:pt x="120000" y="120000"/>
+                </a:lnTo>
+                <a:lnTo>
+                  <a:pt x="0" y="120000"/>
+                </a:lnTo>
+                <a:close/>
+              </a:path>
+            </a:pathLst>
+          </a:custGeom>
+        </p:spPr>
+      </p:sp>
+      <p:sp>
+        <p:nvSpPr>
+          <p:cNvPr id="230" name="Google Shape;230;g5a0274641_1_76:notes"/>
+          <p:cNvSpPr txBox="1">
+            <a:spLocks noGrp="1"/>
+          </p:cNvSpPr>
+          <p:nvPr>
+            <p:ph type="body" idx="1"/>
+          </p:nvPr>
+        </p:nvSpPr>
+        <p:spPr>
+          <a:xfrm>
+            <a:off x="685800" y="4343400"/>
+            <a:ext cx="5486400" cy="4114800"/>
+          </a:xfrm>
+          <a:prstGeom prst="rect">
+            <a:avLst/>
+          </a:prstGeom>
+        </p:spPr>
+        <p:txBody>
+          <a:bodyPr spcFirstLastPara="1" wrap="square" lIns="91425" tIns="91425" rIns="91425" bIns="91425" anchor="t" anchorCtr="0">
+            <a:noAutofit/>
+          </a:bodyPr>
+          <a:lstStyle/>
+          <a:p>
+            <a:pPr marL="0" lvl="0" indent="0" algn="l" rtl="0">
+              <a:spcBef>
+                <a:spcPts val="360"/>
+              </a:spcBef>
+              <a:spcAft>
+                <a:spcPts val="0"/>
+              </a:spcAft>
+              <a:buNone/>
+            </a:pPr>
+            <a:endParaRPr/>
+          </a:p>
+        </p:txBody>
+      </p:sp>
+    </p:spTree>
+  </p:cSld>
+  <p:clrMapOvr>
+    <a:masterClrMapping/>
+  </p:clrMapOvr>
+</p:notes>
+</file>
+
+<file path=ppt/notesSlides/notesSlide31.xml><?xml version="1.0" encoding="utf-8"?>
+<p:notes xmlns:a="http://schemas.openxmlformats.org/drawingml/2006/main" xmlns:r="http://schemas.openxmlformats.org/officeDocument/2006/relationships" xmlns:p="http://schemas.openxmlformats.org/presentationml/2006/main" showMasterSp="0" showMasterPhAnim="0">
+  <p:cSld>
+    <p:spTree>
+      <p:nvGrpSpPr>
+        <p:cNvPr id="1" name="Shape 235"/>
+        <p:cNvGrpSpPr/>
+        <p:nvPr/>
+      </p:nvGrpSpPr>
+      <p:grpSpPr>
+        <a:xfrm>
+          <a:off x="0" y="0"/>
+          <a:ext cx="0" cy="0"/>
+          <a:chOff x="0" y="0"/>
+          <a:chExt cx="0" cy="0"/>
+        </a:xfrm>
+      </p:grpSpPr>
+      <p:sp>
+        <p:nvSpPr>
+          <p:cNvPr id="236" name="Google Shape;236;g5a0274641_1_84:notes"/>
+          <p:cNvSpPr>
+            <a:spLocks noGrp="1" noRot="1" noChangeAspect="1"/>
+          </p:cNvSpPr>
+          <p:nvPr>
+            <p:ph type="sldImg" idx="2"/>
+          </p:nvPr>
+        </p:nvSpPr>
+        <p:spPr>
+          <a:xfrm>
+            <a:off x="1143000" y="685800"/>
+            <a:ext cx="4572000" cy="3429000"/>
+          </a:xfrm>
+          <a:custGeom>
+            <a:avLst/>
+            <a:gdLst/>
+            <a:ahLst/>
+            <a:cxnLst/>
+            <a:rect l="l" t="t" r="r" b="b"/>
+            <a:pathLst>
+              <a:path w="120000" h="120000" extrusionOk="0">
+                <a:moveTo>
+                  <a:pt x="0" y="0"/>
+                </a:moveTo>
+                <a:lnTo>
+                  <a:pt x="120000" y="0"/>
+                </a:lnTo>
+                <a:lnTo>
+                  <a:pt x="120000" y="120000"/>
+                </a:lnTo>
+                <a:lnTo>
+                  <a:pt x="0" y="120000"/>
+                </a:lnTo>
+                <a:close/>
+              </a:path>
+            </a:pathLst>
+          </a:custGeom>
+        </p:spPr>
+      </p:sp>
+      <p:sp>
+        <p:nvSpPr>
+          <p:cNvPr id="237" name="Google Shape;237;g5a0274641_1_84:notes"/>
+          <p:cNvSpPr txBox="1">
+            <a:spLocks noGrp="1"/>
+          </p:cNvSpPr>
+          <p:nvPr>
+            <p:ph type="body" idx="1"/>
+          </p:nvPr>
+        </p:nvSpPr>
+        <p:spPr>
+          <a:xfrm>
+            <a:off x="685800" y="4343400"/>
+            <a:ext cx="5486400" cy="4114800"/>
+          </a:xfrm>
+          <a:prstGeom prst="rect">
+            <a:avLst/>
+          </a:prstGeom>
+        </p:spPr>
+        <p:txBody>
+          <a:bodyPr spcFirstLastPara="1" wrap="square" lIns="91425" tIns="91425" rIns="91425" bIns="91425" anchor="t" anchorCtr="0">
+            <a:noAutofit/>
+          </a:bodyPr>
+          <a:lstStyle/>
+          <a:p>
+            <a:pPr marL="0" lvl="0" indent="0" algn="l" rtl="0">
+              <a:spcBef>
+                <a:spcPts val="360"/>
+              </a:spcBef>
+              <a:spcAft>
+                <a:spcPts val="0"/>
+              </a:spcAft>
+              <a:buNone/>
+            </a:pPr>
+            <a:endParaRPr/>
+          </a:p>
+        </p:txBody>
+      </p:sp>
+    </p:spTree>
+  </p:cSld>
+  <p:clrMapOvr>
+    <a:masterClrMapping/>
+  </p:clrMapOvr>
+</p:notes>
+</file>
+
+<file path=ppt/notesSlides/notesSlide32.xml><?xml version="1.0" encoding="utf-8"?>
+<p:notes xmlns:a="http://schemas.openxmlformats.org/drawingml/2006/main" xmlns:r="http://schemas.openxmlformats.org/officeDocument/2006/relationships" xmlns:p="http://schemas.openxmlformats.org/presentationml/2006/main" showMasterSp="0" showMasterPhAnim="0">
+  <p:cSld>
+    <p:spTree>
+      <p:nvGrpSpPr>
+        <p:cNvPr id="1" name="Shape 241"/>
+        <p:cNvGrpSpPr/>
+        <p:nvPr/>
+      </p:nvGrpSpPr>
+      <p:grpSpPr>
+        <a:xfrm>
+          <a:off x="0" y="0"/>
+          <a:ext cx="0" cy="0"/>
+          <a:chOff x="0" y="0"/>
+          <a:chExt cx="0" cy="0"/>
+        </a:xfrm>
+      </p:grpSpPr>
+      <p:sp>
+        <p:nvSpPr>
+          <p:cNvPr id="242" name="Google Shape;242;g5a0274641_0_6:notes"/>
           <p:cNvSpPr>
             <a:spLocks noGrp="1" noRot="1" noChangeAspect="1"/>
           </p:cNvSpPr>
@@ -3122,7 +4310,7 @@
       </p:sp>
       <p:sp>
         <p:nvSpPr>
-          <p:cNvPr id="175" name="Google Shape;175;g5a0274641_0_0:notes"/>
+          <p:cNvPr id="243" name="Google Shape;243;g5a0274641_0_6:notes"/>
           <p:cNvSpPr txBox="1">
             <a:spLocks noGrp="1"/>
           </p:cNvSpPr>
@@ -3178,12 +4366,12 @@
 </p:notes>
 </file>
 
-<file path=ppt/notesSlides/notesSlide23.xml><?xml version="1.0" encoding="utf-8"?>
+<file path=ppt/notesSlides/notesSlide33.xml><?xml version="1.0" encoding="utf-8"?>
 <p:notes xmlns:a="http://schemas.openxmlformats.org/drawingml/2006/main" xmlns:r="http://schemas.openxmlformats.org/officeDocument/2006/relationships" xmlns:p="http://schemas.openxmlformats.org/presentationml/2006/main" showMasterSp="0" showMasterPhAnim="0">
   <p:cSld>
     <p:spTree>
       <p:nvGrpSpPr>
-        <p:cNvPr id="1" name="Shape 180"/>
+        <p:cNvPr id="1" name="Shape 248"/>
         <p:cNvGrpSpPr/>
         <p:nvPr/>
       </p:nvGrpSpPr>
@@ -3197,7 +4385,7 @@
       </p:grpSpPr>
       <p:sp>
         <p:nvSpPr>
-          <p:cNvPr id="181" name="Google Shape;181;g5a0274641_1_21:notes"/>
+          <p:cNvPr id="249" name="Google Shape;249;g5a0274641_0_12:notes"/>
           <p:cNvSpPr>
             <a:spLocks noGrp="1" noRot="1" noChangeAspect="1"/>
           </p:cNvSpPr>
@@ -3238,7 +4426,7 @@
       </p:sp>
       <p:sp>
         <p:nvSpPr>
-          <p:cNvPr id="182" name="Google Shape;182;g5a0274641_1_21:notes"/>
+          <p:cNvPr id="250" name="Google Shape;250;g5a0274641_0_12:notes"/>
           <p:cNvSpPr txBox="1">
             <a:spLocks noGrp="1"/>
           </p:cNvSpPr>
@@ -3282,12 +4470,12 @@
 </p:notes>
 </file>
 
-<file path=ppt/notesSlides/notesSlide24.xml><?xml version="1.0" encoding="utf-8"?>
+<file path=ppt/notesSlides/notesSlide34.xml><?xml version="1.0" encoding="utf-8"?>
 <p:notes xmlns:a="http://schemas.openxmlformats.org/drawingml/2006/main" xmlns:r="http://schemas.openxmlformats.org/officeDocument/2006/relationships" xmlns:p="http://schemas.openxmlformats.org/presentationml/2006/main" showMasterSp="0" showMasterPhAnim="0">
   <p:cSld>
     <p:spTree>
       <p:nvGrpSpPr>
-        <p:cNvPr id="1" name="Shape 187"/>
+        <p:cNvPr id="1" name="Shape 254"/>
         <p:cNvGrpSpPr/>
         <p:nvPr/>
       </p:nvGrpSpPr>
@@ -3301,7 +4489,7 @@
       </p:grpSpPr>
       <p:sp>
         <p:nvSpPr>
-          <p:cNvPr id="188" name="Google Shape;188;g5a0274641_1_29:notes"/>
+          <p:cNvPr id="255" name="Google Shape;255;p106:notes"/>
           <p:cNvSpPr>
             <a:spLocks noGrp="1" noRot="1" noChangeAspect="1"/>
           </p:cNvSpPr>
@@ -3338,594 +4526,21 @@
               </a:path>
             </a:pathLst>
           </a:custGeom>
+          <a:noFill/>
+          <a:ln w="9525" cap="flat" cmpd="sng">
+            <a:solidFill>
+              <a:srgbClr val="000000"/>
+            </a:solidFill>
+            <a:prstDash val="solid"/>
+            <a:miter lim="8000"/>
+            <a:headEnd type="none" w="sm" len="sm"/>
+            <a:tailEnd type="none" w="sm" len="sm"/>
+          </a:ln>
         </p:spPr>
       </p:sp>
       <p:sp>
         <p:nvSpPr>
-          <p:cNvPr id="189" name="Google Shape;189;g5a0274641_1_29:notes"/>
-          <p:cNvSpPr txBox="1">
-            <a:spLocks noGrp="1"/>
-          </p:cNvSpPr>
-          <p:nvPr>
-            <p:ph type="body" idx="1"/>
-          </p:nvPr>
-        </p:nvSpPr>
-        <p:spPr>
-          <a:xfrm>
-            <a:off x="685800" y="4343400"/>
-            <a:ext cx="5486400" cy="4114800"/>
-          </a:xfrm>
-          <a:prstGeom prst="rect">
-            <a:avLst/>
-          </a:prstGeom>
-        </p:spPr>
-        <p:txBody>
-          <a:bodyPr spcFirstLastPara="1" wrap="square" lIns="91425" tIns="91425" rIns="91425" bIns="91425" anchor="t" anchorCtr="0">
-            <a:noAutofit/>
-          </a:bodyPr>
-          <a:lstStyle/>
-          <a:p>
-            <a:pPr marL="0" lvl="0" indent="0" algn="l" rtl="0">
-              <a:spcBef>
-                <a:spcPts val="360"/>
-              </a:spcBef>
-              <a:spcAft>
-                <a:spcPts val="0"/>
-              </a:spcAft>
-              <a:buNone/>
-            </a:pPr>
-            <a:endParaRPr/>
-          </a:p>
-        </p:txBody>
-      </p:sp>
-    </p:spTree>
-  </p:cSld>
-  <p:clrMapOvr>
-    <a:masterClrMapping/>
-  </p:clrMapOvr>
-</p:notes>
-</file>
-
-<file path=ppt/notesSlides/notesSlide25.xml><?xml version="1.0" encoding="utf-8"?>
-<p:notes xmlns:a="http://schemas.openxmlformats.org/drawingml/2006/main" xmlns:r="http://schemas.openxmlformats.org/officeDocument/2006/relationships" xmlns:p="http://schemas.openxmlformats.org/presentationml/2006/main" showMasterSp="0" showMasterPhAnim="0">
-  <p:cSld>
-    <p:spTree>
-      <p:nvGrpSpPr>
-        <p:cNvPr id="1" name="Shape 193"/>
-        <p:cNvGrpSpPr/>
-        <p:nvPr/>
-      </p:nvGrpSpPr>
-      <p:grpSpPr>
-        <a:xfrm>
-          <a:off x="0" y="0"/>
-          <a:ext cx="0" cy="0"/>
-          <a:chOff x="0" y="0"/>
-          <a:chExt cx="0" cy="0"/>
-        </a:xfrm>
-      </p:grpSpPr>
-      <p:sp>
-        <p:nvSpPr>
-          <p:cNvPr id="194" name="Google Shape;194;g5a0274641_1_35:notes"/>
-          <p:cNvSpPr>
-            <a:spLocks noGrp="1" noRot="1" noChangeAspect="1"/>
-          </p:cNvSpPr>
-          <p:nvPr>
-            <p:ph type="sldImg" idx="2"/>
-          </p:nvPr>
-        </p:nvSpPr>
-        <p:spPr>
-          <a:xfrm>
-            <a:off x="1143000" y="685800"/>
-            <a:ext cx="4572000" cy="3429000"/>
-          </a:xfrm>
-          <a:custGeom>
-            <a:avLst/>
-            <a:gdLst/>
-            <a:ahLst/>
-            <a:cxnLst/>
-            <a:rect l="l" t="t" r="r" b="b"/>
-            <a:pathLst>
-              <a:path w="120000" h="120000" extrusionOk="0">
-                <a:moveTo>
-                  <a:pt x="0" y="0"/>
-                </a:moveTo>
-                <a:lnTo>
-                  <a:pt x="120000" y="0"/>
-                </a:lnTo>
-                <a:lnTo>
-                  <a:pt x="120000" y="120000"/>
-                </a:lnTo>
-                <a:lnTo>
-                  <a:pt x="0" y="120000"/>
-                </a:lnTo>
-                <a:close/>
-              </a:path>
-            </a:pathLst>
-          </a:custGeom>
-        </p:spPr>
-      </p:sp>
-      <p:sp>
-        <p:nvSpPr>
-          <p:cNvPr id="195" name="Google Shape;195;g5a0274641_1_35:notes"/>
-          <p:cNvSpPr txBox="1">
-            <a:spLocks noGrp="1"/>
-          </p:cNvSpPr>
-          <p:nvPr>
-            <p:ph type="body" idx="1"/>
-          </p:nvPr>
-        </p:nvSpPr>
-        <p:spPr>
-          <a:xfrm>
-            <a:off x="685800" y="4343400"/>
-            <a:ext cx="5486400" cy="4114800"/>
-          </a:xfrm>
-          <a:prstGeom prst="rect">
-            <a:avLst/>
-          </a:prstGeom>
-        </p:spPr>
-        <p:txBody>
-          <a:bodyPr spcFirstLastPara="1" wrap="square" lIns="91425" tIns="91425" rIns="91425" bIns="91425" anchor="t" anchorCtr="0">
-            <a:noAutofit/>
-          </a:bodyPr>
-          <a:lstStyle/>
-          <a:p>
-            <a:pPr marL="0" lvl="0" indent="0" algn="l" rtl="0">
-              <a:spcBef>
-                <a:spcPts val="360"/>
-              </a:spcBef>
-              <a:spcAft>
-                <a:spcPts val="0"/>
-              </a:spcAft>
-              <a:buNone/>
-            </a:pPr>
-            <a:endParaRPr/>
-          </a:p>
-        </p:txBody>
-      </p:sp>
-    </p:spTree>
-  </p:cSld>
-  <p:clrMapOvr>
-    <a:masterClrMapping/>
-  </p:clrMapOvr>
-</p:notes>
-</file>
-
-<file path=ppt/notesSlides/notesSlide26.xml><?xml version="1.0" encoding="utf-8"?>
-<p:notes xmlns:a="http://schemas.openxmlformats.org/drawingml/2006/main" xmlns:r="http://schemas.openxmlformats.org/officeDocument/2006/relationships" xmlns:p="http://schemas.openxmlformats.org/presentationml/2006/main" showMasterSp="0" showMasterPhAnim="0">
-  <p:cSld>
-    <p:spTree>
-      <p:nvGrpSpPr>
-        <p:cNvPr id="1" name="Shape 200"/>
-        <p:cNvGrpSpPr/>
-        <p:nvPr/>
-      </p:nvGrpSpPr>
-      <p:grpSpPr>
-        <a:xfrm>
-          <a:off x="0" y="0"/>
-          <a:ext cx="0" cy="0"/>
-          <a:chOff x="0" y="0"/>
-          <a:chExt cx="0" cy="0"/>
-        </a:xfrm>
-      </p:grpSpPr>
-      <p:sp>
-        <p:nvSpPr>
-          <p:cNvPr id="201" name="Google Shape;201;g5a0274641_1_44:notes"/>
-          <p:cNvSpPr>
-            <a:spLocks noGrp="1" noRot="1" noChangeAspect="1"/>
-          </p:cNvSpPr>
-          <p:nvPr>
-            <p:ph type="sldImg" idx="2"/>
-          </p:nvPr>
-        </p:nvSpPr>
-        <p:spPr>
-          <a:xfrm>
-            <a:off x="1143000" y="685800"/>
-            <a:ext cx="4572000" cy="3429000"/>
-          </a:xfrm>
-          <a:custGeom>
-            <a:avLst/>
-            <a:gdLst/>
-            <a:ahLst/>
-            <a:cxnLst/>
-            <a:rect l="l" t="t" r="r" b="b"/>
-            <a:pathLst>
-              <a:path w="120000" h="120000" extrusionOk="0">
-                <a:moveTo>
-                  <a:pt x="0" y="0"/>
-                </a:moveTo>
-                <a:lnTo>
-                  <a:pt x="120000" y="0"/>
-                </a:lnTo>
-                <a:lnTo>
-                  <a:pt x="120000" y="120000"/>
-                </a:lnTo>
-                <a:lnTo>
-                  <a:pt x="0" y="120000"/>
-                </a:lnTo>
-                <a:close/>
-              </a:path>
-            </a:pathLst>
-          </a:custGeom>
-        </p:spPr>
-      </p:sp>
-      <p:sp>
-        <p:nvSpPr>
-          <p:cNvPr id="202" name="Google Shape;202;g5a0274641_1_44:notes"/>
-          <p:cNvSpPr txBox="1">
-            <a:spLocks noGrp="1"/>
-          </p:cNvSpPr>
-          <p:nvPr>
-            <p:ph type="body" idx="1"/>
-          </p:nvPr>
-        </p:nvSpPr>
-        <p:spPr>
-          <a:xfrm>
-            <a:off x="685800" y="4343400"/>
-            <a:ext cx="5486400" cy="4114800"/>
-          </a:xfrm>
-          <a:prstGeom prst="rect">
-            <a:avLst/>
-          </a:prstGeom>
-        </p:spPr>
-        <p:txBody>
-          <a:bodyPr spcFirstLastPara="1" wrap="square" lIns="91425" tIns="91425" rIns="91425" bIns="91425" anchor="t" anchorCtr="0">
-            <a:noAutofit/>
-          </a:bodyPr>
-          <a:lstStyle/>
-          <a:p>
-            <a:pPr marL="0" lvl="0" indent="0" algn="l" rtl="0">
-              <a:spcBef>
-                <a:spcPts val="360"/>
-              </a:spcBef>
-              <a:spcAft>
-                <a:spcPts val="0"/>
-              </a:spcAft>
-              <a:buNone/>
-            </a:pPr>
-            <a:endParaRPr/>
-          </a:p>
-        </p:txBody>
-      </p:sp>
-    </p:spTree>
-  </p:cSld>
-  <p:clrMapOvr>
-    <a:masterClrMapping/>
-  </p:clrMapOvr>
-</p:notes>
-</file>
-
-<file path=ppt/notesSlides/notesSlide27.xml><?xml version="1.0" encoding="utf-8"?>
-<p:notes xmlns:a="http://schemas.openxmlformats.org/drawingml/2006/main" xmlns:r="http://schemas.openxmlformats.org/officeDocument/2006/relationships" xmlns:p="http://schemas.openxmlformats.org/presentationml/2006/main" showMasterSp="0" showMasterPhAnim="0">
-  <p:cSld>
-    <p:spTree>
-      <p:nvGrpSpPr>
-        <p:cNvPr id="1" name="Shape 207"/>
-        <p:cNvGrpSpPr/>
-        <p:nvPr/>
-      </p:nvGrpSpPr>
-      <p:grpSpPr>
-        <a:xfrm>
-          <a:off x="0" y="0"/>
-          <a:ext cx="0" cy="0"/>
-          <a:chOff x="0" y="0"/>
-          <a:chExt cx="0" cy="0"/>
-        </a:xfrm>
-      </p:grpSpPr>
-      <p:sp>
-        <p:nvSpPr>
-          <p:cNvPr id="208" name="Google Shape;208;g5a0274641_1_52:notes"/>
-          <p:cNvSpPr>
-            <a:spLocks noGrp="1" noRot="1" noChangeAspect="1"/>
-          </p:cNvSpPr>
-          <p:nvPr>
-            <p:ph type="sldImg" idx="2"/>
-          </p:nvPr>
-        </p:nvSpPr>
-        <p:spPr>
-          <a:xfrm>
-            <a:off x="1143000" y="685800"/>
-            <a:ext cx="4572000" cy="3429000"/>
-          </a:xfrm>
-          <a:custGeom>
-            <a:avLst/>
-            <a:gdLst/>
-            <a:ahLst/>
-            <a:cxnLst/>
-            <a:rect l="l" t="t" r="r" b="b"/>
-            <a:pathLst>
-              <a:path w="120000" h="120000" extrusionOk="0">
-                <a:moveTo>
-                  <a:pt x="0" y="0"/>
-                </a:moveTo>
-                <a:lnTo>
-                  <a:pt x="120000" y="0"/>
-                </a:lnTo>
-                <a:lnTo>
-                  <a:pt x="120000" y="120000"/>
-                </a:lnTo>
-                <a:lnTo>
-                  <a:pt x="0" y="120000"/>
-                </a:lnTo>
-                <a:close/>
-              </a:path>
-            </a:pathLst>
-          </a:custGeom>
-        </p:spPr>
-      </p:sp>
-      <p:sp>
-        <p:nvSpPr>
-          <p:cNvPr id="209" name="Google Shape;209;g5a0274641_1_52:notes"/>
-          <p:cNvSpPr txBox="1">
-            <a:spLocks noGrp="1"/>
-          </p:cNvSpPr>
-          <p:nvPr>
-            <p:ph type="body" idx="1"/>
-          </p:nvPr>
-        </p:nvSpPr>
-        <p:spPr>
-          <a:xfrm>
-            <a:off x="685800" y="4343400"/>
-            <a:ext cx="5486400" cy="4114800"/>
-          </a:xfrm>
-          <a:prstGeom prst="rect">
-            <a:avLst/>
-          </a:prstGeom>
-        </p:spPr>
-        <p:txBody>
-          <a:bodyPr spcFirstLastPara="1" wrap="square" lIns="91425" tIns="91425" rIns="91425" bIns="91425" anchor="t" anchorCtr="0">
-            <a:noAutofit/>
-          </a:bodyPr>
-          <a:lstStyle/>
-          <a:p>
-            <a:pPr marL="0" lvl="0" indent="0" algn="l" rtl="0">
-              <a:spcBef>
-                <a:spcPts val="360"/>
-              </a:spcBef>
-              <a:spcAft>
-                <a:spcPts val="0"/>
-              </a:spcAft>
-              <a:buNone/>
-            </a:pPr>
-            <a:endParaRPr/>
-          </a:p>
-        </p:txBody>
-      </p:sp>
-    </p:spTree>
-  </p:cSld>
-  <p:clrMapOvr>
-    <a:masterClrMapping/>
-  </p:clrMapOvr>
-</p:notes>
-</file>
-
-<file path=ppt/notesSlides/notesSlide28.xml><?xml version="1.0" encoding="utf-8"?>
-<p:notes xmlns:a="http://schemas.openxmlformats.org/drawingml/2006/main" xmlns:r="http://schemas.openxmlformats.org/officeDocument/2006/relationships" xmlns:p="http://schemas.openxmlformats.org/presentationml/2006/main" showMasterSp="0" showMasterPhAnim="0">
-  <p:cSld>
-    <p:spTree>
-      <p:nvGrpSpPr>
-        <p:cNvPr id="1" name="Shape 214"/>
-        <p:cNvGrpSpPr/>
-        <p:nvPr/>
-      </p:nvGrpSpPr>
-      <p:grpSpPr>
-        <a:xfrm>
-          <a:off x="0" y="0"/>
-          <a:ext cx="0" cy="0"/>
-          <a:chOff x="0" y="0"/>
-          <a:chExt cx="0" cy="0"/>
-        </a:xfrm>
-      </p:grpSpPr>
-      <p:sp>
-        <p:nvSpPr>
-          <p:cNvPr id="215" name="Google Shape;215;g5a0274641_1_60:notes"/>
-          <p:cNvSpPr>
-            <a:spLocks noGrp="1" noRot="1" noChangeAspect="1"/>
-          </p:cNvSpPr>
-          <p:nvPr>
-            <p:ph type="sldImg" idx="2"/>
-          </p:nvPr>
-        </p:nvSpPr>
-        <p:spPr>
-          <a:xfrm>
-            <a:off x="1143000" y="685800"/>
-            <a:ext cx="4572000" cy="3429000"/>
-          </a:xfrm>
-          <a:custGeom>
-            <a:avLst/>
-            <a:gdLst/>
-            <a:ahLst/>
-            <a:cxnLst/>
-            <a:rect l="l" t="t" r="r" b="b"/>
-            <a:pathLst>
-              <a:path w="120000" h="120000" extrusionOk="0">
-                <a:moveTo>
-                  <a:pt x="0" y="0"/>
-                </a:moveTo>
-                <a:lnTo>
-                  <a:pt x="120000" y="0"/>
-                </a:lnTo>
-                <a:lnTo>
-                  <a:pt x="120000" y="120000"/>
-                </a:lnTo>
-                <a:lnTo>
-                  <a:pt x="0" y="120000"/>
-                </a:lnTo>
-                <a:close/>
-              </a:path>
-            </a:pathLst>
-          </a:custGeom>
-        </p:spPr>
-      </p:sp>
-      <p:sp>
-        <p:nvSpPr>
-          <p:cNvPr id="216" name="Google Shape;216;g5a0274641_1_60:notes"/>
-          <p:cNvSpPr txBox="1">
-            <a:spLocks noGrp="1"/>
-          </p:cNvSpPr>
-          <p:nvPr>
-            <p:ph type="body" idx="1"/>
-          </p:nvPr>
-        </p:nvSpPr>
-        <p:spPr>
-          <a:xfrm>
-            <a:off x="685800" y="4343400"/>
-            <a:ext cx="5486400" cy="4114800"/>
-          </a:xfrm>
-          <a:prstGeom prst="rect">
-            <a:avLst/>
-          </a:prstGeom>
-        </p:spPr>
-        <p:txBody>
-          <a:bodyPr spcFirstLastPara="1" wrap="square" lIns="91425" tIns="91425" rIns="91425" bIns="91425" anchor="t" anchorCtr="0">
-            <a:noAutofit/>
-          </a:bodyPr>
-          <a:lstStyle/>
-          <a:p>
-            <a:pPr marL="0" lvl="0" indent="0" algn="l" rtl="0">
-              <a:spcBef>
-                <a:spcPts val="360"/>
-              </a:spcBef>
-              <a:spcAft>
-                <a:spcPts val="0"/>
-              </a:spcAft>
-              <a:buNone/>
-            </a:pPr>
-            <a:endParaRPr/>
-          </a:p>
-        </p:txBody>
-      </p:sp>
-    </p:spTree>
-  </p:cSld>
-  <p:clrMapOvr>
-    <a:masterClrMapping/>
-  </p:clrMapOvr>
-</p:notes>
-</file>
-
-<file path=ppt/notesSlides/notesSlide29.xml><?xml version="1.0" encoding="utf-8"?>
-<p:notes xmlns:a="http://schemas.openxmlformats.org/drawingml/2006/main" xmlns:r="http://schemas.openxmlformats.org/officeDocument/2006/relationships" xmlns:p="http://schemas.openxmlformats.org/presentationml/2006/main" showMasterSp="0" showMasterPhAnim="0">
-  <p:cSld>
-    <p:spTree>
-      <p:nvGrpSpPr>
-        <p:cNvPr id="1" name="Shape 221"/>
-        <p:cNvGrpSpPr/>
-        <p:nvPr/>
-      </p:nvGrpSpPr>
-      <p:grpSpPr>
-        <a:xfrm>
-          <a:off x="0" y="0"/>
-          <a:ext cx="0" cy="0"/>
-          <a:chOff x="0" y="0"/>
-          <a:chExt cx="0" cy="0"/>
-        </a:xfrm>
-      </p:grpSpPr>
-      <p:sp>
-        <p:nvSpPr>
-          <p:cNvPr id="222" name="Google Shape;222;g5a0274641_1_68:notes"/>
-          <p:cNvSpPr>
-            <a:spLocks noGrp="1" noRot="1" noChangeAspect="1"/>
-          </p:cNvSpPr>
-          <p:nvPr>
-            <p:ph type="sldImg" idx="2"/>
-          </p:nvPr>
-        </p:nvSpPr>
-        <p:spPr>
-          <a:xfrm>
-            <a:off x="1143000" y="685800"/>
-            <a:ext cx="4572000" cy="3429000"/>
-          </a:xfrm>
-          <a:custGeom>
-            <a:avLst/>
-            <a:gdLst/>
-            <a:ahLst/>
-            <a:cxnLst/>
-            <a:rect l="l" t="t" r="r" b="b"/>
-            <a:pathLst>
-              <a:path w="120000" h="120000" extrusionOk="0">
-                <a:moveTo>
-                  <a:pt x="0" y="0"/>
-                </a:moveTo>
-                <a:lnTo>
-                  <a:pt x="120000" y="0"/>
-                </a:lnTo>
-                <a:lnTo>
-                  <a:pt x="120000" y="120000"/>
-                </a:lnTo>
-                <a:lnTo>
-                  <a:pt x="0" y="120000"/>
-                </a:lnTo>
-                <a:close/>
-              </a:path>
-            </a:pathLst>
-          </a:custGeom>
-        </p:spPr>
-      </p:sp>
-      <p:sp>
-        <p:nvSpPr>
-          <p:cNvPr id="223" name="Google Shape;223;g5a0274641_1_68:notes"/>
-          <p:cNvSpPr txBox="1">
-            <a:spLocks noGrp="1"/>
-          </p:cNvSpPr>
-          <p:nvPr>
-            <p:ph type="body" idx="1"/>
-          </p:nvPr>
-        </p:nvSpPr>
-        <p:spPr>
-          <a:xfrm>
-            <a:off x="685800" y="4343400"/>
-            <a:ext cx="5486400" cy="4114800"/>
-          </a:xfrm>
-          <a:prstGeom prst="rect">
-            <a:avLst/>
-          </a:prstGeom>
-        </p:spPr>
-        <p:txBody>
-          <a:bodyPr spcFirstLastPara="1" wrap="square" lIns="91425" tIns="91425" rIns="91425" bIns="91425" anchor="t" anchorCtr="0">
-            <a:noAutofit/>
-          </a:bodyPr>
-          <a:lstStyle/>
-          <a:p>
-            <a:pPr marL="0" lvl="0" indent="0" algn="l" rtl="0">
-              <a:spcBef>
-                <a:spcPts val="360"/>
-              </a:spcBef>
-              <a:spcAft>
-                <a:spcPts val="0"/>
-              </a:spcAft>
-              <a:buNone/>
-            </a:pPr>
-            <a:endParaRPr/>
-          </a:p>
-        </p:txBody>
-      </p:sp>
-    </p:spTree>
-  </p:cSld>
-  <p:clrMapOvr>
-    <a:masterClrMapping/>
-  </p:clrMapOvr>
-</p:notes>
-</file>
-
-<file path=ppt/notesSlides/notesSlide3.xml><?xml version="1.0" encoding="utf-8"?>
-<p:notes xmlns:a="http://schemas.openxmlformats.org/drawingml/2006/main" xmlns:r="http://schemas.openxmlformats.org/officeDocument/2006/relationships" xmlns:p="http://schemas.openxmlformats.org/presentationml/2006/main" showMasterSp="0" showMasterPhAnim="0">
-  <p:cSld>
-    <p:spTree>
-      <p:nvGrpSpPr>
-        <p:cNvPr id="1" name="Shape 52"/>
-        <p:cNvGrpSpPr/>
-        <p:nvPr/>
-      </p:nvGrpSpPr>
-      <p:grpSpPr>
-        <a:xfrm>
-          <a:off x="0" y="0"/>
-          <a:ext cx="0" cy="0"/>
-          <a:chOff x="0" y="0"/>
-          <a:chExt cx="0" cy="0"/>
-        </a:xfrm>
-      </p:grpSpPr>
-      <p:sp>
-        <p:nvSpPr>
-          <p:cNvPr id="53" name="Google Shape;53;p7:notes"/>
+          <p:cNvPr id="256" name="Google Shape;256;p106:notes"/>
           <p:cNvSpPr txBox="1">
             <a:spLocks noGrp="1"/>
           </p:cNvSpPr>
@@ -3973,9 +4588,466 @@
           </a:p>
         </p:txBody>
       </p:sp>
-      <p:sp>
-        <p:nvSpPr>
-          <p:cNvPr id="54" name="Google Shape;54;p7:notes"/>
+    </p:spTree>
+  </p:cSld>
+  <p:clrMapOvr>
+    <a:masterClrMapping/>
+  </p:clrMapOvr>
+</p:notes>
+</file>
+
+<file path=ppt/notesSlides/notesSlide35.xml><?xml version="1.0" encoding="utf-8"?>
+<p:notes xmlns:a="http://schemas.openxmlformats.org/drawingml/2006/main" xmlns:r="http://schemas.openxmlformats.org/officeDocument/2006/relationships" xmlns:p="http://schemas.openxmlformats.org/presentationml/2006/main">
+  <p:cSld>
+    <p:spTree>
+      <p:nvGrpSpPr>
+        <p:cNvPr id="1" name=""/>
+        <p:cNvGrpSpPr/>
+        <p:nvPr/>
+      </p:nvGrpSpPr>
+      <p:grpSpPr>
+        <a:xfrm>
+          <a:off x="0" y="0"/>
+          <a:ext cx="0" cy="0"/>
+          <a:chOff x="0" y="0"/>
+          <a:chExt cx="0" cy="0"/>
+        </a:xfrm>
+      </p:grpSpPr>
+      <p:sp>
+        <p:nvSpPr>
+          <p:cNvPr id="63490" name="Rectangle 2"/>
+          <p:cNvSpPr>
+            <a:spLocks noGrp="1" noRot="1" noChangeAspect="1" noChangeArrowheads="1" noTextEdit="1"/>
+          </p:cNvSpPr>
+          <p:nvPr>
+            <p:ph type="sldImg"/>
+          </p:nvPr>
+        </p:nvSpPr>
+        <p:spPr>
+          <a:ln/>
+        </p:spPr>
+      </p:sp>
+      <p:sp>
+        <p:nvSpPr>
+          <p:cNvPr id="63491" name="Rectangle 3"/>
+          <p:cNvSpPr>
+            <a:spLocks noGrp="1" noChangeArrowheads="1"/>
+          </p:cNvSpPr>
+          <p:nvPr>
+            <p:ph type="body" idx="1"/>
+          </p:nvPr>
+        </p:nvSpPr>
+        <p:spPr>
+          <a:noFill/>
+          <a:ln/>
+          <a:extLst>
+            <a:ext uri="{909E8E84-426E-40DD-AFC4-6F175D3DCCD1}">
+              <a14:hiddenFill xmlns:a14="http://schemas.microsoft.com/office/drawing/2010/main">
+                <a:solidFill>
+                  <a:srgbClr val="FFFFFF"/>
+                </a:solidFill>
+              </a14:hiddenFill>
+            </a:ext>
+            <a:ext uri="{91240B29-F687-4F45-9708-019B960494DF}">
+              <a14:hiddenLine xmlns:a14="http://schemas.microsoft.com/office/drawing/2010/main" w="9525">
+                <a:solidFill>
+                  <a:srgbClr val="000000"/>
+                </a:solidFill>
+                <a:miter lim="800000"/>
+                <a:headEnd/>
+                <a:tailEnd/>
+              </a14:hiddenLine>
+            </a:ext>
+          </a:extLst>
+        </p:spPr>
+        <p:txBody>
+          <a:bodyPr/>
+          <a:lstStyle/>
+          <a:p>
+            <a:pPr eaLnBrk="1" hangingPunct="1"/>
+            <a:endParaRPr lang="en-US" dirty="0"/>
+          </a:p>
+        </p:txBody>
+      </p:sp>
+    </p:spTree>
+    <p:extLst>
+      <p:ext uri="{BB962C8B-B14F-4D97-AF65-F5344CB8AC3E}">
+        <p14:creationId xmlns:p14="http://schemas.microsoft.com/office/powerpoint/2010/main" val="2719903314"/>
+      </p:ext>
+    </p:extLst>
+  </p:cSld>
+  <p:clrMapOvr>
+    <a:masterClrMapping/>
+  </p:clrMapOvr>
+</p:notes>
+</file>
+
+<file path=ppt/notesSlides/notesSlide36.xml><?xml version="1.0" encoding="utf-8"?>
+<p:notes xmlns:a="http://schemas.openxmlformats.org/drawingml/2006/main" xmlns:r="http://schemas.openxmlformats.org/officeDocument/2006/relationships" xmlns:p="http://schemas.openxmlformats.org/presentationml/2006/main">
+  <p:cSld>
+    <p:spTree>
+      <p:nvGrpSpPr>
+        <p:cNvPr id="1" name=""/>
+        <p:cNvGrpSpPr/>
+        <p:nvPr/>
+      </p:nvGrpSpPr>
+      <p:grpSpPr>
+        <a:xfrm>
+          <a:off x="0" y="0"/>
+          <a:ext cx="0" cy="0"/>
+          <a:chOff x="0" y="0"/>
+          <a:chExt cx="0" cy="0"/>
+        </a:xfrm>
+      </p:grpSpPr>
+      <p:sp>
+        <p:nvSpPr>
+          <p:cNvPr id="64514" name="Rectangle 2"/>
+          <p:cNvSpPr>
+            <a:spLocks noGrp="1" noRot="1" noChangeAspect="1" noChangeArrowheads="1" noTextEdit="1"/>
+          </p:cNvSpPr>
+          <p:nvPr>
+            <p:ph type="sldImg"/>
+          </p:nvPr>
+        </p:nvSpPr>
+        <p:spPr>
+          <a:xfrm>
+            <a:off x="1258888" y="720725"/>
+            <a:ext cx="4800600" cy="3600450"/>
+          </a:xfrm>
+          <a:ln/>
+        </p:spPr>
+      </p:sp>
+      <p:sp>
+        <p:nvSpPr>
+          <p:cNvPr id="64515" name="Rectangle 3"/>
+          <p:cNvSpPr>
+            <a:spLocks noGrp="1" noChangeArrowheads="1"/>
+          </p:cNvSpPr>
+          <p:nvPr>
+            <p:ph type="body" idx="1"/>
+          </p:nvPr>
+        </p:nvSpPr>
+        <p:spPr>
+          <a:xfrm>
+            <a:off x="973138" y="4562475"/>
+            <a:ext cx="5368925" cy="4318000"/>
+          </a:xfrm>
+          <a:noFill/>
+          <a:ln/>
+          <a:extLst>
+            <a:ext uri="{909E8E84-426E-40DD-AFC4-6F175D3DCCD1}">
+              <a14:hiddenFill xmlns:a14="http://schemas.microsoft.com/office/drawing/2010/main">
+                <a:solidFill>
+                  <a:srgbClr val="FFFFFF"/>
+                </a:solidFill>
+              </a14:hiddenFill>
+            </a:ext>
+            <a:ext uri="{91240B29-F687-4F45-9708-019B960494DF}">
+              <a14:hiddenLine xmlns:a14="http://schemas.microsoft.com/office/drawing/2010/main" w="9525">
+                <a:solidFill>
+                  <a:srgbClr val="000000"/>
+                </a:solidFill>
+                <a:miter lim="800000"/>
+                <a:headEnd/>
+                <a:tailEnd/>
+              </a14:hiddenLine>
+            </a:ext>
+          </a:extLst>
+        </p:spPr>
+        <p:txBody>
+          <a:bodyPr/>
+          <a:lstStyle/>
+          <a:p>
+            <a:pPr eaLnBrk="1" hangingPunct="1"/>
+            <a:endParaRPr lang="en-US" dirty="0"/>
+          </a:p>
+        </p:txBody>
+      </p:sp>
+    </p:spTree>
+    <p:extLst>
+      <p:ext uri="{BB962C8B-B14F-4D97-AF65-F5344CB8AC3E}">
+        <p14:creationId xmlns:p14="http://schemas.microsoft.com/office/powerpoint/2010/main" val="918740193"/>
+      </p:ext>
+    </p:extLst>
+  </p:cSld>
+  <p:clrMapOvr>
+    <a:masterClrMapping/>
+  </p:clrMapOvr>
+</p:notes>
+</file>
+
+<file path=ppt/notesSlides/notesSlide37.xml><?xml version="1.0" encoding="utf-8"?>
+<p:notes xmlns:a="http://schemas.openxmlformats.org/drawingml/2006/main" xmlns:r="http://schemas.openxmlformats.org/officeDocument/2006/relationships" xmlns:p="http://schemas.openxmlformats.org/presentationml/2006/main">
+  <p:cSld>
+    <p:bg>
+      <p:bgPr>
+        <a:solidFill>
+          <a:srgbClr val="FFFFFF"/>
+        </a:solidFill>
+        <a:effectLst/>
+      </p:bgPr>
+    </p:bg>
+    <p:spTree>
+      <p:nvGrpSpPr>
+        <p:cNvPr id="1" name=""/>
+        <p:cNvGrpSpPr/>
+        <p:nvPr/>
+      </p:nvGrpSpPr>
+      <p:grpSpPr>
+        <a:xfrm>
+          <a:off x="0" y="0"/>
+          <a:ext cx="0" cy="0"/>
+          <a:chOff x="0" y="0"/>
+          <a:chExt cx="0" cy="0"/>
+        </a:xfrm>
+      </p:grpSpPr>
+      <p:sp>
+        <p:nvSpPr>
+          <p:cNvPr id="88066" name="Rectangle 2"/>
+          <p:cNvSpPr>
+            <a:spLocks noGrp="1" noRot="1" noChangeAspect="1" noChangeArrowheads="1" noTextEdit="1"/>
+          </p:cNvSpPr>
+          <p:nvPr>
+            <p:ph type="sldImg"/>
+          </p:nvPr>
+        </p:nvSpPr>
+        <p:spPr>
+          <a:xfrm>
+            <a:off x="1260475" y="720725"/>
+            <a:ext cx="4800600" cy="3600450"/>
+          </a:xfrm>
+          <a:solidFill>
+            <a:srgbClr val="FFFFFF"/>
+          </a:solidFill>
+          <a:ln/>
+        </p:spPr>
+      </p:sp>
+      <p:sp>
+        <p:nvSpPr>
+          <p:cNvPr id="88067" name="Rectangle 3"/>
+          <p:cNvSpPr>
+            <a:spLocks noGrp="1" noChangeArrowheads="1"/>
+          </p:cNvSpPr>
+          <p:nvPr>
+            <p:ph type="body" idx="1"/>
+          </p:nvPr>
+        </p:nvSpPr>
+        <p:spPr>
+          <a:xfrm>
+            <a:off x="973138" y="4562475"/>
+            <a:ext cx="5368925" cy="4319588"/>
+          </a:xfrm>
+          <a:noFill/>
+          <a:ln/>
+          <a:extLst>
+            <a:ext uri="{909E8E84-426E-40DD-AFC4-6F175D3DCCD1}">
+              <a14:hiddenFill xmlns:a14="http://schemas.microsoft.com/office/drawing/2010/main">
+                <a:solidFill>
+                  <a:srgbClr val="FFFFFF"/>
+                </a:solidFill>
+              </a14:hiddenFill>
+            </a:ext>
+            <a:ext uri="{91240B29-F687-4F45-9708-019B960494DF}">
+              <a14:hiddenLine xmlns:a14="http://schemas.microsoft.com/office/drawing/2010/main" w="9525">
+                <a:solidFill>
+                  <a:srgbClr val="000000"/>
+                </a:solidFill>
+                <a:miter lim="800000"/>
+                <a:headEnd/>
+                <a:tailEnd/>
+              </a14:hiddenLine>
+            </a:ext>
+          </a:extLst>
+        </p:spPr>
+        <p:txBody>
+          <a:bodyPr wrap="none" lIns="95458" tIns="47728" rIns="95458" bIns="47728" anchor="ctr"/>
+          <a:lstStyle/>
+          <a:p>
+            <a:pPr eaLnBrk="1" hangingPunct="1"/>
+            <a:endParaRPr lang="en-US" dirty="0"/>
+          </a:p>
+        </p:txBody>
+      </p:sp>
+    </p:spTree>
+    <p:extLst>
+      <p:ext uri="{BB962C8B-B14F-4D97-AF65-F5344CB8AC3E}">
+        <p14:creationId xmlns:p14="http://schemas.microsoft.com/office/powerpoint/2010/main" val="2768704195"/>
+      </p:ext>
+    </p:extLst>
+  </p:cSld>
+  <p:clrMapOvr>
+    <a:masterClrMapping/>
+  </p:clrMapOvr>
+</p:notes>
+</file>
+
+<file path=ppt/notesSlides/notesSlide38.xml><?xml version="1.0" encoding="utf-8"?>
+<p:notes xmlns:a="http://schemas.openxmlformats.org/drawingml/2006/main" xmlns:r="http://schemas.openxmlformats.org/officeDocument/2006/relationships" xmlns:p="http://schemas.openxmlformats.org/presentationml/2006/main">
+  <p:cSld>
+    <p:spTree>
+      <p:nvGrpSpPr>
+        <p:cNvPr id="1" name=""/>
+        <p:cNvGrpSpPr/>
+        <p:nvPr/>
+      </p:nvGrpSpPr>
+      <p:grpSpPr>
+        <a:xfrm>
+          <a:off x="0" y="0"/>
+          <a:ext cx="0" cy="0"/>
+          <a:chOff x="0" y="0"/>
+          <a:chExt cx="0" cy="0"/>
+        </a:xfrm>
+      </p:grpSpPr>
+      <p:sp>
+        <p:nvSpPr>
+          <p:cNvPr id="89090" name="Rectangle 2"/>
+          <p:cNvSpPr>
+            <a:spLocks noGrp="1" noRot="1" noChangeAspect="1" noChangeArrowheads="1" noTextEdit="1"/>
+          </p:cNvSpPr>
+          <p:nvPr>
+            <p:ph type="sldImg"/>
+          </p:nvPr>
+        </p:nvSpPr>
+        <p:spPr>
+          <a:ln/>
+        </p:spPr>
+      </p:sp>
+      <p:sp>
+        <p:nvSpPr>
+          <p:cNvPr id="89091" name="Rectangle 3"/>
+          <p:cNvSpPr>
+            <a:spLocks noGrp="1" noChangeArrowheads="1"/>
+          </p:cNvSpPr>
+          <p:nvPr>
+            <p:ph type="body" idx="1"/>
+          </p:nvPr>
+        </p:nvSpPr>
+        <p:spPr>
+          <a:noFill/>
+          <a:ln/>
+          <a:extLst>
+            <a:ext uri="{909E8E84-426E-40DD-AFC4-6F175D3DCCD1}">
+              <a14:hiddenFill xmlns:a14="http://schemas.microsoft.com/office/drawing/2010/main">
+                <a:solidFill>
+                  <a:srgbClr val="FFFFFF"/>
+                </a:solidFill>
+              </a14:hiddenFill>
+            </a:ext>
+            <a:ext uri="{91240B29-F687-4F45-9708-019B960494DF}">
+              <a14:hiddenLine xmlns:a14="http://schemas.microsoft.com/office/drawing/2010/main" w="9525">
+                <a:solidFill>
+                  <a:srgbClr val="000000"/>
+                </a:solidFill>
+                <a:miter lim="800000"/>
+                <a:headEnd/>
+                <a:tailEnd/>
+              </a14:hiddenLine>
+            </a:ext>
+          </a:extLst>
+        </p:spPr>
+        <p:txBody>
+          <a:bodyPr/>
+          <a:lstStyle/>
+          <a:p>
+            <a:pPr eaLnBrk="1" hangingPunct="1"/>
+            <a:endParaRPr lang="en-US" dirty="0"/>
+          </a:p>
+        </p:txBody>
+      </p:sp>
+    </p:spTree>
+    <p:extLst>
+      <p:ext uri="{BB962C8B-B14F-4D97-AF65-F5344CB8AC3E}">
+        <p14:creationId xmlns:p14="http://schemas.microsoft.com/office/powerpoint/2010/main" val="3189302538"/>
+      </p:ext>
+    </p:extLst>
+  </p:cSld>
+  <p:clrMapOvr>
+    <a:masterClrMapping/>
+  </p:clrMapOvr>
+</p:notes>
+</file>
+
+<file path=ppt/notesSlides/notesSlide39.xml><?xml version="1.0" encoding="utf-8"?>
+<p:notes xmlns:a="http://schemas.openxmlformats.org/drawingml/2006/main" xmlns:r="http://schemas.openxmlformats.org/officeDocument/2006/relationships" xmlns:p="http://schemas.openxmlformats.org/presentationml/2006/main">
+  <p:cSld>
+    <p:spTree>
+      <p:nvGrpSpPr>
+        <p:cNvPr id="1" name=""/>
+        <p:cNvGrpSpPr/>
+        <p:nvPr/>
+      </p:nvGrpSpPr>
+      <p:grpSpPr>
+        <a:xfrm>
+          <a:off x="0" y="0"/>
+          <a:ext cx="0" cy="0"/>
+          <a:chOff x="0" y="0"/>
+          <a:chExt cx="0" cy="0"/>
+        </a:xfrm>
+      </p:grpSpPr>
+      <p:sp>
+        <p:nvSpPr>
+          <p:cNvPr id="2" name="Slide Image Placeholder 1"/>
+          <p:cNvSpPr>
+            <a:spLocks noGrp="1" noRot="1" noChangeAspect="1"/>
+          </p:cNvSpPr>
+          <p:nvPr>
+            <p:ph type="sldImg"/>
+          </p:nvPr>
+        </p:nvSpPr>
+        <p:spPr/>
+      </p:sp>
+      <p:sp>
+        <p:nvSpPr>
+          <p:cNvPr id="3" name="Notes Placeholder 2"/>
+          <p:cNvSpPr>
+            <a:spLocks noGrp="1"/>
+          </p:cNvSpPr>
+          <p:nvPr>
+            <p:ph type="body" idx="1"/>
+          </p:nvPr>
+        </p:nvSpPr>
+        <p:spPr/>
+        <p:txBody>
+          <a:bodyPr/>
+          <a:lstStyle/>
+          <a:p>
+            <a:endParaRPr lang="en-US"/>
+          </a:p>
+        </p:txBody>
+      </p:sp>
+    </p:spTree>
+    <p:extLst>
+      <p:ext uri="{BB962C8B-B14F-4D97-AF65-F5344CB8AC3E}">
+        <p14:creationId xmlns:p14="http://schemas.microsoft.com/office/powerpoint/2010/main" val="3774534132"/>
+      </p:ext>
+    </p:extLst>
+  </p:cSld>
+  <p:clrMapOvr>
+    <a:masterClrMapping/>
+  </p:clrMapOvr>
+</p:notes>
+</file>
+
+<file path=ppt/notesSlides/notesSlide4.xml><?xml version="1.0" encoding="utf-8"?>
+<p:notes xmlns:a="http://schemas.openxmlformats.org/drawingml/2006/main" xmlns:r="http://schemas.openxmlformats.org/officeDocument/2006/relationships" xmlns:p="http://schemas.openxmlformats.org/presentationml/2006/main" showMasterSp="0" showMasterPhAnim="0">
+  <p:cSld>
+    <p:spTree>
+      <p:nvGrpSpPr>
+        <p:cNvPr id="1" name="Shape 58"/>
+        <p:cNvGrpSpPr/>
+        <p:nvPr/>
+      </p:nvGrpSpPr>
+      <p:grpSpPr>
+        <a:xfrm>
+          <a:off x="0" y="0"/>
+          <a:ext cx="0" cy="0"/>
+          <a:chOff x="0" y="0"/>
+          <a:chExt cx="0" cy="0"/>
+        </a:xfrm>
+      </p:grpSpPr>
+      <p:sp>
+        <p:nvSpPr>
+          <p:cNvPr id="59" name="Google Shape;59;p10:notes"/>
           <p:cNvSpPr>
             <a:spLocks noGrp="1" noRot="1" noChangeAspect="1"/>
           </p:cNvSpPr>
@@ -4024,293 +5096,9 @@
           </a:ln>
         </p:spPr>
       </p:sp>
-    </p:spTree>
-  </p:cSld>
-  <p:clrMapOvr>
-    <a:masterClrMapping/>
-  </p:clrMapOvr>
-</p:notes>
-</file>
-
-<file path=ppt/notesSlides/notesSlide30.xml><?xml version="1.0" encoding="utf-8"?>
-<p:notes xmlns:a="http://schemas.openxmlformats.org/drawingml/2006/main" xmlns:r="http://schemas.openxmlformats.org/officeDocument/2006/relationships" xmlns:p="http://schemas.openxmlformats.org/presentationml/2006/main" showMasterSp="0" showMasterPhAnim="0">
-  <p:cSld>
-    <p:spTree>
-      <p:nvGrpSpPr>
-        <p:cNvPr id="1" name="Shape 228"/>
-        <p:cNvGrpSpPr/>
-        <p:nvPr/>
-      </p:nvGrpSpPr>
-      <p:grpSpPr>
-        <a:xfrm>
-          <a:off x="0" y="0"/>
-          <a:ext cx="0" cy="0"/>
-          <a:chOff x="0" y="0"/>
-          <a:chExt cx="0" cy="0"/>
-        </a:xfrm>
-      </p:grpSpPr>
-      <p:sp>
-        <p:nvSpPr>
-          <p:cNvPr id="229" name="Google Shape;229;g5a0274641_1_76:notes"/>
-          <p:cNvSpPr>
-            <a:spLocks noGrp="1" noRot="1" noChangeAspect="1"/>
-          </p:cNvSpPr>
-          <p:nvPr>
-            <p:ph type="sldImg" idx="2"/>
-          </p:nvPr>
-        </p:nvSpPr>
-        <p:spPr>
-          <a:xfrm>
-            <a:off x="1143000" y="685800"/>
-            <a:ext cx="4572000" cy="3429000"/>
-          </a:xfrm>
-          <a:custGeom>
-            <a:avLst/>
-            <a:gdLst/>
-            <a:ahLst/>
-            <a:cxnLst/>
-            <a:rect l="l" t="t" r="r" b="b"/>
-            <a:pathLst>
-              <a:path w="120000" h="120000" extrusionOk="0">
-                <a:moveTo>
-                  <a:pt x="0" y="0"/>
-                </a:moveTo>
-                <a:lnTo>
-                  <a:pt x="120000" y="0"/>
-                </a:lnTo>
-                <a:lnTo>
-                  <a:pt x="120000" y="120000"/>
-                </a:lnTo>
-                <a:lnTo>
-                  <a:pt x="0" y="120000"/>
-                </a:lnTo>
-                <a:close/>
-              </a:path>
-            </a:pathLst>
-          </a:custGeom>
-        </p:spPr>
-      </p:sp>
-      <p:sp>
-        <p:nvSpPr>
-          <p:cNvPr id="230" name="Google Shape;230;g5a0274641_1_76:notes"/>
-          <p:cNvSpPr txBox="1">
-            <a:spLocks noGrp="1"/>
-          </p:cNvSpPr>
-          <p:nvPr>
-            <p:ph type="body" idx="1"/>
-          </p:nvPr>
-        </p:nvSpPr>
-        <p:spPr>
-          <a:xfrm>
-            <a:off x="685800" y="4343400"/>
-            <a:ext cx="5486400" cy="4114800"/>
-          </a:xfrm>
-          <a:prstGeom prst="rect">
-            <a:avLst/>
-          </a:prstGeom>
-        </p:spPr>
-        <p:txBody>
-          <a:bodyPr spcFirstLastPara="1" wrap="square" lIns="91425" tIns="91425" rIns="91425" bIns="91425" anchor="t" anchorCtr="0">
-            <a:noAutofit/>
-          </a:bodyPr>
-          <a:lstStyle/>
-          <a:p>
-            <a:pPr marL="0" lvl="0" indent="0" algn="l" rtl="0">
-              <a:spcBef>
-                <a:spcPts val="360"/>
-              </a:spcBef>
-              <a:spcAft>
-                <a:spcPts val="0"/>
-              </a:spcAft>
-              <a:buNone/>
-            </a:pPr>
-            <a:endParaRPr/>
-          </a:p>
-        </p:txBody>
-      </p:sp>
-    </p:spTree>
-  </p:cSld>
-  <p:clrMapOvr>
-    <a:masterClrMapping/>
-  </p:clrMapOvr>
-</p:notes>
-</file>
-
-<file path=ppt/notesSlides/notesSlide31.xml><?xml version="1.0" encoding="utf-8"?>
-<p:notes xmlns:a="http://schemas.openxmlformats.org/drawingml/2006/main" xmlns:r="http://schemas.openxmlformats.org/officeDocument/2006/relationships" xmlns:p="http://schemas.openxmlformats.org/presentationml/2006/main" showMasterSp="0" showMasterPhAnim="0">
-  <p:cSld>
-    <p:spTree>
-      <p:nvGrpSpPr>
-        <p:cNvPr id="1" name="Shape 235"/>
-        <p:cNvGrpSpPr/>
-        <p:nvPr/>
-      </p:nvGrpSpPr>
-      <p:grpSpPr>
-        <a:xfrm>
-          <a:off x="0" y="0"/>
-          <a:ext cx="0" cy="0"/>
-          <a:chOff x="0" y="0"/>
-          <a:chExt cx="0" cy="0"/>
-        </a:xfrm>
-      </p:grpSpPr>
-      <p:sp>
-        <p:nvSpPr>
-          <p:cNvPr id="236" name="Google Shape;236;g5a0274641_1_84:notes"/>
-          <p:cNvSpPr>
-            <a:spLocks noGrp="1" noRot="1" noChangeAspect="1"/>
-          </p:cNvSpPr>
-          <p:nvPr>
-            <p:ph type="sldImg" idx="2"/>
-          </p:nvPr>
-        </p:nvSpPr>
-        <p:spPr>
-          <a:xfrm>
-            <a:off x="1143000" y="685800"/>
-            <a:ext cx="4572000" cy="3429000"/>
-          </a:xfrm>
-          <a:custGeom>
-            <a:avLst/>
-            <a:gdLst/>
-            <a:ahLst/>
-            <a:cxnLst/>
-            <a:rect l="l" t="t" r="r" b="b"/>
-            <a:pathLst>
-              <a:path w="120000" h="120000" extrusionOk="0">
-                <a:moveTo>
-                  <a:pt x="0" y="0"/>
-                </a:moveTo>
-                <a:lnTo>
-                  <a:pt x="120000" y="0"/>
-                </a:lnTo>
-                <a:lnTo>
-                  <a:pt x="120000" y="120000"/>
-                </a:lnTo>
-                <a:lnTo>
-                  <a:pt x="0" y="120000"/>
-                </a:lnTo>
-                <a:close/>
-              </a:path>
-            </a:pathLst>
-          </a:custGeom>
-        </p:spPr>
-      </p:sp>
-      <p:sp>
-        <p:nvSpPr>
-          <p:cNvPr id="237" name="Google Shape;237;g5a0274641_1_84:notes"/>
-          <p:cNvSpPr txBox="1">
-            <a:spLocks noGrp="1"/>
-          </p:cNvSpPr>
-          <p:nvPr>
-            <p:ph type="body" idx="1"/>
-          </p:nvPr>
-        </p:nvSpPr>
-        <p:spPr>
-          <a:xfrm>
-            <a:off x="685800" y="4343400"/>
-            <a:ext cx="5486400" cy="4114800"/>
-          </a:xfrm>
-          <a:prstGeom prst="rect">
-            <a:avLst/>
-          </a:prstGeom>
-        </p:spPr>
-        <p:txBody>
-          <a:bodyPr spcFirstLastPara="1" wrap="square" lIns="91425" tIns="91425" rIns="91425" bIns="91425" anchor="t" anchorCtr="0">
-            <a:noAutofit/>
-          </a:bodyPr>
-          <a:lstStyle/>
-          <a:p>
-            <a:pPr marL="0" lvl="0" indent="0" algn="l" rtl="0">
-              <a:spcBef>
-                <a:spcPts val="360"/>
-              </a:spcBef>
-              <a:spcAft>
-                <a:spcPts val="0"/>
-              </a:spcAft>
-              <a:buNone/>
-            </a:pPr>
-            <a:endParaRPr/>
-          </a:p>
-        </p:txBody>
-      </p:sp>
-    </p:spTree>
-  </p:cSld>
-  <p:clrMapOvr>
-    <a:masterClrMapping/>
-  </p:clrMapOvr>
-</p:notes>
-</file>
-
-<file path=ppt/notesSlides/notesSlide32.xml><?xml version="1.0" encoding="utf-8"?>
-<p:notes xmlns:a="http://schemas.openxmlformats.org/drawingml/2006/main" xmlns:r="http://schemas.openxmlformats.org/officeDocument/2006/relationships" xmlns:p="http://schemas.openxmlformats.org/presentationml/2006/main" showMasterSp="0" showMasterPhAnim="0">
-  <p:cSld>
-    <p:spTree>
-      <p:nvGrpSpPr>
-        <p:cNvPr id="1" name="Shape 241"/>
-        <p:cNvGrpSpPr/>
-        <p:nvPr/>
-      </p:nvGrpSpPr>
-      <p:grpSpPr>
-        <a:xfrm>
-          <a:off x="0" y="0"/>
-          <a:ext cx="0" cy="0"/>
-          <a:chOff x="0" y="0"/>
-          <a:chExt cx="0" cy="0"/>
-        </a:xfrm>
-      </p:grpSpPr>
-      <p:sp>
-        <p:nvSpPr>
-          <p:cNvPr id="242" name="Google Shape;242;g5a0274641_0_6:notes"/>
-          <p:cNvSpPr>
-            <a:spLocks noGrp="1" noRot="1" noChangeAspect="1"/>
-          </p:cNvSpPr>
-          <p:nvPr>
-            <p:ph type="sldImg" idx="2"/>
-          </p:nvPr>
-        </p:nvSpPr>
-        <p:spPr>
-          <a:xfrm>
-            <a:off x="1143000" y="685800"/>
-            <a:ext cx="4572000" cy="3429000"/>
-          </a:xfrm>
-          <a:custGeom>
-            <a:avLst/>
-            <a:gdLst/>
-            <a:ahLst/>
-            <a:cxnLst/>
-            <a:rect l="l" t="t" r="r" b="b"/>
-            <a:pathLst>
-              <a:path w="120000" h="120000" extrusionOk="0">
-                <a:moveTo>
-                  <a:pt x="0" y="0"/>
-                </a:moveTo>
-                <a:lnTo>
-                  <a:pt x="120000" y="0"/>
-                </a:lnTo>
-                <a:lnTo>
-                  <a:pt x="120000" y="120000"/>
-                </a:lnTo>
-                <a:lnTo>
-                  <a:pt x="0" y="120000"/>
-                </a:lnTo>
-                <a:close/>
-              </a:path>
-            </a:pathLst>
-          </a:custGeom>
-          <a:noFill/>
-          <a:ln w="9525" cap="flat" cmpd="sng">
-            <a:solidFill>
-              <a:srgbClr val="000000"/>
-            </a:solidFill>
-            <a:prstDash val="solid"/>
-            <a:miter lim="8000"/>
-            <a:headEnd type="none" w="sm" len="sm"/>
-            <a:tailEnd type="none" w="sm" len="sm"/>
-          </a:ln>
-        </p:spPr>
-      </p:sp>
-      <p:sp>
-        <p:nvSpPr>
-          <p:cNvPr id="243" name="Google Shape;243;g5a0274641_0_6:notes"/>
+      <p:sp>
+        <p:nvSpPr>
+          <p:cNvPr id="60" name="Google Shape;60;p10:notes"/>
           <p:cNvSpPr txBox="1">
             <a:spLocks noGrp="1"/>
           </p:cNvSpPr>
@@ -4366,237 +5154,7 @@
 </p:notes>
 </file>
 
-<file path=ppt/notesSlides/notesSlide33.xml><?xml version="1.0" encoding="utf-8"?>
-<p:notes xmlns:a="http://schemas.openxmlformats.org/drawingml/2006/main" xmlns:r="http://schemas.openxmlformats.org/officeDocument/2006/relationships" xmlns:p="http://schemas.openxmlformats.org/presentationml/2006/main" showMasterSp="0" showMasterPhAnim="0">
-  <p:cSld>
-    <p:spTree>
-      <p:nvGrpSpPr>
-        <p:cNvPr id="1" name="Shape 248"/>
-        <p:cNvGrpSpPr/>
-        <p:nvPr/>
-      </p:nvGrpSpPr>
-      <p:grpSpPr>
-        <a:xfrm>
-          <a:off x="0" y="0"/>
-          <a:ext cx="0" cy="0"/>
-          <a:chOff x="0" y="0"/>
-          <a:chExt cx="0" cy="0"/>
-        </a:xfrm>
-      </p:grpSpPr>
-      <p:sp>
-        <p:nvSpPr>
-          <p:cNvPr id="249" name="Google Shape;249;g5a0274641_0_12:notes"/>
-          <p:cNvSpPr>
-            <a:spLocks noGrp="1" noRot="1" noChangeAspect="1"/>
-          </p:cNvSpPr>
-          <p:nvPr>
-            <p:ph type="sldImg" idx="2"/>
-          </p:nvPr>
-        </p:nvSpPr>
-        <p:spPr>
-          <a:xfrm>
-            <a:off x="1143000" y="685800"/>
-            <a:ext cx="4572000" cy="3429000"/>
-          </a:xfrm>
-          <a:custGeom>
-            <a:avLst/>
-            <a:gdLst/>
-            <a:ahLst/>
-            <a:cxnLst/>
-            <a:rect l="l" t="t" r="r" b="b"/>
-            <a:pathLst>
-              <a:path w="120000" h="120000" extrusionOk="0">
-                <a:moveTo>
-                  <a:pt x="0" y="0"/>
-                </a:moveTo>
-                <a:lnTo>
-                  <a:pt x="120000" y="0"/>
-                </a:lnTo>
-                <a:lnTo>
-                  <a:pt x="120000" y="120000"/>
-                </a:lnTo>
-                <a:lnTo>
-                  <a:pt x="0" y="120000"/>
-                </a:lnTo>
-                <a:close/>
-              </a:path>
-            </a:pathLst>
-          </a:custGeom>
-        </p:spPr>
-      </p:sp>
-      <p:sp>
-        <p:nvSpPr>
-          <p:cNvPr id="250" name="Google Shape;250;g5a0274641_0_12:notes"/>
-          <p:cNvSpPr txBox="1">
-            <a:spLocks noGrp="1"/>
-          </p:cNvSpPr>
-          <p:nvPr>
-            <p:ph type="body" idx="1"/>
-          </p:nvPr>
-        </p:nvSpPr>
-        <p:spPr>
-          <a:xfrm>
-            <a:off x="685800" y="4343400"/>
-            <a:ext cx="5486400" cy="4114800"/>
-          </a:xfrm>
-          <a:prstGeom prst="rect">
-            <a:avLst/>
-          </a:prstGeom>
-        </p:spPr>
-        <p:txBody>
-          <a:bodyPr spcFirstLastPara="1" wrap="square" lIns="91425" tIns="91425" rIns="91425" bIns="91425" anchor="t" anchorCtr="0">
-            <a:noAutofit/>
-          </a:bodyPr>
-          <a:lstStyle/>
-          <a:p>
-            <a:pPr marL="0" lvl="0" indent="0" algn="l" rtl="0">
-              <a:spcBef>
-                <a:spcPts val="360"/>
-              </a:spcBef>
-              <a:spcAft>
-                <a:spcPts val="0"/>
-              </a:spcAft>
-              <a:buNone/>
-            </a:pPr>
-            <a:endParaRPr/>
-          </a:p>
-        </p:txBody>
-      </p:sp>
-    </p:spTree>
-  </p:cSld>
-  <p:clrMapOvr>
-    <a:masterClrMapping/>
-  </p:clrMapOvr>
-</p:notes>
-</file>
-
-<file path=ppt/notesSlides/notesSlide34.xml><?xml version="1.0" encoding="utf-8"?>
-<p:notes xmlns:a="http://schemas.openxmlformats.org/drawingml/2006/main" xmlns:r="http://schemas.openxmlformats.org/officeDocument/2006/relationships" xmlns:p="http://schemas.openxmlformats.org/presentationml/2006/main" showMasterSp="0" showMasterPhAnim="0">
-  <p:cSld>
-    <p:spTree>
-      <p:nvGrpSpPr>
-        <p:cNvPr id="1" name="Shape 254"/>
-        <p:cNvGrpSpPr/>
-        <p:nvPr/>
-      </p:nvGrpSpPr>
-      <p:grpSpPr>
-        <a:xfrm>
-          <a:off x="0" y="0"/>
-          <a:ext cx="0" cy="0"/>
-          <a:chOff x="0" y="0"/>
-          <a:chExt cx="0" cy="0"/>
-        </a:xfrm>
-      </p:grpSpPr>
-      <p:sp>
-        <p:nvSpPr>
-          <p:cNvPr id="255" name="Google Shape;255;p106:notes"/>
-          <p:cNvSpPr>
-            <a:spLocks noGrp="1" noRot="1" noChangeAspect="1"/>
-          </p:cNvSpPr>
-          <p:nvPr>
-            <p:ph type="sldImg" idx="2"/>
-          </p:nvPr>
-        </p:nvSpPr>
-        <p:spPr>
-          <a:xfrm>
-            <a:off x="1143000" y="685800"/>
-            <a:ext cx="4572000" cy="3429000"/>
-          </a:xfrm>
-          <a:custGeom>
-            <a:avLst/>
-            <a:gdLst/>
-            <a:ahLst/>
-            <a:cxnLst/>
-            <a:rect l="l" t="t" r="r" b="b"/>
-            <a:pathLst>
-              <a:path w="120000" h="120000" extrusionOk="0">
-                <a:moveTo>
-                  <a:pt x="0" y="0"/>
-                </a:moveTo>
-                <a:lnTo>
-                  <a:pt x="120000" y="0"/>
-                </a:lnTo>
-                <a:lnTo>
-                  <a:pt x="120000" y="120000"/>
-                </a:lnTo>
-                <a:lnTo>
-                  <a:pt x="0" y="120000"/>
-                </a:lnTo>
-                <a:close/>
-              </a:path>
-            </a:pathLst>
-          </a:custGeom>
-          <a:noFill/>
-          <a:ln w="9525" cap="flat" cmpd="sng">
-            <a:solidFill>
-              <a:srgbClr val="000000"/>
-            </a:solidFill>
-            <a:prstDash val="solid"/>
-            <a:miter lim="8000"/>
-            <a:headEnd type="none" w="sm" len="sm"/>
-            <a:tailEnd type="none" w="sm" len="sm"/>
-          </a:ln>
-        </p:spPr>
-      </p:sp>
-      <p:sp>
-        <p:nvSpPr>
-          <p:cNvPr id="256" name="Google Shape;256;p106:notes"/>
-          <p:cNvSpPr txBox="1">
-            <a:spLocks noGrp="1"/>
-          </p:cNvSpPr>
-          <p:nvPr>
-            <p:ph type="body" idx="1"/>
-          </p:nvPr>
-        </p:nvSpPr>
-        <p:spPr>
-          <a:xfrm>
-            <a:off x="685800" y="4343400"/>
-            <a:ext cx="5486400" cy="4114800"/>
-          </a:xfrm>
-          <a:prstGeom prst="rect">
-            <a:avLst/>
-          </a:prstGeom>
-          <a:noFill/>
-          <a:ln>
-            <a:noFill/>
-          </a:ln>
-        </p:spPr>
-        <p:txBody>
-          <a:bodyPr spcFirstLastPara="1" wrap="square" lIns="91425" tIns="45700" rIns="91425" bIns="45700" anchor="t" anchorCtr="0">
-            <a:noAutofit/>
-          </a:bodyPr>
-          <a:lstStyle/>
-          <a:p>
-            <a:pPr marL="0" marR="0" lvl="0" indent="0" algn="l" rtl="0">
-              <a:spcBef>
-                <a:spcPts val="0"/>
-              </a:spcBef>
-              <a:spcAft>
-                <a:spcPts val="0"/>
-              </a:spcAft>
-              <a:buNone/>
-            </a:pPr>
-            <a:endParaRPr sz="1200" b="0" i="0" u="none" strike="noStrike" cap="none">
-              <a:solidFill>
-                <a:schemeClr val="dk1"/>
-              </a:solidFill>
-              <a:latin typeface="Arial"/>
-              <a:ea typeface="Arial"/>
-              <a:cs typeface="Arial"/>
-              <a:sym typeface="Arial"/>
-            </a:endParaRPr>
-          </a:p>
-        </p:txBody>
-      </p:sp>
-    </p:spTree>
-  </p:cSld>
-  <p:clrMapOvr>
-    <a:masterClrMapping/>
-  </p:clrMapOvr>
-</p:notes>
-</file>
-
-<file path=ppt/notesSlides/notesSlide35.xml><?xml version="1.0" encoding="utf-8"?>
+<file path=ppt/notesSlides/notesSlide40.xml><?xml version="1.0" encoding="utf-8"?>
 <p:notes xmlns:a="http://schemas.openxmlformats.org/drawingml/2006/main" xmlns:r="http://schemas.openxmlformats.org/officeDocument/2006/relationships" xmlns:p="http://schemas.openxmlformats.org/presentationml/2006/main">
   <p:cSld>
     <p:spTree>
@@ -4615,64 +5173,39 @@
       </p:grpSpPr>
       <p:sp>
         <p:nvSpPr>
-          <p:cNvPr id="63490" name="Rectangle 2"/>
+          <p:cNvPr id="2" name="Slide Image Placeholder 1"/>
           <p:cNvSpPr>
-            <a:spLocks noGrp="1" noRot="1" noChangeAspect="1" noChangeArrowheads="1" noTextEdit="1"/>
+            <a:spLocks noGrp="1" noRot="1" noChangeAspect="1"/>
           </p:cNvSpPr>
           <p:nvPr>
             <p:ph type="sldImg"/>
           </p:nvPr>
         </p:nvSpPr>
-        <p:spPr>
-          <a:ln/>
-        </p:spPr>
-      </p:sp>
-      <p:sp>
-        <p:nvSpPr>
-          <p:cNvPr id="63491" name="Rectangle 3"/>
+        <p:spPr/>
+      </p:sp>
+      <p:sp>
+        <p:nvSpPr>
+          <p:cNvPr id="3" name="Notes Placeholder 2"/>
           <p:cNvSpPr>
-            <a:spLocks noGrp="1" noChangeArrowheads="1"/>
+            <a:spLocks noGrp="1"/>
           </p:cNvSpPr>
           <p:nvPr>
             <p:ph type="body" idx="1"/>
           </p:nvPr>
         </p:nvSpPr>
-        <p:spPr>
-          <a:noFill/>
-          <a:ln/>
-          <a:extLst>
-            <a:ext uri="{909E8E84-426E-40DD-AFC4-6F175D3DCCD1}">
-              <a14:hiddenFill xmlns:a14="http://schemas.microsoft.com/office/drawing/2010/main">
-                <a:solidFill>
-                  <a:srgbClr val="FFFFFF"/>
-                </a:solidFill>
-              </a14:hiddenFill>
-            </a:ext>
-            <a:ext uri="{91240B29-F687-4F45-9708-019B960494DF}">
-              <a14:hiddenLine xmlns:a14="http://schemas.microsoft.com/office/drawing/2010/main" w="9525">
-                <a:solidFill>
-                  <a:srgbClr val="000000"/>
-                </a:solidFill>
-                <a:miter lim="800000"/>
-                <a:headEnd/>
-                <a:tailEnd/>
-              </a14:hiddenLine>
-            </a:ext>
-          </a:extLst>
-        </p:spPr>
+        <p:spPr/>
         <p:txBody>
           <a:bodyPr/>
           <a:lstStyle/>
           <a:p>
-            <a:pPr eaLnBrk="1" hangingPunct="1"/>
-            <a:endParaRPr lang="en-US" dirty="0"/>
+            <a:endParaRPr lang="en-US"/>
           </a:p>
         </p:txBody>
       </p:sp>
     </p:spTree>
     <p:extLst>
       <p:ext uri="{BB962C8B-B14F-4D97-AF65-F5344CB8AC3E}">
-        <p14:creationId xmlns:p14="http://schemas.microsoft.com/office/powerpoint/2010/main" val="2719903314"/>
+        <p14:creationId xmlns:p14="http://schemas.microsoft.com/office/powerpoint/2010/main" val="3462584054"/>
       </p:ext>
     </p:extLst>
   </p:cSld>
@@ -4682,7 +5215,7 @@
 </p:notes>
 </file>
 
-<file path=ppt/notesSlides/notesSlide36.xml><?xml version="1.0" encoding="utf-8"?>
+<file path=ppt/notesSlides/notesSlide41.xml><?xml version="1.0" encoding="utf-8"?>
 <p:notes xmlns:a="http://schemas.openxmlformats.org/drawingml/2006/main" xmlns:r="http://schemas.openxmlformats.org/officeDocument/2006/relationships" xmlns:p="http://schemas.openxmlformats.org/presentationml/2006/main">
   <p:cSld>
     <p:spTree>
@@ -4701,72 +5234,39 @@
       </p:grpSpPr>
       <p:sp>
         <p:nvSpPr>
-          <p:cNvPr id="64514" name="Rectangle 2"/>
+          <p:cNvPr id="2" name="Slide Image Placeholder 1"/>
           <p:cNvSpPr>
-            <a:spLocks noGrp="1" noRot="1" noChangeAspect="1" noChangeArrowheads="1" noTextEdit="1"/>
+            <a:spLocks noGrp="1" noRot="1" noChangeAspect="1"/>
           </p:cNvSpPr>
           <p:nvPr>
             <p:ph type="sldImg"/>
           </p:nvPr>
         </p:nvSpPr>
-        <p:spPr>
-          <a:xfrm>
-            <a:off x="1258888" y="720725"/>
-            <a:ext cx="4800600" cy="3600450"/>
-          </a:xfrm>
-          <a:ln/>
-        </p:spPr>
-      </p:sp>
-      <p:sp>
-        <p:nvSpPr>
-          <p:cNvPr id="64515" name="Rectangle 3"/>
+        <p:spPr/>
+      </p:sp>
+      <p:sp>
+        <p:nvSpPr>
+          <p:cNvPr id="3" name="Notes Placeholder 2"/>
           <p:cNvSpPr>
-            <a:spLocks noGrp="1" noChangeArrowheads="1"/>
+            <a:spLocks noGrp="1"/>
           </p:cNvSpPr>
           <p:nvPr>
             <p:ph type="body" idx="1"/>
           </p:nvPr>
         </p:nvSpPr>
-        <p:spPr>
-          <a:xfrm>
-            <a:off x="973138" y="4562475"/>
-            <a:ext cx="5368925" cy="4318000"/>
-          </a:xfrm>
-          <a:noFill/>
-          <a:ln/>
-          <a:extLst>
-            <a:ext uri="{909E8E84-426E-40DD-AFC4-6F175D3DCCD1}">
-              <a14:hiddenFill xmlns:a14="http://schemas.microsoft.com/office/drawing/2010/main">
-                <a:solidFill>
-                  <a:srgbClr val="FFFFFF"/>
-                </a:solidFill>
-              </a14:hiddenFill>
-            </a:ext>
-            <a:ext uri="{91240B29-F687-4F45-9708-019B960494DF}">
-              <a14:hiddenLine xmlns:a14="http://schemas.microsoft.com/office/drawing/2010/main" w="9525">
-                <a:solidFill>
-                  <a:srgbClr val="000000"/>
-                </a:solidFill>
-                <a:miter lim="800000"/>
-                <a:headEnd/>
-                <a:tailEnd/>
-              </a14:hiddenLine>
-            </a:ext>
-          </a:extLst>
-        </p:spPr>
+        <p:spPr/>
         <p:txBody>
           <a:bodyPr/>
           <a:lstStyle/>
           <a:p>
-            <a:pPr eaLnBrk="1" hangingPunct="1"/>
-            <a:endParaRPr lang="en-US" dirty="0"/>
+            <a:endParaRPr lang="en-US"/>
           </a:p>
         </p:txBody>
       </p:sp>
     </p:spTree>
     <p:extLst>
       <p:ext uri="{BB962C8B-B14F-4D97-AF65-F5344CB8AC3E}">
-        <p14:creationId xmlns:p14="http://schemas.microsoft.com/office/powerpoint/2010/main" val="918740193"/>
+        <p14:creationId xmlns:p14="http://schemas.microsoft.com/office/powerpoint/2010/main" val="2392903266"/>
       </p:ext>
     </p:extLst>
   </p:cSld>
@@ -4776,7 +5276,7 @@
 </p:notes>
 </file>
 
-<file path=ppt/notesSlides/notesSlide37.xml><?xml version="1.0" encoding="utf-8"?>
+<file path=ppt/notesSlides/notesSlide42.xml><?xml version="1.0" encoding="utf-8"?>
 <p:notes xmlns:a="http://schemas.openxmlformats.org/drawingml/2006/main" xmlns:r="http://schemas.openxmlformats.org/officeDocument/2006/relationships" xmlns:p="http://schemas.openxmlformats.org/presentationml/2006/main">
   <p:cSld>
     <p:bg>
@@ -4871,7 +5371,7 @@
     </p:spTree>
     <p:extLst>
       <p:ext uri="{BB962C8B-B14F-4D97-AF65-F5344CB8AC3E}">
-        <p14:creationId xmlns:p14="http://schemas.microsoft.com/office/powerpoint/2010/main" val="2768704195"/>
+        <p14:creationId xmlns:p14="http://schemas.microsoft.com/office/powerpoint/2010/main" val="2117534009"/>
       </p:ext>
     </p:extLst>
   </p:cSld>
@@ -4881,7 +5381,7 @@
 </p:notes>
 </file>
 
-<file path=ppt/notesSlides/notesSlide38.xml><?xml version="1.0" encoding="utf-8"?>
+<file path=ppt/notesSlides/notesSlide43.xml><?xml version="1.0" encoding="utf-8"?>
 <p:notes xmlns:a="http://schemas.openxmlformats.org/drawingml/2006/main" xmlns:r="http://schemas.openxmlformats.org/officeDocument/2006/relationships" xmlns:p="http://schemas.openxmlformats.org/presentationml/2006/main">
   <p:cSld>
     <p:spTree>
@@ -4900,64 +5400,39 @@
       </p:grpSpPr>
       <p:sp>
         <p:nvSpPr>
-          <p:cNvPr id="89090" name="Rectangle 2"/>
+          <p:cNvPr id="2" name="Slide Image Placeholder 1"/>
           <p:cNvSpPr>
-            <a:spLocks noGrp="1" noRot="1" noChangeAspect="1" noChangeArrowheads="1" noTextEdit="1"/>
+            <a:spLocks noGrp="1" noRot="1" noChangeAspect="1"/>
           </p:cNvSpPr>
           <p:nvPr>
             <p:ph type="sldImg"/>
           </p:nvPr>
         </p:nvSpPr>
-        <p:spPr>
-          <a:ln/>
-        </p:spPr>
-      </p:sp>
-      <p:sp>
-        <p:nvSpPr>
-          <p:cNvPr id="89091" name="Rectangle 3"/>
+        <p:spPr/>
+      </p:sp>
+      <p:sp>
+        <p:nvSpPr>
+          <p:cNvPr id="3" name="Notes Placeholder 2"/>
           <p:cNvSpPr>
-            <a:spLocks noGrp="1" noChangeArrowheads="1"/>
+            <a:spLocks noGrp="1"/>
           </p:cNvSpPr>
           <p:nvPr>
             <p:ph type="body" idx="1"/>
           </p:nvPr>
         </p:nvSpPr>
-        <p:spPr>
-          <a:noFill/>
-          <a:ln/>
-          <a:extLst>
-            <a:ext uri="{909E8E84-426E-40DD-AFC4-6F175D3DCCD1}">
-              <a14:hiddenFill xmlns:a14="http://schemas.microsoft.com/office/drawing/2010/main">
-                <a:solidFill>
-                  <a:srgbClr val="FFFFFF"/>
-                </a:solidFill>
-              </a14:hiddenFill>
-            </a:ext>
-            <a:ext uri="{91240B29-F687-4F45-9708-019B960494DF}">
-              <a14:hiddenLine xmlns:a14="http://schemas.microsoft.com/office/drawing/2010/main" w="9525">
-                <a:solidFill>
-                  <a:srgbClr val="000000"/>
-                </a:solidFill>
-                <a:miter lim="800000"/>
-                <a:headEnd/>
-                <a:tailEnd/>
-              </a14:hiddenLine>
-            </a:ext>
-          </a:extLst>
-        </p:spPr>
+        <p:spPr/>
         <p:txBody>
           <a:bodyPr/>
           <a:lstStyle/>
           <a:p>
-            <a:pPr eaLnBrk="1" hangingPunct="1"/>
-            <a:endParaRPr lang="en-US" dirty="0"/>
+            <a:endParaRPr lang="en-US"/>
           </a:p>
         </p:txBody>
       </p:sp>
     </p:spTree>
     <p:extLst>
       <p:ext uri="{BB962C8B-B14F-4D97-AF65-F5344CB8AC3E}">
-        <p14:creationId xmlns:p14="http://schemas.microsoft.com/office/powerpoint/2010/main" val="3189302538"/>
+        <p14:creationId xmlns:p14="http://schemas.microsoft.com/office/powerpoint/2010/main" val="1443879862"/>
       </p:ext>
     </p:extLst>
   </p:cSld>
@@ -4967,7 +5442,7 @@
 </p:notes>
 </file>
 
-<file path=ppt/notesSlides/notesSlide39.xml><?xml version="1.0" encoding="utf-8"?>
+<file path=ppt/notesSlides/notesSlide44.xml><?xml version="1.0" encoding="utf-8"?>
 <p:notes xmlns:a="http://schemas.openxmlformats.org/drawingml/2006/main" xmlns:r="http://schemas.openxmlformats.org/officeDocument/2006/relationships" xmlns:p="http://schemas.openxmlformats.org/presentationml/2006/main">
   <p:cSld>
     <p:spTree>
@@ -5018,7 +5493,7 @@
     </p:spTree>
     <p:extLst>
       <p:ext uri="{BB962C8B-B14F-4D97-AF65-F5344CB8AC3E}">
-        <p14:creationId xmlns:p14="http://schemas.microsoft.com/office/powerpoint/2010/main" val="3774534132"/>
+        <p14:creationId xmlns:p14="http://schemas.microsoft.com/office/powerpoint/2010/main" val="407689751"/>
       </p:ext>
     </p:extLst>
   </p:cSld>
@@ -5028,12 +5503,12 @@
 </p:notes>
 </file>
 
-<file path=ppt/notesSlides/notesSlide4.xml><?xml version="1.0" encoding="utf-8"?>
-<p:notes xmlns:a="http://schemas.openxmlformats.org/drawingml/2006/main" xmlns:r="http://schemas.openxmlformats.org/officeDocument/2006/relationships" xmlns:p="http://schemas.openxmlformats.org/presentationml/2006/main" showMasterSp="0" showMasterPhAnim="0">
+<file path=ppt/notesSlides/notesSlide45.xml><?xml version="1.0" encoding="utf-8"?>
+<p:notes xmlns:a="http://schemas.openxmlformats.org/drawingml/2006/main" xmlns:r="http://schemas.openxmlformats.org/officeDocument/2006/relationships" xmlns:p="http://schemas.openxmlformats.org/presentationml/2006/main">
   <p:cSld>
     <p:spTree>
       <p:nvGrpSpPr>
-        <p:cNvPr id="1" name="Shape 58"/>
+        <p:cNvPr id="1" name=""/>
         <p:cNvGrpSpPr/>
         <p:nvPr/>
       </p:nvGrpSpPr>
@@ -5047,7 +5522,504 @@
       </p:grpSpPr>
       <p:sp>
         <p:nvSpPr>
-          <p:cNvPr id="59" name="Google Shape;59;p10:notes"/>
+          <p:cNvPr id="2" name="Slide Image Placeholder 1"/>
+          <p:cNvSpPr>
+            <a:spLocks noGrp="1" noRot="1" noChangeAspect="1"/>
+          </p:cNvSpPr>
+          <p:nvPr>
+            <p:ph type="sldImg"/>
+          </p:nvPr>
+        </p:nvSpPr>
+        <p:spPr/>
+      </p:sp>
+      <p:sp>
+        <p:nvSpPr>
+          <p:cNvPr id="3" name="Notes Placeholder 2"/>
+          <p:cNvSpPr>
+            <a:spLocks noGrp="1"/>
+          </p:cNvSpPr>
+          <p:nvPr>
+            <p:ph type="body" idx="1"/>
+          </p:nvPr>
+        </p:nvSpPr>
+        <p:spPr/>
+        <p:txBody>
+          <a:bodyPr/>
+          <a:lstStyle/>
+          <a:p>
+            <a:endParaRPr lang="en-US"/>
+          </a:p>
+        </p:txBody>
+      </p:sp>
+    </p:spTree>
+    <p:extLst>
+      <p:ext uri="{BB962C8B-B14F-4D97-AF65-F5344CB8AC3E}">
+        <p14:creationId xmlns:p14="http://schemas.microsoft.com/office/powerpoint/2010/main" val="3739929503"/>
+      </p:ext>
+    </p:extLst>
+  </p:cSld>
+  <p:clrMapOvr>
+    <a:masterClrMapping/>
+  </p:clrMapOvr>
+</p:notes>
+</file>
+
+<file path=ppt/notesSlides/notesSlide46.xml><?xml version="1.0" encoding="utf-8"?>
+<p:notes xmlns:a="http://schemas.openxmlformats.org/drawingml/2006/main" xmlns:r="http://schemas.openxmlformats.org/officeDocument/2006/relationships" xmlns:p="http://schemas.openxmlformats.org/presentationml/2006/main">
+  <p:cSld>
+    <p:spTree>
+      <p:nvGrpSpPr>
+        <p:cNvPr id="1" name=""/>
+        <p:cNvGrpSpPr/>
+        <p:nvPr/>
+      </p:nvGrpSpPr>
+      <p:grpSpPr>
+        <a:xfrm>
+          <a:off x="0" y="0"/>
+          <a:ext cx="0" cy="0"/>
+          <a:chOff x="0" y="0"/>
+          <a:chExt cx="0" cy="0"/>
+        </a:xfrm>
+      </p:grpSpPr>
+      <p:sp>
+        <p:nvSpPr>
+          <p:cNvPr id="2" name="Slide Image Placeholder 1"/>
+          <p:cNvSpPr>
+            <a:spLocks noGrp="1" noRot="1" noChangeAspect="1"/>
+          </p:cNvSpPr>
+          <p:nvPr>
+            <p:ph type="sldImg"/>
+          </p:nvPr>
+        </p:nvSpPr>
+        <p:spPr/>
+      </p:sp>
+      <p:sp>
+        <p:nvSpPr>
+          <p:cNvPr id="3" name="Notes Placeholder 2"/>
+          <p:cNvSpPr>
+            <a:spLocks noGrp="1"/>
+          </p:cNvSpPr>
+          <p:nvPr>
+            <p:ph type="body" idx="1"/>
+          </p:nvPr>
+        </p:nvSpPr>
+        <p:spPr/>
+        <p:txBody>
+          <a:bodyPr/>
+          <a:lstStyle/>
+          <a:p>
+            <a:endParaRPr lang="en-US"/>
+          </a:p>
+        </p:txBody>
+      </p:sp>
+    </p:spTree>
+    <p:extLst>
+      <p:ext uri="{BB962C8B-B14F-4D97-AF65-F5344CB8AC3E}">
+        <p14:creationId xmlns:p14="http://schemas.microsoft.com/office/powerpoint/2010/main" val="2438042890"/>
+      </p:ext>
+    </p:extLst>
+  </p:cSld>
+  <p:clrMapOvr>
+    <a:masterClrMapping/>
+  </p:clrMapOvr>
+</p:notes>
+</file>
+
+<file path=ppt/notesSlides/notesSlide47.xml><?xml version="1.0" encoding="utf-8"?>
+<p:notes xmlns:a="http://schemas.openxmlformats.org/drawingml/2006/main" xmlns:r="http://schemas.openxmlformats.org/officeDocument/2006/relationships" xmlns:p="http://schemas.openxmlformats.org/presentationml/2006/main">
+  <p:cSld>
+    <p:spTree>
+      <p:nvGrpSpPr>
+        <p:cNvPr id="1" name=""/>
+        <p:cNvGrpSpPr/>
+        <p:nvPr/>
+      </p:nvGrpSpPr>
+      <p:grpSpPr>
+        <a:xfrm>
+          <a:off x="0" y="0"/>
+          <a:ext cx="0" cy="0"/>
+          <a:chOff x="0" y="0"/>
+          <a:chExt cx="0" cy="0"/>
+        </a:xfrm>
+      </p:grpSpPr>
+      <p:sp>
+        <p:nvSpPr>
+          <p:cNvPr id="2" name="Slide Image Placeholder 1"/>
+          <p:cNvSpPr>
+            <a:spLocks noGrp="1" noRot="1" noChangeAspect="1"/>
+          </p:cNvSpPr>
+          <p:nvPr>
+            <p:ph type="sldImg"/>
+          </p:nvPr>
+        </p:nvSpPr>
+        <p:spPr/>
+      </p:sp>
+      <p:sp>
+        <p:nvSpPr>
+          <p:cNvPr id="3" name="Notes Placeholder 2"/>
+          <p:cNvSpPr>
+            <a:spLocks noGrp="1"/>
+          </p:cNvSpPr>
+          <p:nvPr>
+            <p:ph type="body" idx="1"/>
+          </p:nvPr>
+        </p:nvSpPr>
+        <p:spPr/>
+        <p:txBody>
+          <a:bodyPr/>
+          <a:lstStyle/>
+          <a:p>
+            <a:endParaRPr lang="en-US"/>
+          </a:p>
+        </p:txBody>
+      </p:sp>
+    </p:spTree>
+    <p:extLst>
+      <p:ext uri="{BB962C8B-B14F-4D97-AF65-F5344CB8AC3E}">
+        <p14:creationId xmlns:p14="http://schemas.microsoft.com/office/powerpoint/2010/main" val="2656801477"/>
+      </p:ext>
+    </p:extLst>
+  </p:cSld>
+  <p:clrMapOvr>
+    <a:masterClrMapping/>
+  </p:clrMapOvr>
+</p:notes>
+</file>
+
+<file path=ppt/notesSlides/notesSlide48.xml><?xml version="1.0" encoding="utf-8"?>
+<p:notes xmlns:a="http://schemas.openxmlformats.org/drawingml/2006/main" xmlns:r="http://schemas.openxmlformats.org/officeDocument/2006/relationships" xmlns:p="http://schemas.openxmlformats.org/presentationml/2006/main">
+  <p:cSld>
+    <p:bg>
+      <p:bgPr>
+        <a:solidFill>
+          <a:srgbClr val="FFFFFF"/>
+        </a:solidFill>
+        <a:effectLst/>
+      </p:bgPr>
+    </p:bg>
+    <p:spTree>
+      <p:nvGrpSpPr>
+        <p:cNvPr id="1" name=""/>
+        <p:cNvGrpSpPr/>
+        <p:nvPr/>
+      </p:nvGrpSpPr>
+      <p:grpSpPr>
+        <a:xfrm>
+          <a:off x="0" y="0"/>
+          <a:ext cx="0" cy="0"/>
+          <a:chOff x="0" y="0"/>
+          <a:chExt cx="0" cy="0"/>
+        </a:xfrm>
+      </p:grpSpPr>
+      <p:sp>
+        <p:nvSpPr>
+          <p:cNvPr id="88066" name="Rectangle 2"/>
+          <p:cNvSpPr>
+            <a:spLocks noGrp="1" noRot="1" noChangeAspect="1" noChangeArrowheads="1" noTextEdit="1"/>
+          </p:cNvSpPr>
+          <p:nvPr>
+            <p:ph type="sldImg"/>
+          </p:nvPr>
+        </p:nvSpPr>
+        <p:spPr>
+          <a:xfrm>
+            <a:off x="1260475" y="720725"/>
+            <a:ext cx="4800600" cy="3600450"/>
+          </a:xfrm>
+          <a:solidFill>
+            <a:srgbClr val="FFFFFF"/>
+          </a:solidFill>
+          <a:ln/>
+        </p:spPr>
+      </p:sp>
+      <p:sp>
+        <p:nvSpPr>
+          <p:cNvPr id="88067" name="Rectangle 3"/>
+          <p:cNvSpPr>
+            <a:spLocks noGrp="1" noChangeArrowheads="1"/>
+          </p:cNvSpPr>
+          <p:nvPr>
+            <p:ph type="body" idx="1"/>
+          </p:nvPr>
+        </p:nvSpPr>
+        <p:spPr>
+          <a:xfrm>
+            <a:off x="973138" y="4562475"/>
+            <a:ext cx="5368925" cy="4319588"/>
+          </a:xfrm>
+          <a:noFill/>
+          <a:ln/>
+          <a:extLst>
+            <a:ext uri="{909E8E84-426E-40DD-AFC4-6F175D3DCCD1}">
+              <a14:hiddenFill xmlns:a14="http://schemas.microsoft.com/office/drawing/2010/main">
+                <a:solidFill>
+                  <a:srgbClr val="FFFFFF"/>
+                </a:solidFill>
+              </a14:hiddenFill>
+            </a:ext>
+            <a:ext uri="{91240B29-F687-4F45-9708-019B960494DF}">
+              <a14:hiddenLine xmlns:a14="http://schemas.microsoft.com/office/drawing/2010/main" w="9525">
+                <a:solidFill>
+                  <a:srgbClr val="000000"/>
+                </a:solidFill>
+                <a:miter lim="800000"/>
+                <a:headEnd/>
+                <a:tailEnd/>
+              </a14:hiddenLine>
+            </a:ext>
+          </a:extLst>
+        </p:spPr>
+        <p:txBody>
+          <a:bodyPr wrap="none" lIns="95458" tIns="47728" rIns="95458" bIns="47728" anchor="ctr"/>
+          <a:lstStyle/>
+          <a:p>
+            <a:pPr eaLnBrk="1" hangingPunct="1"/>
+            <a:endParaRPr lang="en-US" dirty="0"/>
+          </a:p>
+        </p:txBody>
+      </p:sp>
+    </p:spTree>
+    <p:extLst>
+      <p:ext uri="{BB962C8B-B14F-4D97-AF65-F5344CB8AC3E}">
+        <p14:creationId xmlns:p14="http://schemas.microsoft.com/office/powerpoint/2010/main" val="2239175053"/>
+      </p:ext>
+    </p:extLst>
+  </p:cSld>
+  <p:clrMapOvr>
+    <a:masterClrMapping/>
+  </p:clrMapOvr>
+</p:notes>
+</file>
+
+<file path=ppt/notesSlides/notesSlide49.xml><?xml version="1.0" encoding="utf-8"?>
+<p:notes xmlns:a="http://schemas.openxmlformats.org/drawingml/2006/main" xmlns:r="http://schemas.openxmlformats.org/officeDocument/2006/relationships" xmlns:p="http://schemas.openxmlformats.org/presentationml/2006/main">
+  <p:cSld>
+    <p:spTree>
+      <p:nvGrpSpPr>
+        <p:cNvPr id="1" name=""/>
+        <p:cNvGrpSpPr/>
+        <p:nvPr/>
+      </p:nvGrpSpPr>
+      <p:grpSpPr>
+        <a:xfrm>
+          <a:off x="0" y="0"/>
+          <a:ext cx="0" cy="0"/>
+          <a:chOff x="0" y="0"/>
+          <a:chExt cx="0" cy="0"/>
+        </a:xfrm>
+      </p:grpSpPr>
+      <p:sp>
+        <p:nvSpPr>
+          <p:cNvPr id="40962" name="Rectangle 2"/>
+          <p:cNvSpPr>
+            <a:spLocks noGrp="1" noRot="1" noChangeAspect="1" noChangeArrowheads="1" noTextEdit="1"/>
+          </p:cNvSpPr>
+          <p:nvPr>
+            <p:ph type="sldImg"/>
+          </p:nvPr>
+        </p:nvSpPr>
+        <p:spPr>
+          <a:xfrm>
+            <a:off x="409575" y="701675"/>
+            <a:ext cx="6235700" cy="3508375"/>
+          </a:xfrm>
+          <a:ln/>
+        </p:spPr>
+      </p:sp>
+      <p:sp>
+        <p:nvSpPr>
+          <p:cNvPr id="40963" name="Rectangle 3"/>
+          <p:cNvSpPr>
+            <a:spLocks noGrp="1" noChangeArrowheads="1"/>
+          </p:cNvSpPr>
+          <p:nvPr>
+            <p:ph type="body" idx="1"/>
+          </p:nvPr>
+        </p:nvSpPr>
+        <p:spPr>
+          <a:noFill/>
+        </p:spPr>
+        <p:txBody>
+          <a:bodyPr/>
+          <a:lstStyle/>
+          <a:p>
+            <a:pPr eaLnBrk="1" hangingPunct="1"/>
+            <a:r>
+              <a:rPr lang="en-US" dirty="0"/>
+              <a:t>Does not scale</a:t>
+            </a:r>
+          </a:p>
+        </p:txBody>
+      </p:sp>
+      <p:sp>
+        <p:nvSpPr>
+          <p:cNvPr id="4" name="Header Placeholder 3"/>
+          <p:cNvSpPr>
+            <a:spLocks noGrp="1"/>
+          </p:cNvSpPr>
+          <p:nvPr>
+            <p:ph type="hdr" sz="quarter"/>
+          </p:nvPr>
+        </p:nvSpPr>
+        <p:spPr>
+          <a:xfrm>
+            <a:off x="3862388" y="174625"/>
+            <a:ext cx="3063875" cy="468313"/>
+          </a:xfrm>
+          <a:prstGeom prst="rect">
+            <a:avLst/>
+          </a:prstGeom>
+        </p:spPr>
+        <p:txBody>
+          <a:bodyPr/>
+          <a:lstStyle/>
+          <a:p>
+            <a:pPr>
+              <a:defRPr/>
+            </a:pPr>
+            <a:r>
+              <a:rPr lang="en-US" dirty="0"/>
+              <a:t>INSTRUCTOR GUIDE</a:t>
+            </a:r>
+          </a:p>
+        </p:txBody>
+      </p:sp>
+      <p:sp>
+        <p:nvSpPr>
+          <p:cNvPr id="5" name="Footer Placeholder 5"/>
+          <p:cNvSpPr>
+            <a:spLocks noGrp="1"/>
+          </p:cNvSpPr>
+          <p:nvPr>
+            <p:ph type="ftr" sz="quarter" idx="4"/>
+          </p:nvPr>
+        </p:nvSpPr>
+        <p:spPr>
+          <a:xfrm>
+            <a:off x="172906" y="8989949"/>
+            <a:ext cx="3891094" cy="341376"/>
+          </a:xfrm>
+          <a:prstGeom prst="rect">
+            <a:avLst/>
+          </a:prstGeom>
+        </p:spPr>
+        <p:txBody>
+          <a:bodyPr vert="horz" lIns="91440" tIns="45720" rIns="91440" bIns="45720" rtlCol="0" anchor="b"/>
+          <a:lstStyle>
+            <a:lvl1pPr algn="l">
+              <a:defRPr sz="1200">
+                <a:latin typeface="Tahoma" pitchFamily="34" charset="0"/>
+                <a:ea typeface="Tahoma" pitchFamily="34" charset="0"/>
+                <a:cs typeface="Tahoma" pitchFamily="34" charset="0"/>
+              </a:defRPr>
+            </a:lvl1pPr>
+          </a:lstStyle>
+          <a:p>
+            <a:pPr>
+              <a:tabLst>
+                <a:tab pos="3657600" algn="r"/>
+              </a:tabLst>
+            </a:pPr>
+            <a:r>
+              <a:rPr lang="en-US" dirty="0">
+                <a:solidFill>
+                  <a:schemeClr val="tx1"/>
+                </a:solidFill>
+              </a:rPr>
+              <a:t>472: Java Best Practices and Design Patterns</a:t>
+            </a:r>
+          </a:p>
+        </p:txBody>
+      </p:sp>
+      <p:sp>
+        <p:nvSpPr>
+          <p:cNvPr id="6" name="Slide Number Placeholder 6"/>
+          <p:cNvSpPr>
+            <a:spLocks noGrp="1"/>
+          </p:cNvSpPr>
+          <p:nvPr>
+            <p:ph type="sldNum" sz="quarter" idx="5"/>
+          </p:nvPr>
+        </p:nvSpPr>
+        <p:spPr>
+          <a:xfrm>
+            <a:off x="5638800" y="8977249"/>
+            <a:ext cx="1298563" cy="341376"/>
+          </a:xfrm>
+          <a:prstGeom prst="rect">
+            <a:avLst/>
+          </a:prstGeom>
+        </p:spPr>
+        <p:txBody>
+          <a:bodyPr vert="horz" lIns="91440" tIns="45720" rIns="91440" bIns="45720" rtlCol="0" anchor="b"/>
+          <a:lstStyle>
+            <a:lvl1pPr algn="r" defTabSz="938213" eaLnBrk="1" hangingPunct="1">
+              <a:defRPr sz="1200">
+                <a:latin typeface="Tahoma" pitchFamily="34" charset="0"/>
+                <a:ea typeface="Tahoma" pitchFamily="34" charset="0"/>
+                <a:cs typeface="Tahoma" pitchFamily="34" charset="0"/>
+              </a:defRPr>
+            </a:lvl1pPr>
+          </a:lstStyle>
+          <a:p>
+            <a:r>
+              <a:rPr lang="en-US" dirty="0">
+                <a:solidFill>
+                  <a:schemeClr val="tx1"/>
+                </a:solidFill>
+              </a:rPr>
+              <a:t>Chapter 4-</a:t>
+            </a:r>
+            <a:fld id="{97BFBC74-E758-44AA-8094-34AE1447602B}" type="slidenum">
+              <a:rPr lang="en-US" smtClean="0">
+                <a:solidFill>
+                  <a:schemeClr val="tx1"/>
+                </a:solidFill>
+              </a:rPr>
+              <a:pPr/>
+              <a:t>50</a:t>
+            </a:fld>
+            <a:endParaRPr lang="en-US" dirty="0">
+              <a:solidFill>
+                <a:schemeClr val="tx1"/>
+              </a:solidFill>
+            </a:endParaRPr>
+          </a:p>
+        </p:txBody>
+      </p:sp>
+    </p:spTree>
+    <p:extLst>
+      <p:ext uri="{BB962C8B-B14F-4D97-AF65-F5344CB8AC3E}">
+        <p14:creationId xmlns:p14="http://schemas.microsoft.com/office/powerpoint/2010/main" val="1600181913"/>
+      </p:ext>
+    </p:extLst>
+  </p:cSld>
+  <p:clrMapOvr>
+    <a:masterClrMapping/>
+  </p:clrMapOvr>
+</p:notes>
+</file>
+
+<file path=ppt/notesSlides/notesSlide5.xml><?xml version="1.0" encoding="utf-8"?>
+<p:notes xmlns:a="http://schemas.openxmlformats.org/drawingml/2006/main" xmlns:r="http://schemas.openxmlformats.org/officeDocument/2006/relationships" xmlns:p="http://schemas.openxmlformats.org/presentationml/2006/main" showMasterSp="0" showMasterPhAnim="0">
+  <p:cSld>
+    <p:spTree>
+      <p:nvGrpSpPr>
+        <p:cNvPr id="1" name="Shape 65"/>
+        <p:cNvGrpSpPr/>
+        <p:nvPr/>
+      </p:nvGrpSpPr>
+      <p:grpSpPr>
+        <a:xfrm>
+          <a:off x="0" y="0"/>
+          <a:ext cx="0" cy="0"/>
+          <a:chOff x="0" y="0"/>
+          <a:chExt cx="0" cy="0"/>
+        </a:xfrm>
+      </p:grpSpPr>
+      <p:sp>
+        <p:nvSpPr>
+          <p:cNvPr id="66" name="Google Shape;66;p12:notes"/>
           <p:cNvSpPr>
             <a:spLocks noGrp="1" noRot="1" noChangeAspect="1"/>
           </p:cNvSpPr>
@@ -5098,978 +6070,6 @@
       </p:sp>
       <p:sp>
         <p:nvSpPr>
-          <p:cNvPr id="60" name="Google Shape;60;p10:notes"/>
-          <p:cNvSpPr txBox="1">
-            <a:spLocks noGrp="1"/>
-          </p:cNvSpPr>
-          <p:nvPr>
-            <p:ph type="body" idx="1"/>
-          </p:nvPr>
-        </p:nvSpPr>
-        <p:spPr>
-          <a:xfrm>
-            <a:off x="685800" y="4343400"/>
-            <a:ext cx="5486400" cy="4114800"/>
-          </a:xfrm>
-          <a:prstGeom prst="rect">
-            <a:avLst/>
-          </a:prstGeom>
-          <a:noFill/>
-          <a:ln>
-            <a:noFill/>
-          </a:ln>
-        </p:spPr>
-        <p:txBody>
-          <a:bodyPr spcFirstLastPara="1" wrap="square" lIns="91425" tIns="45700" rIns="91425" bIns="45700" anchor="t" anchorCtr="0">
-            <a:noAutofit/>
-          </a:bodyPr>
-          <a:lstStyle/>
-          <a:p>
-            <a:pPr marL="0" marR="0" lvl="0" indent="0" algn="l" rtl="0">
-              <a:spcBef>
-                <a:spcPts val="0"/>
-              </a:spcBef>
-              <a:spcAft>
-                <a:spcPts val="0"/>
-              </a:spcAft>
-              <a:buNone/>
-            </a:pPr>
-            <a:endParaRPr sz="1200" b="0" i="0" u="none" strike="noStrike" cap="none">
-              <a:solidFill>
-                <a:schemeClr val="dk1"/>
-              </a:solidFill>
-              <a:latin typeface="Arial"/>
-              <a:ea typeface="Arial"/>
-              <a:cs typeface="Arial"/>
-              <a:sym typeface="Arial"/>
-            </a:endParaRPr>
-          </a:p>
-        </p:txBody>
-      </p:sp>
-    </p:spTree>
-  </p:cSld>
-  <p:clrMapOvr>
-    <a:masterClrMapping/>
-  </p:clrMapOvr>
-</p:notes>
-</file>
-
-<file path=ppt/notesSlides/notesSlide40.xml><?xml version="1.0" encoding="utf-8"?>
-<p:notes xmlns:a="http://schemas.openxmlformats.org/drawingml/2006/main" xmlns:r="http://schemas.openxmlformats.org/officeDocument/2006/relationships" xmlns:p="http://schemas.openxmlformats.org/presentationml/2006/main">
-  <p:cSld>
-    <p:spTree>
-      <p:nvGrpSpPr>
-        <p:cNvPr id="1" name=""/>
-        <p:cNvGrpSpPr/>
-        <p:nvPr/>
-      </p:nvGrpSpPr>
-      <p:grpSpPr>
-        <a:xfrm>
-          <a:off x="0" y="0"/>
-          <a:ext cx="0" cy="0"/>
-          <a:chOff x="0" y="0"/>
-          <a:chExt cx="0" cy="0"/>
-        </a:xfrm>
-      </p:grpSpPr>
-      <p:sp>
-        <p:nvSpPr>
-          <p:cNvPr id="2" name="Slide Image Placeholder 1"/>
-          <p:cNvSpPr>
-            <a:spLocks noGrp="1" noRot="1" noChangeAspect="1"/>
-          </p:cNvSpPr>
-          <p:nvPr>
-            <p:ph type="sldImg"/>
-          </p:nvPr>
-        </p:nvSpPr>
-        <p:spPr/>
-      </p:sp>
-      <p:sp>
-        <p:nvSpPr>
-          <p:cNvPr id="3" name="Notes Placeholder 2"/>
-          <p:cNvSpPr>
-            <a:spLocks noGrp="1"/>
-          </p:cNvSpPr>
-          <p:nvPr>
-            <p:ph type="body" idx="1"/>
-          </p:nvPr>
-        </p:nvSpPr>
-        <p:spPr/>
-        <p:txBody>
-          <a:bodyPr/>
-          <a:lstStyle/>
-          <a:p>
-            <a:endParaRPr lang="en-US"/>
-          </a:p>
-        </p:txBody>
-      </p:sp>
-    </p:spTree>
-    <p:extLst>
-      <p:ext uri="{BB962C8B-B14F-4D97-AF65-F5344CB8AC3E}">
-        <p14:creationId xmlns:p14="http://schemas.microsoft.com/office/powerpoint/2010/main" val="3462584054"/>
-      </p:ext>
-    </p:extLst>
-  </p:cSld>
-  <p:clrMapOvr>
-    <a:masterClrMapping/>
-  </p:clrMapOvr>
-</p:notes>
-</file>
-
-<file path=ppt/notesSlides/notesSlide41.xml><?xml version="1.0" encoding="utf-8"?>
-<p:notes xmlns:a="http://schemas.openxmlformats.org/drawingml/2006/main" xmlns:r="http://schemas.openxmlformats.org/officeDocument/2006/relationships" xmlns:p="http://schemas.openxmlformats.org/presentationml/2006/main">
-  <p:cSld>
-    <p:spTree>
-      <p:nvGrpSpPr>
-        <p:cNvPr id="1" name=""/>
-        <p:cNvGrpSpPr/>
-        <p:nvPr/>
-      </p:nvGrpSpPr>
-      <p:grpSpPr>
-        <a:xfrm>
-          <a:off x="0" y="0"/>
-          <a:ext cx="0" cy="0"/>
-          <a:chOff x="0" y="0"/>
-          <a:chExt cx="0" cy="0"/>
-        </a:xfrm>
-      </p:grpSpPr>
-      <p:sp>
-        <p:nvSpPr>
-          <p:cNvPr id="2" name="Slide Image Placeholder 1"/>
-          <p:cNvSpPr>
-            <a:spLocks noGrp="1" noRot="1" noChangeAspect="1"/>
-          </p:cNvSpPr>
-          <p:nvPr>
-            <p:ph type="sldImg"/>
-          </p:nvPr>
-        </p:nvSpPr>
-        <p:spPr/>
-      </p:sp>
-      <p:sp>
-        <p:nvSpPr>
-          <p:cNvPr id="3" name="Notes Placeholder 2"/>
-          <p:cNvSpPr>
-            <a:spLocks noGrp="1"/>
-          </p:cNvSpPr>
-          <p:nvPr>
-            <p:ph type="body" idx="1"/>
-          </p:nvPr>
-        </p:nvSpPr>
-        <p:spPr/>
-        <p:txBody>
-          <a:bodyPr/>
-          <a:lstStyle/>
-          <a:p>
-            <a:endParaRPr lang="en-US"/>
-          </a:p>
-        </p:txBody>
-      </p:sp>
-    </p:spTree>
-    <p:extLst>
-      <p:ext uri="{BB962C8B-B14F-4D97-AF65-F5344CB8AC3E}">
-        <p14:creationId xmlns:p14="http://schemas.microsoft.com/office/powerpoint/2010/main" val="2392903266"/>
-      </p:ext>
-    </p:extLst>
-  </p:cSld>
-  <p:clrMapOvr>
-    <a:masterClrMapping/>
-  </p:clrMapOvr>
-</p:notes>
-</file>
-
-<file path=ppt/notesSlides/notesSlide42.xml><?xml version="1.0" encoding="utf-8"?>
-<p:notes xmlns:a="http://schemas.openxmlformats.org/drawingml/2006/main" xmlns:r="http://schemas.openxmlformats.org/officeDocument/2006/relationships" xmlns:p="http://schemas.openxmlformats.org/presentationml/2006/main">
-  <p:cSld>
-    <p:bg>
-      <p:bgPr>
-        <a:solidFill>
-          <a:srgbClr val="FFFFFF"/>
-        </a:solidFill>
-        <a:effectLst/>
-      </p:bgPr>
-    </p:bg>
-    <p:spTree>
-      <p:nvGrpSpPr>
-        <p:cNvPr id="1" name=""/>
-        <p:cNvGrpSpPr/>
-        <p:nvPr/>
-      </p:nvGrpSpPr>
-      <p:grpSpPr>
-        <a:xfrm>
-          <a:off x="0" y="0"/>
-          <a:ext cx="0" cy="0"/>
-          <a:chOff x="0" y="0"/>
-          <a:chExt cx="0" cy="0"/>
-        </a:xfrm>
-      </p:grpSpPr>
-      <p:sp>
-        <p:nvSpPr>
-          <p:cNvPr id="88066" name="Rectangle 2"/>
-          <p:cNvSpPr>
-            <a:spLocks noGrp="1" noRot="1" noChangeAspect="1" noChangeArrowheads="1" noTextEdit="1"/>
-          </p:cNvSpPr>
-          <p:nvPr>
-            <p:ph type="sldImg"/>
-          </p:nvPr>
-        </p:nvSpPr>
-        <p:spPr>
-          <a:xfrm>
-            <a:off x="1260475" y="720725"/>
-            <a:ext cx="4800600" cy="3600450"/>
-          </a:xfrm>
-          <a:solidFill>
-            <a:srgbClr val="FFFFFF"/>
-          </a:solidFill>
-          <a:ln/>
-        </p:spPr>
-      </p:sp>
-      <p:sp>
-        <p:nvSpPr>
-          <p:cNvPr id="88067" name="Rectangle 3"/>
-          <p:cNvSpPr>
-            <a:spLocks noGrp="1" noChangeArrowheads="1"/>
-          </p:cNvSpPr>
-          <p:nvPr>
-            <p:ph type="body" idx="1"/>
-          </p:nvPr>
-        </p:nvSpPr>
-        <p:spPr>
-          <a:xfrm>
-            <a:off x="973138" y="4562475"/>
-            <a:ext cx="5368925" cy="4319588"/>
-          </a:xfrm>
-          <a:noFill/>
-          <a:ln/>
-          <a:extLst>
-            <a:ext uri="{909E8E84-426E-40DD-AFC4-6F175D3DCCD1}">
-              <a14:hiddenFill xmlns:a14="http://schemas.microsoft.com/office/drawing/2010/main">
-                <a:solidFill>
-                  <a:srgbClr val="FFFFFF"/>
-                </a:solidFill>
-              </a14:hiddenFill>
-            </a:ext>
-            <a:ext uri="{91240B29-F687-4F45-9708-019B960494DF}">
-              <a14:hiddenLine xmlns:a14="http://schemas.microsoft.com/office/drawing/2010/main" w="9525">
-                <a:solidFill>
-                  <a:srgbClr val="000000"/>
-                </a:solidFill>
-                <a:miter lim="800000"/>
-                <a:headEnd/>
-                <a:tailEnd/>
-              </a14:hiddenLine>
-            </a:ext>
-          </a:extLst>
-        </p:spPr>
-        <p:txBody>
-          <a:bodyPr wrap="none" lIns="95458" tIns="47728" rIns="95458" bIns="47728" anchor="ctr"/>
-          <a:lstStyle/>
-          <a:p>
-            <a:pPr eaLnBrk="1" hangingPunct="1"/>
-            <a:endParaRPr lang="en-US" dirty="0"/>
-          </a:p>
-        </p:txBody>
-      </p:sp>
-    </p:spTree>
-    <p:extLst>
-      <p:ext uri="{BB962C8B-B14F-4D97-AF65-F5344CB8AC3E}">
-        <p14:creationId xmlns:p14="http://schemas.microsoft.com/office/powerpoint/2010/main" val="2117534009"/>
-      </p:ext>
-    </p:extLst>
-  </p:cSld>
-  <p:clrMapOvr>
-    <a:masterClrMapping/>
-  </p:clrMapOvr>
-</p:notes>
-</file>
-
-<file path=ppt/notesSlides/notesSlide43.xml><?xml version="1.0" encoding="utf-8"?>
-<p:notes xmlns:a="http://schemas.openxmlformats.org/drawingml/2006/main" xmlns:r="http://schemas.openxmlformats.org/officeDocument/2006/relationships" xmlns:p="http://schemas.openxmlformats.org/presentationml/2006/main">
-  <p:cSld>
-    <p:spTree>
-      <p:nvGrpSpPr>
-        <p:cNvPr id="1" name=""/>
-        <p:cNvGrpSpPr/>
-        <p:nvPr/>
-      </p:nvGrpSpPr>
-      <p:grpSpPr>
-        <a:xfrm>
-          <a:off x="0" y="0"/>
-          <a:ext cx="0" cy="0"/>
-          <a:chOff x="0" y="0"/>
-          <a:chExt cx="0" cy="0"/>
-        </a:xfrm>
-      </p:grpSpPr>
-      <p:sp>
-        <p:nvSpPr>
-          <p:cNvPr id="2" name="Slide Image Placeholder 1"/>
-          <p:cNvSpPr>
-            <a:spLocks noGrp="1" noRot="1" noChangeAspect="1"/>
-          </p:cNvSpPr>
-          <p:nvPr>
-            <p:ph type="sldImg"/>
-          </p:nvPr>
-        </p:nvSpPr>
-        <p:spPr/>
-      </p:sp>
-      <p:sp>
-        <p:nvSpPr>
-          <p:cNvPr id="3" name="Notes Placeholder 2"/>
-          <p:cNvSpPr>
-            <a:spLocks noGrp="1"/>
-          </p:cNvSpPr>
-          <p:nvPr>
-            <p:ph type="body" idx="1"/>
-          </p:nvPr>
-        </p:nvSpPr>
-        <p:spPr/>
-        <p:txBody>
-          <a:bodyPr/>
-          <a:lstStyle/>
-          <a:p>
-            <a:endParaRPr lang="en-US"/>
-          </a:p>
-        </p:txBody>
-      </p:sp>
-    </p:spTree>
-    <p:extLst>
-      <p:ext uri="{BB962C8B-B14F-4D97-AF65-F5344CB8AC3E}">
-        <p14:creationId xmlns:p14="http://schemas.microsoft.com/office/powerpoint/2010/main" val="1443879862"/>
-      </p:ext>
-    </p:extLst>
-  </p:cSld>
-  <p:clrMapOvr>
-    <a:masterClrMapping/>
-  </p:clrMapOvr>
-</p:notes>
-</file>
-
-<file path=ppt/notesSlides/notesSlide44.xml><?xml version="1.0" encoding="utf-8"?>
-<p:notes xmlns:a="http://schemas.openxmlformats.org/drawingml/2006/main" xmlns:r="http://schemas.openxmlformats.org/officeDocument/2006/relationships" xmlns:p="http://schemas.openxmlformats.org/presentationml/2006/main">
-  <p:cSld>
-    <p:spTree>
-      <p:nvGrpSpPr>
-        <p:cNvPr id="1" name=""/>
-        <p:cNvGrpSpPr/>
-        <p:nvPr/>
-      </p:nvGrpSpPr>
-      <p:grpSpPr>
-        <a:xfrm>
-          <a:off x="0" y="0"/>
-          <a:ext cx="0" cy="0"/>
-          <a:chOff x="0" y="0"/>
-          <a:chExt cx="0" cy="0"/>
-        </a:xfrm>
-      </p:grpSpPr>
-      <p:sp>
-        <p:nvSpPr>
-          <p:cNvPr id="2" name="Slide Image Placeholder 1"/>
-          <p:cNvSpPr>
-            <a:spLocks noGrp="1" noRot="1" noChangeAspect="1"/>
-          </p:cNvSpPr>
-          <p:nvPr>
-            <p:ph type="sldImg"/>
-          </p:nvPr>
-        </p:nvSpPr>
-        <p:spPr/>
-      </p:sp>
-      <p:sp>
-        <p:nvSpPr>
-          <p:cNvPr id="3" name="Notes Placeholder 2"/>
-          <p:cNvSpPr>
-            <a:spLocks noGrp="1"/>
-          </p:cNvSpPr>
-          <p:nvPr>
-            <p:ph type="body" idx="1"/>
-          </p:nvPr>
-        </p:nvSpPr>
-        <p:spPr/>
-        <p:txBody>
-          <a:bodyPr/>
-          <a:lstStyle/>
-          <a:p>
-            <a:endParaRPr lang="en-US"/>
-          </a:p>
-        </p:txBody>
-      </p:sp>
-    </p:spTree>
-    <p:extLst>
-      <p:ext uri="{BB962C8B-B14F-4D97-AF65-F5344CB8AC3E}">
-        <p14:creationId xmlns:p14="http://schemas.microsoft.com/office/powerpoint/2010/main" val="407689751"/>
-      </p:ext>
-    </p:extLst>
-  </p:cSld>
-  <p:clrMapOvr>
-    <a:masterClrMapping/>
-  </p:clrMapOvr>
-</p:notes>
-</file>
-
-<file path=ppt/notesSlides/notesSlide45.xml><?xml version="1.0" encoding="utf-8"?>
-<p:notes xmlns:a="http://schemas.openxmlformats.org/drawingml/2006/main" xmlns:r="http://schemas.openxmlformats.org/officeDocument/2006/relationships" xmlns:p="http://schemas.openxmlformats.org/presentationml/2006/main">
-  <p:cSld>
-    <p:spTree>
-      <p:nvGrpSpPr>
-        <p:cNvPr id="1" name=""/>
-        <p:cNvGrpSpPr/>
-        <p:nvPr/>
-      </p:nvGrpSpPr>
-      <p:grpSpPr>
-        <a:xfrm>
-          <a:off x="0" y="0"/>
-          <a:ext cx="0" cy="0"/>
-          <a:chOff x="0" y="0"/>
-          <a:chExt cx="0" cy="0"/>
-        </a:xfrm>
-      </p:grpSpPr>
-      <p:sp>
-        <p:nvSpPr>
-          <p:cNvPr id="2" name="Slide Image Placeholder 1"/>
-          <p:cNvSpPr>
-            <a:spLocks noGrp="1" noRot="1" noChangeAspect="1"/>
-          </p:cNvSpPr>
-          <p:nvPr>
-            <p:ph type="sldImg"/>
-          </p:nvPr>
-        </p:nvSpPr>
-        <p:spPr/>
-      </p:sp>
-      <p:sp>
-        <p:nvSpPr>
-          <p:cNvPr id="3" name="Notes Placeholder 2"/>
-          <p:cNvSpPr>
-            <a:spLocks noGrp="1"/>
-          </p:cNvSpPr>
-          <p:nvPr>
-            <p:ph type="body" idx="1"/>
-          </p:nvPr>
-        </p:nvSpPr>
-        <p:spPr/>
-        <p:txBody>
-          <a:bodyPr/>
-          <a:lstStyle/>
-          <a:p>
-            <a:endParaRPr lang="en-US"/>
-          </a:p>
-        </p:txBody>
-      </p:sp>
-    </p:spTree>
-    <p:extLst>
-      <p:ext uri="{BB962C8B-B14F-4D97-AF65-F5344CB8AC3E}">
-        <p14:creationId xmlns:p14="http://schemas.microsoft.com/office/powerpoint/2010/main" val="3739929503"/>
-      </p:ext>
-    </p:extLst>
-  </p:cSld>
-  <p:clrMapOvr>
-    <a:masterClrMapping/>
-  </p:clrMapOvr>
-</p:notes>
-</file>
-
-<file path=ppt/notesSlides/notesSlide46.xml><?xml version="1.0" encoding="utf-8"?>
-<p:notes xmlns:a="http://schemas.openxmlformats.org/drawingml/2006/main" xmlns:r="http://schemas.openxmlformats.org/officeDocument/2006/relationships" xmlns:p="http://schemas.openxmlformats.org/presentationml/2006/main">
-  <p:cSld>
-    <p:spTree>
-      <p:nvGrpSpPr>
-        <p:cNvPr id="1" name=""/>
-        <p:cNvGrpSpPr/>
-        <p:nvPr/>
-      </p:nvGrpSpPr>
-      <p:grpSpPr>
-        <a:xfrm>
-          <a:off x="0" y="0"/>
-          <a:ext cx="0" cy="0"/>
-          <a:chOff x="0" y="0"/>
-          <a:chExt cx="0" cy="0"/>
-        </a:xfrm>
-      </p:grpSpPr>
-      <p:sp>
-        <p:nvSpPr>
-          <p:cNvPr id="2" name="Slide Image Placeholder 1"/>
-          <p:cNvSpPr>
-            <a:spLocks noGrp="1" noRot="1" noChangeAspect="1"/>
-          </p:cNvSpPr>
-          <p:nvPr>
-            <p:ph type="sldImg"/>
-          </p:nvPr>
-        </p:nvSpPr>
-        <p:spPr/>
-      </p:sp>
-      <p:sp>
-        <p:nvSpPr>
-          <p:cNvPr id="3" name="Notes Placeholder 2"/>
-          <p:cNvSpPr>
-            <a:spLocks noGrp="1"/>
-          </p:cNvSpPr>
-          <p:nvPr>
-            <p:ph type="body" idx="1"/>
-          </p:nvPr>
-        </p:nvSpPr>
-        <p:spPr/>
-        <p:txBody>
-          <a:bodyPr/>
-          <a:lstStyle/>
-          <a:p>
-            <a:endParaRPr lang="en-US"/>
-          </a:p>
-        </p:txBody>
-      </p:sp>
-    </p:spTree>
-    <p:extLst>
-      <p:ext uri="{BB962C8B-B14F-4D97-AF65-F5344CB8AC3E}">
-        <p14:creationId xmlns:p14="http://schemas.microsoft.com/office/powerpoint/2010/main" val="2438042890"/>
-      </p:ext>
-    </p:extLst>
-  </p:cSld>
-  <p:clrMapOvr>
-    <a:masterClrMapping/>
-  </p:clrMapOvr>
-</p:notes>
-</file>
-
-<file path=ppt/notesSlides/notesSlide47.xml><?xml version="1.0" encoding="utf-8"?>
-<p:notes xmlns:a="http://schemas.openxmlformats.org/drawingml/2006/main" xmlns:r="http://schemas.openxmlformats.org/officeDocument/2006/relationships" xmlns:p="http://schemas.openxmlformats.org/presentationml/2006/main">
-  <p:cSld>
-    <p:spTree>
-      <p:nvGrpSpPr>
-        <p:cNvPr id="1" name=""/>
-        <p:cNvGrpSpPr/>
-        <p:nvPr/>
-      </p:nvGrpSpPr>
-      <p:grpSpPr>
-        <a:xfrm>
-          <a:off x="0" y="0"/>
-          <a:ext cx="0" cy="0"/>
-          <a:chOff x="0" y="0"/>
-          <a:chExt cx="0" cy="0"/>
-        </a:xfrm>
-      </p:grpSpPr>
-      <p:sp>
-        <p:nvSpPr>
-          <p:cNvPr id="2" name="Slide Image Placeholder 1"/>
-          <p:cNvSpPr>
-            <a:spLocks noGrp="1" noRot="1" noChangeAspect="1"/>
-          </p:cNvSpPr>
-          <p:nvPr>
-            <p:ph type="sldImg"/>
-          </p:nvPr>
-        </p:nvSpPr>
-        <p:spPr/>
-      </p:sp>
-      <p:sp>
-        <p:nvSpPr>
-          <p:cNvPr id="3" name="Notes Placeholder 2"/>
-          <p:cNvSpPr>
-            <a:spLocks noGrp="1"/>
-          </p:cNvSpPr>
-          <p:nvPr>
-            <p:ph type="body" idx="1"/>
-          </p:nvPr>
-        </p:nvSpPr>
-        <p:spPr/>
-        <p:txBody>
-          <a:bodyPr/>
-          <a:lstStyle/>
-          <a:p>
-            <a:endParaRPr lang="en-US"/>
-          </a:p>
-        </p:txBody>
-      </p:sp>
-    </p:spTree>
-    <p:extLst>
-      <p:ext uri="{BB962C8B-B14F-4D97-AF65-F5344CB8AC3E}">
-        <p14:creationId xmlns:p14="http://schemas.microsoft.com/office/powerpoint/2010/main" val="2656801477"/>
-      </p:ext>
-    </p:extLst>
-  </p:cSld>
-  <p:clrMapOvr>
-    <a:masterClrMapping/>
-  </p:clrMapOvr>
-</p:notes>
-</file>
-
-<file path=ppt/notesSlides/notesSlide48.xml><?xml version="1.0" encoding="utf-8"?>
-<p:notes xmlns:a="http://schemas.openxmlformats.org/drawingml/2006/main" xmlns:r="http://schemas.openxmlformats.org/officeDocument/2006/relationships" xmlns:p="http://schemas.openxmlformats.org/presentationml/2006/main">
-  <p:cSld>
-    <p:bg>
-      <p:bgPr>
-        <a:solidFill>
-          <a:srgbClr val="FFFFFF"/>
-        </a:solidFill>
-        <a:effectLst/>
-      </p:bgPr>
-    </p:bg>
-    <p:spTree>
-      <p:nvGrpSpPr>
-        <p:cNvPr id="1" name=""/>
-        <p:cNvGrpSpPr/>
-        <p:nvPr/>
-      </p:nvGrpSpPr>
-      <p:grpSpPr>
-        <a:xfrm>
-          <a:off x="0" y="0"/>
-          <a:ext cx="0" cy="0"/>
-          <a:chOff x="0" y="0"/>
-          <a:chExt cx="0" cy="0"/>
-        </a:xfrm>
-      </p:grpSpPr>
-      <p:sp>
-        <p:nvSpPr>
-          <p:cNvPr id="88066" name="Rectangle 2"/>
-          <p:cNvSpPr>
-            <a:spLocks noGrp="1" noRot="1" noChangeAspect="1" noChangeArrowheads="1" noTextEdit="1"/>
-          </p:cNvSpPr>
-          <p:nvPr>
-            <p:ph type="sldImg"/>
-          </p:nvPr>
-        </p:nvSpPr>
-        <p:spPr>
-          <a:xfrm>
-            <a:off x="1260475" y="720725"/>
-            <a:ext cx="4800600" cy="3600450"/>
-          </a:xfrm>
-          <a:solidFill>
-            <a:srgbClr val="FFFFFF"/>
-          </a:solidFill>
-          <a:ln/>
-        </p:spPr>
-      </p:sp>
-      <p:sp>
-        <p:nvSpPr>
-          <p:cNvPr id="88067" name="Rectangle 3"/>
-          <p:cNvSpPr>
-            <a:spLocks noGrp="1" noChangeArrowheads="1"/>
-          </p:cNvSpPr>
-          <p:nvPr>
-            <p:ph type="body" idx="1"/>
-          </p:nvPr>
-        </p:nvSpPr>
-        <p:spPr>
-          <a:xfrm>
-            <a:off x="973138" y="4562475"/>
-            <a:ext cx="5368925" cy="4319588"/>
-          </a:xfrm>
-          <a:noFill/>
-          <a:ln/>
-          <a:extLst>
-            <a:ext uri="{909E8E84-426E-40DD-AFC4-6F175D3DCCD1}">
-              <a14:hiddenFill xmlns:a14="http://schemas.microsoft.com/office/drawing/2010/main">
-                <a:solidFill>
-                  <a:srgbClr val="FFFFFF"/>
-                </a:solidFill>
-              </a14:hiddenFill>
-            </a:ext>
-            <a:ext uri="{91240B29-F687-4F45-9708-019B960494DF}">
-              <a14:hiddenLine xmlns:a14="http://schemas.microsoft.com/office/drawing/2010/main" w="9525">
-                <a:solidFill>
-                  <a:srgbClr val="000000"/>
-                </a:solidFill>
-                <a:miter lim="800000"/>
-                <a:headEnd/>
-                <a:tailEnd/>
-              </a14:hiddenLine>
-            </a:ext>
-          </a:extLst>
-        </p:spPr>
-        <p:txBody>
-          <a:bodyPr wrap="none" lIns="95458" tIns="47728" rIns="95458" bIns="47728" anchor="ctr"/>
-          <a:lstStyle/>
-          <a:p>
-            <a:pPr eaLnBrk="1" hangingPunct="1"/>
-            <a:endParaRPr lang="en-US" dirty="0"/>
-          </a:p>
-        </p:txBody>
-      </p:sp>
-    </p:spTree>
-    <p:extLst>
-      <p:ext uri="{BB962C8B-B14F-4D97-AF65-F5344CB8AC3E}">
-        <p14:creationId xmlns:p14="http://schemas.microsoft.com/office/powerpoint/2010/main" val="2239175053"/>
-      </p:ext>
-    </p:extLst>
-  </p:cSld>
-  <p:clrMapOvr>
-    <a:masterClrMapping/>
-  </p:clrMapOvr>
-</p:notes>
-</file>
-
-<file path=ppt/notesSlides/notesSlide49.xml><?xml version="1.0" encoding="utf-8"?>
-<p:notes xmlns:a="http://schemas.openxmlformats.org/drawingml/2006/main" xmlns:r="http://schemas.openxmlformats.org/officeDocument/2006/relationships" xmlns:p="http://schemas.openxmlformats.org/presentationml/2006/main">
-  <p:cSld>
-    <p:spTree>
-      <p:nvGrpSpPr>
-        <p:cNvPr id="1" name=""/>
-        <p:cNvGrpSpPr/>
-        <p:nvPr/>
-      </p:nvGrpSpPr>
-      <p:grpSpPr>
-        <a:xfrm>
-          <a:off x="0" y="0"/>
-          <a:ext cx="0" cy="0"/>
-          <a:chOff x="0" y="0"/>
-          <a:chExt cx="0" cy="0"/>
-        </a:xfrm>
-      </p:grpSpPr>
-      <p:sp>
-        <p:nvSpPr>
-          <p:cNvPr id="40962" name="Rectangle 2"/>
-          <p:cNvSpPr>
-            <a:spLocks noGrp="1" noRot="1" noChangeAspect="1" noChangeArrowheads="1" noTextEdit="1"/>
-          </p:cNvSpPr>
-          <p:nvPr>
-            <p:ph type="sldImg"/>
-          </p:nvPr>
-        </p:nvSpPr>
-        <p:spPr>
-          <a:xfrm>
-            <a:off x="409575" y="701675"/>
-            <a:ext cx="6235700" cy="3508375"/>
-          </a:xfrm>
-          <a:ln/>
-        </p:spPr>
-      </p:sp>
-      <p:sp>
-        <p:nvSpPr>
-          <p:cNvPr id="40963" name="Rectangle 3"/>
-          <p:cNvSpPr>
-            <a:spLocks noGrp="1" noChangeArrowheads="1"/>
-          </p:cNvSpPr>
-          <p:nvPr>
-            <p:ph type="body" idx="1"/>
-          </p:nvPr>
-        </p:nvSpPr>
-        <p:spPr>
-          <a:noFill/>
-        </p:spPr>
-        <p:txBody>
-          <a:bodyPr/>
-          <a:lstStyle/>
-          <a:p>
-            <a:pPr eaLnBrk="1" hangingPunct="1"/>
-            <a:r>
-              <a:rPr lang="en-US" dirty="0"/>
-              <a:t>Does not scale</a:t>
-            </a:r>
-          </a:p>
-        </p:txBody>
-      </p:sp>
-      <p:sp>
-        <p:nvSpPr>
-          <p:cNvPr id="4" name="Header Placeholder 3"/>
-          <p:cNvSpPr>
-            <a:spLocks noGrp="1"/>
-          </p:cNvSpPr>
-          <p:nvPr>
-            <p:ph type="hdr" sz="quarter"/>
-          </p:nvPr>
-        </p:nvSpPr>
-        <p:spPr>
-          <a:xfrm>
-            <a:off x="3862388" y="174625"/>
-            <a:ext cx="3063875" cy="468313"/>
-          </a:xfrm>
-          <a:prstGeom prst="rect">
-            <a:avLst/>
-          </a:prstGeom>
-        </p:spPr>
-        <p:txBody>
-          <a:bodyPr/>
-          <a:lstStyle/>
-          <a:p>
-            <a:pPr>
-              <a:defRPr/>
-            </a:pPr>
-            <a:r>
-              <a:rPr lang="en-US" dirty="0"/>
-              <a:t>INSTRUCTOR GUIDE</a:t>
-            </a:r>
-          </a:p>
-        </p:txBody>
-      </p:sp>
-      <p:sp>
-        <p:nvSpPr>
-          <p:cNvPr id="5" name="Footer Placeholder 5"/>
-          <p:cNvSpPr>
-            <a:spLocks noGrp="1"/>
-          </p:cNvSpPr>
-          <p:nvPr>
-            <p:ph type="ftr" sz="quarter" idx="4"/>
-          </p:nvPr>
-        </p:nvSpPr>
-        <p:spPr>
-          <a:xfrm>
-            <a:off x="172906" y="8989949"/>
-            <a:ext cx="3891094" cy="341376"/>
-          </a:xfrm>
-          <a:prstGeom prst="rect">
-            <a:avLst/>
-          </a:prstGeom>
-        </p:spPr>
-        <p:txBody>
-          <a:bodyPr vert="horz" lIns="91440" tIns="45720" rIns="91440" bIns="45720" rtlCol="0" anchor="b"/>
-          <a:lstStyle>
-            <a:lvl1pPr algn="l">
-              <a:defRPr sz="1200">
-                <a:latin typeface="Tahoma" pitchFamily="34" charset="0"/>
-                <a:ea typeface="Tahoma" pitchFamily="34" charset="0"/>
-                <a:cs typeface="Tahoma" pitchFamily="34" charset="0"/>
-              </a:defRPr>
-            </a:lvl1pPr>
-          </a:lstStyle>
-          <a:p>
-            <a:pPr>
-              <a:tabLst>
-                <a:tab pos="3657600" algn="r"/>
-              </a:tabLst>
-            </a:pPr>
-            <a:r>
-              <a:rPr lang="en-US" dirty="0">
-                <a:solidFill>
-                  <a:schemeClr val="tx1"/>
-                </a:solidFill>
-              </a:rPr>
-              <a:t>472: Java Best Practices and Design Patterns</a:t>
-            </a:r>
-          </a:p>
-        </p:txBody>
-      </p:sp>
-      <p:sp>
-        <p:nvSpPr>
-          <p:cNvPr id="6" name="Slide Number Placeholder 6"/>
-          <p:cNvSpPr>
-            <a:spLocks noGrp="1"/>
-          </p:cNvSpPr>
-          <p:nvPr>
-            <p:ph type="sldNum" sz="quarter" idx="5"/>
-          </p:nvPr>
-        </p:nvSpPr>
-        <p:spPr>
-          <a:xfrm>
-            <a:off x="5638800" y="8977249"/>
-            <a:ext cx="1298563" cy="341376"/>
-          </a:xfrm>
-          <a:prstGeom prst="rect">
-            <a:avLst/>
-          </a:prstGeom>
-        </p:spPr>
-        <p:txBody>
-          <a:bodyPr vert="horz" lIns="91440" tIns="45720" rIns="91440" bIns="45720" rtlCol="0" anchor="b"/>
-          <a:lstStyle>
-            <a:lvl1pPr algn="r" defTabSz="938213" eaLnBrk="1" hangingPunct="1">
-              <a:defRPr sz="1200">
-                <a:latin typeface="Tahoma" pitchFamily="34" charset="0"/>
-                <a:ea typeface="Tahoma" pitchFamily="34" charset="0"/>
-                <a:cs typeface="Tahoma" pitchFamily="34" charset="0"/>
-              </a:defRPr>
-            </a:lvl1pPr>
-          </a:lstStyle>
-          <a:p>
-            <a:r>
-              <a:rPr lang="en-US" dirty="0">
-                <a:solidFill>
-                  <a:schemeClr val="tx1"/>
-                </a:solidFill>
-              </a:rPr>
-              <a:t>Chapter 4-</a:t>
-            </a:r>
-            <a:fld id="{97BFBC74-E758-44AA-8094-34AE1447602B}" type="slidenum">
-              <a:rPr lang="en-US" smtClean="0">
-                <a:solidFill>
-                  <a:schemeClr val="tx1"/>
-                </a:solidFill>
-              </a:rPr>
-              <a:pPr/>
-              <a:t>50</a:t>
-            </a:fld>
-            <a:endParaRPr lang="en-US" dirty="0">
-              <a:solidFill>
-                <a:schemeClr val="tx1"/>
-              </a:solidFill>
-            </a:endParaRPr>
-          </a:p>
-        </p:txBody>
-      </p:sp>
-    </p:spTree>
-    <p:extLst>
-      <p:ext uri="{BB962C8B-B14F-4D97-AF65-F5344CB8AC3E}">
-        <p14:creationId xmlns:p14="http://schemas.microsoft.com/office/powerpoint/2010/main" val="1600181913"/>
-      </p:ext>
-    </p:extLst>
-  </p:cSld>
-  <p:clrMapOvr>
-    <a:masterClrMapping/>
-  </p:clrMapOvr>
-</p:notes>
-</file>
-
-<file path=ppt/notesSlides/notesSlide5.xml><?xml version="1.0" encoding="utf-8"?>
-<p:notes xmlns:a="http://schemas.openxmlformats.org/drawingml/2006/main" xmlns:r="http://schemas.openxmlformats.org/officeDocument/2006/relationships" xmlns:p="http://schemas.openxmlformats.org/presentationml/2006/main" showMasterSp="0" showMasterPhAnim="0">
-  <p:cSld>
-    <p:spTree>
-      <p:nvGrpSpPr>
-        <p:cNvPr id="1" name="Shape 65"/>
-        <p:cNvGrpSpPr/>
-        <p:nvPr/>
-      </p:nvGrpSpPr>
-      <p:grpSpPr>
-        <a:xfrm>
-          <a:off x="0" y="0"/>
-          <a:ext cx="0" cy="0"/>
-          <a:chOff x="0" y="0"/>
-          <a:chExt cx="0" cy="0"/>
-        </a:xfrm>
-      </p:grpSpPr>
-      <p:sp>
-        <p:nvSpPr>
-          <p:cNvPr id="66" name="Google Shape;66;p12:notes"/>
-          <p:cNvSpPr>
-            <a:spLocks noGrp="1" noRot="1" noChangeAspect="1"/>
-          </p:cNvSpPr>
-          <p:nvPr>
-            <p:ph type="sldImg" idx="2"/>
-          </p:nvPr>
-        </p:nvSpPr>
-        <p:spPr>
-          <a:xfrm>
-            <a:off x="381000" y="685800"/>
-            <a:ext cx="6096000" cy="3429000"/>
-          </a:xfrm>
-          <a:custGeom>
-            <a:avLst/>
-            <a:gdLst/>
-            <a:ahLst/>
-            <a:cxnLst/>
-            <a:rect l="l" t="t" r="r" b="b"/>
-            <a:pathLst>
-              <a:path w="120000" h="120000" extrusionOk="0">
-                <a:moveTo>
-                  <a:pt x="0" y="0"/>
-                </a:moveTo>
-                <a:lnTo>
-                  <a:pt x="120000" y="0"/>
-                </a:lnTo>
-                <a:lnTo>
-                  <a:pt x="120000" y="120000"/>
-                </a:lnTo>
-                <a:lnTo>
-                  <a:pt x="0" y="120000"/>
-                </a:lnTo>
-                <a:close/>
-              </a:path>
-            </a:pathLst>
-          </a:custGeom>
-          <a:noFill/>
-          <a:ln w="9525" cap="flat" cmpd="sng">
-            <a:solidFill>
-              <a:srgbClr val="000000"/>
-            </a:solidFill>
-            <a:prstDash val="solid"/>
-            <a:miter lim="8000"/>
-            <a:headEnd type="none" w="sm" len="sm"/>
-            <a:tailEnd type="none" w="sm" len="sm"/>
-          </a:ln>
-        </p:spPr>
-      </p:sp>
-      <p:sp>
-        <p:nvSpPr>
           <p:cNvPr id="67" name="Google Shape;67;p12:notes"/>
           <p:cNvSpPr txBox="1">
             <a:spLocks noGrp="1"/>
@@ -9820,8 +9820,8 @@
         </p:nvSpPr>
         <p:spPr>
           <a:xfrm>
-            <a:off x="1143000" y="685800"/>
-            <a:ext cx="4572000" cy="3429000"/>
+            <a:off x="381000" y="685800"/>
+            <a:ext cx="6096000" cy="3429000"/>
           </a:xfrm>
           <a:custGeom>
             <a:avLst/>
@@ -26449,10 +26449,10 @@
               </a:lnSpc>
             </a:pPr>
             <a:r>
-              <a:rPr lang="en-US"/>
+              <a:rPr lang="en-US" sz="1800" dirty="0"/>
               <a:t>Design patterns should only be used where there is a definite need</a:t>
             </a:r>
-            <a:endParaRPr/>
+            <a:endParaRPr sz="1800" dirty="0"/>
           </a:p>
           <a:p>
             <a:pPr lvl="1">
@@ -26461,10 +26461,10 @@
               </a:lnSpc>
             </a:pPr>
             <a:r>
-              <a:rPr lang="en-US"/>
+              <a:rPr lang="en-US" sz="1800" dirty="0"/>
               <a:t>They by definition increase code complexity and they are often used inappropriately</a:t>
             </a:r>
-            <a:endParaRPr/>
+            <a:endParaRPr sz="1800" dirty="0"/>
           </a:p>
           <a:p>
             <a:pPr lvl="1">
@@ -26473,10 +26473,10 @@
               </a:lnSpc>
             </a:pPr>
             <a:r>
-              <a:rPr lang="en-US" i="1"/>
+              <a:rPr lang="en-US" sz="1800" i="1" dirty="0"/>
               <a:t>Never use a design pattern just because you know it</a:t>
             </a:r>
-            <a:endParaRPr i="1"/>
+            <a:endParaRPr sz="1800" i="1" dirty="0"/>
           </a:p>
           <a:p>
             <a:pPr>
@@ -26488,10 +26488,10 @@
               </a:spcBef>
             </a:pPr>
             <a:r>
-              <a:rPr lang="en-US"/>
+              <a:rPr lang="en-US" sz="1800" dirty="0"/>
               <a:t>Design patterns are language agnostic</a:t>
             </a:r>
-            <a:endParaRPr/>
+            <a:endParaRPr sz="1800" dirty="0"/>
           </a:p>
           <a:p>
             <a:pPr lvl="1">
@@ -26500,10 +26500,10 @@
               </a:lnSpc>
             </a:pPr>
             <a:r>
-              <a:rPr lang="en-US"/>
+              <a:rPr lang="en-US" sz="1800" dirty="0"/>
               <a:t>They are often defined in UML</a:t>
             </a:r>
-            <a:endParaRPr/>
+            <a:endParaRPr sz="1800" dirty="0"/>
           </a:p>
           <a:p>
             <a:pPr lvl="1">
@@ -26512,10 +26512,10 @@
               </a:lnSpc>
             </a:pPr>
             <a:r>
-              <a:rPr lang="en-US"/>
+              <a:rPr lang="en-US" sz="1800" dirty="0"/>
               <a:t>Implementation code is often complex and confusing</a:t>
             </a:r>
-            <a:endParaRPr/>
+            <a:endParaRPr sz="1800" dirty="0"/>
           </a:p>
           <a:p>
             <a:pPr lvl="1">
@@ -26524,10 +26524,10 @@
               </a:lnSpc>
             </a:pPr>
             <a:r>
-              <a:rPr lang="en-US"/>
+              <a:rPr lang="en-US" sz="1800" dirty="0"/>
               <a:t>Some are not necessary in some languages and necessary in others</a:t>
             </a:r>
-            <a:endParaRPr/>
+            <a:endParaRPr sz="1800" dirty="0"/>
           </a:p>
           <a:p>
             <a:pPr lvl="2">
@@ -26536,10 +26536,10 @@
               </a:lnSpc>
             </a:pPr>
             <a:r>
-              <a:rPr lang="en-US"/>
+              <a:rPr lang="en-US" sz="1800" dirty="0"/>
               <a:t>The Iterator pattern is part of the Java collections API</a:t>
             </a:r>
-            <a:endParaRPr/>
+            <a:endParaRPr sz="1800" dirty="0"/>
           </a:p>
           <a:p>
             <a:pPr>
@@ -26551,10 +26551,10 @@
               </a:spcBef>
             </a:pPr>
             <a:r>
-              <a:rPr lang="en-US"/>
+              <a:rPr lang="en-US" sz="1800" dirty="0"/>
               <a:t>There are plenty of code examples online</a:t>
             </a:r>
-            <a:endParaRPr/>
+            <a:endParaRPr sz="1800" dirty="0"/>
           </a:p>
         </p:txBody>
       </p:sp>
@@ -26702,7 +26702,7 @@
         </p:blipFill>
         <p:spPr>
           <a:xfrm>
-            <a:off x="2873300" y="2762200"/>
+            <a:off x="3806463" y="3774862"/>
             <a:ext cx="6218600" cy="2306330"/>
           </a:xfrm>
           <a:prstGeom prst="rect">
@@ -26841,7 +26841,7 @@
         </p:blipFill>
         <p:spPr>
           <a:xfrm>
-            <a:off x="3433425" y="2429952"/>
+            <a:off x="4808387" y="2896482"/>
             <a:ext cx="5130950" cy="2940050"/>
           </a:xfrm>
           <a:prstGeom prst="rect">
@@ -27621,7 +27621,7 @@
         </p:blipFill>
         <p:spPr>
           <a:xfrm>
-            <a:off x="3417925" y="3002425"/>
+            <a:off x="6823599" y="3919486"/>
             <a:ext cx="4791050" cy="2034550"/>
           </a:xfrm>
           <a:prstGeom prst="rect">
@@ -28099,7 +28099,7 @@
         </p:blipFill>
         <p:spPr>
           <a:xfrm>
-            <a:off x="2988076" y="3583104"/>
+            <a:off x="5479350" y="4424749"/>
             <a:ext cx="6048775" cy="1776975"/>
           </a:xfrm>
           <a:prstGeom prst="rect">
@@ -28778,7 +28778,7 @@
         </p:blipFill>
         <p:spPr>
           <a:xfrm>
-            <a:off x="4343400" y="2819401"/>
+            <a:off x="8420878" y="3285931"/>
             <a:ext cx="3390900" cy="2524125"/>
           </a:xfrm>
           <a:prstGeom prst="rect">
@@ -29076,8 +29076,8 @@
         </p:blipFill>
         <p:spPr>
           <a:xfrm>
-            <a:off x="3788950" y="3429475"/>
-            <a:ext cx="4260150" cy="2649450"/>
+            <a:off x="4366727" y="3844212"/>
+            <a:ext cx="4139682" cy="2357512"/>
           </a:xfrm>
           <a:prstGeom prst="rect">
             <a:avLst/>
@@ -29243,7 +29243,7 @@
         </p:blipFill>
         <p:spPr>
           <a:xfrm>
-            <a:off x="4145439" y="3124201"/>
+            <a:off x="4453349" y="3732874"/>
             <a:ext cx="3901125" cy="2426175"/>
           </a:xfrm>
           <a:prstGeom prst="rect">
@@ -29355,10 +29355,10 @@
               </a:lnSpc>
             </a:pPr>
             <a:r>
-              <a:rPr lang="en-US"/>
+              <a:rPr lang="en-US" sz="2000" dirty="0"/>
               <a:t>The view represents the display and user interaction</a:t>
             </a:r>
-            <a:endParaRPr/>
+            <a:endParaRPr sz="2000" dirty="0"/>
           </a:p>
           <a:p>
             <a:pPr lvl="1">
@@ -29367,10 +29367,10 @@
               </a:lnSpc>
             </a:pPr>
             <a:r>
-              <a:rPr lang="en-US"/>
+              <a:rPr lang="en-US" sz="2000" dirty="0"/>
               <a:t>It is difficult to test in isolation—it is often kept very thin</a:t>
             </a:r>
-            <a:endParaRPr/>
+            <a:endParaRPr sz="2000" dirty="0"/>
           </a:p>
           <a:p>
             <a:pPr lvl="1">
@@ -29379,10 +29379,10 @@
               </a:lnSpc>
             </a:pPr>
             <a:r>
-              <a:rPr lang="en-US"/>
+              <a:rPr lang="en-US" sz="2000" dirty="0"/>
               <a:t>It renders the model—it sometimes needs its own version of the model</a:t>
             </a:r>
-            <a:endParaRPr/>
+            <a:endParaRPr sz="2000" dirty="0"/>
           </a:p>
           <a:p>
             <a:pPr lvl="1">
@@ -29391,10 +29391,10 @@
               </a:lnSpc>
             </a:pPr>
             <a:r>
-              <a:rPr lang="en-US"/>
+              <a:rPr lang="en-US" sz="2000" dirty="0"/>
               <a:t>It is created or updated by the controller</a:t>
             </a:r>
-            <a:endParaRPr/>
+            <a:endParaRPr sz="2000" dirty="0"/>
           </a:p>
         </p:txBody>
       </p:sp>
@@ -29414,7 +29414,7 @@
         </p:blipFill>
         <p:spPr>
           <a:xfrm>
-            <a:off x="4267201" y="3429001"/>
+            <a:off x="4565781" y="4039549"/>
             <a:ext cx="3476625" cy="2162175"/>
           </a:xfrm>
           <a:prstGeom prst="rect">
@@ -29522,10 +29522,10 @@
               </a:lnSpc>
             </a:pPr>
             <a:r>
-              <a:rPr lang="en-US"/>
+              <a:rPr lang="en-US" sz="2000" dirty="0"/>
               <a:t>The controller processes user interaction events and other updates</a:t>
             </a:r>
-            <a:endParaRPr/>
+            <a:endParaRPr sz="2000" dirty="0"/>
           </a:p>
           <a:p>
             <a:pPr lvl="1">
@@ -29534,10 +29534,10 @@
               </a:lnSpc>
             </a:pPr>
             <a:r>
-              <a:rPr lang="en-US"/>
+              <a:rPr lang="en-US" sz="2000" dirty="0"/>
               <a:t>It can be tested in isolation—may require HTTP emulation</a:t>
             </a:r>
-            <a:endParaRPr/>
+            <a:endParaRPr sz="2000" dirty="0"/>
           </a:p>
           <a:p>
             <a:pPr lvl="1">
@@ -29546,10 +29546,10 @@
               </a:lnSpc>
             </a:pPr>
             <a:r>
-              <a:rPr lang="en-US"/>
+              <a:rPr lang="en-US" sz="2000" dirty="0"/>
               <a:t>It updates the model</a:t>
             </a:r>
-            <a:endParaRPr/>
+            <a:endParaRPr sz="2000" dirty="0"/>
           </a:p>
           <a:p>
             <a:pPr lvl="1">
@@ -29558,10 +29558,10 @@
               </a:lnSpc>
             </a:pPr>
             <a:r>
-              <a:rPr lang="en-US"/>
+              <a:rPr lang="en-US" sz="2000" dirty="0"/>
               <a:t>It creates or updates the view</a:t>
             </a:r>
-            <a:endParaRPr/>
+            <a:endParaRPr sz="2000" dirty="0"/>
           </a:p>
           <a:p>
             <a:pPr>
@@ -29573,10 +29573,10 @@
               </a:spcBef>
             </a:pPr>
             <a:r>
-              <a:rPr lang="en-US"/>
+              <a:rPr lang="en-US" sz="2000" dirty="0"/>
               <a:t>The controller is often built using a framework—Struts, Spring MVC</a:t>
             </a:r>
-            <a:endParaRPr/>
+            <a:endParaRPr sz="2000" dirty="0"/>
           </a:p>
         </p:txBody>
       </p:sp>
@@ -29596,8 +29596,8 @@
         </p:blipFill>
         <p:spPr>
           <a:xfrm>
-            <a:off x="4036964" y="3366450"/>
-            <a:ext cx="4118075" cy="2561100"/>
+            <a:off x="5781788" y="4105469"/>
+            <a:ext cx="3418195" cy="1955239"/>
           </a:xfrm>
           <a:prstGeom prst="rect">
             <a:avLst/>
@@ -29880,10 +29880,10 @@
               </a:lnSpc>
             </a:pPr>
             <a:r>
-              <a:rPr lang="en-US"/>
+              <a:rPr lang="en-US" sz="2000" dirty="0"/>
               <a:t>The model view presenter completely decouples the model from the view</a:t>
             </a:r>
-            <a:endParaRPr/>
+            <a:endParaRPr sz="2000" dirty="0"/>
           </a:p>
           <a:p>
             <a:pPr>
@@ -29895,10 +29895,10 @@
               </a:spcBef>
             </a:pPr>
             <a:r>
-              <a:rPr lang="en-US"/>
+              <a:rPr lang="en-US" sz="2000" dirty="0"/>
               <a:t>The presenter is decoupled from the view using an interface—allows the view to be mocked for test purposes</a:t>
             </a:r>
-            <a:endParaRPr/>
+            <a:endParaRPr sz="2000" dirty="0"/>
           </a:p>
         </p:txBody>
       </p:sp>
@@ -30025,10 +30025,10 @@
               </a:spcBef>
             </a:pPr>
             <a:r>
-              <a:rPr lang="en-US"/>
+              <a:rPr lang="en-US" sz="2000" dirty="0"/>
               <a:t>MVVM is an MVC variant used by Microsoft</a:t>
             </a:r>
-            <a:endParaRPr/>
+            <a:endParaRPr sz="2000" dirty="0"/>
           </a:p>
           <a:p>
             <a:pPr lvl="1">
@@ -30037,10 +30037,10 @@
               </a:lnSpc>
             </a:pPr>
             <a:r>
-              <a:rPr lang="en-US"/>
+              <a:rPr lang="en-US" sz="2000" dirty="0"/>
               <a:t>It is also used by AngularJS</a:t>
             </a:r>
-            <a:endParaRPr/>
+            <a:endParaRPr sz="2000" dirty="0"/>
           </a:p>
           <a:p>
             <a:pPr>
@@ -30052,10 +30052,18 @@
               </a:spcBef>
             </a:pPr>
             <a:r>
-              <a:rPr lang="en-US"/>
-              <a:t>The ViewModel is</a:t>
-            </a:r>
-            <a:endParaRPr/>
+              <a:rPr lang="en-US" sz="2000" dirty="0"/>
+              <a:t>The </a:t>
+            </a:r>
+            <a:r>
+              <a:rPr lang="en-US" sz="2000" dirty="0" err="1"/>
+              <a:t>ViewModel</a:t>
+            </a:r>
+            <a:r>
+              <a:rPr lang="en-US" sz="2000" dirty="0"/>
+              <a:t> is</a:t>
+            </a:r>
+            <a:endParaRPr sz="2000" dirty="0"/>
           </a:p>
           <a:p>
             <a:pPr lvl="1">
@@ -30064,10 +30072,10 @@
               </a:lnSpc>
             </a:pPr>
             <a:r>
-              <a:rPr lang="en-US"/>
+              <a:rPr lang="en-US" sz="2000" dirty="0"/>
               <a:t>An interface between model and view</a:t>
             </a:r>
-            <a:endParaRPr/>
+            <a:endParaRPr sz="2000" dirty="0"/>
           </a:p>
           <a:p>
             <a:pPr lvl="1">
@@ -30076,10 +30084,10 @@
               </a:lnSpc>
             </a:pPr>
             <a:r>
-              <a:rPr lang="en-US"/>
+              <a:rPr lang="en-US" sz="2000" dirty="0"/>
               <a:t>Provides data binding between view and model data</a:t>
             </a:r>
-            <a:endParaRPr/>
+            <a:endParaRPr sz="2000" dirty="0"/>
           </a:p>
           <a:p>
             <a:pPr lvl="1">
@@ -30088,10 +30096,10 @@
               </a:lnSpc>
             </a:pPr>
             <a:r>
-              <a:rPr lang="en-US"/>
+              <a:rPr lang="en-US" sz="2000" dirty="0"/>
               <a:t>It is also easier to test</a:t>
             </a:r>
-            <a:endParaRPr/>
+            <a:endParaRPr sz="2000" dirty="0"/>
           </a:p>
           <a:p>
             <a:pPr lvl="1">
@@ -30100,10 +30108,10 @@
               </a:lnSpc>
             </a:pPr>
             <a:r>
-              <a:rPr lang="en-US"/>
+              <a:rPr lang="en-US" sz="2000" dirty="0"/>
               <a:t>Handles all UI actions</a:t>
             </a:r>
-            <a:endParaRPr/>
+            <a:endParaRPr sz="2000" dirty="0"/>
           </a:p>
         </p:txBody>
       </p:sp>
@@ -31192,55 +31200,57 @@
         </p:nvSpPr>
         <p:spPr/>
         <p:txBody>
-          <a:bodyPr/>
+          <a:bodyPr>
+            <a:normAutofit/>
+          </a:bodyPr>
           <a:lstStyle/>
           <a:p>
             <a:r>
-              <a:rPr lang="en-US" dirty="0"/>
+              <a:rPr lang="en-US" sz="2000" dirty="0"/>
               <a:t>The Louvre gets a lot more visitors than the Art Gallery of Ontario</a:t>
             </a:r>
           </a:p>
           <a:p>
             <a:pPr lvl="1"/>
             <a:r>
-              <a:rPr lang="en-US" dirty="0"/>
+              <a:rPr lang="en-US" sz="2000" dirty="0"/>
               <a:t>So the numbers are different, but logic is similar</a:t>
             </a:r>
           </a:p>
           <a:p>
             <a:pPr lvl="1"/>
             <a:r>
-              <a:rPr lang="en-US" dirty="0"/>
+              <a:rPr lang="en-US" sz="2000" dirty="0"/>
               <a:t>How can this code be improved?</a:t>
             </a:r>
           </a:p>
           <a:p>
             <a:pPr lvl="1"/>
-            <a:endParaRPr lang="en-US" dirty="0"/>
+            <a:endParaRPr lang="en-US" sz="2000" dirty="0"/>
           </a:p>
           <a:p>
             <a:pPr lvl="1"/>
-            <a:endParaRPr lang="en-US" dirty="0"/>
+            <a:endParaRPr lang="en-US" sz="2000" dirty="0"/>
           </a:p>
           <a:p>
             <a:pPr lvl="1"/>
-            <a:endParaRPr lang="en-US" dirty="0"/>
+            <a:endParaRPr lang="en-US" sz="2000" dirty="0"/>
           </a:p>
           <a:p>
             <a:pPr lvl="1"/>
-            <a:endParaRPr lang="en-US" dirty="0"/>
+            <a:endParaRPr lang="en-US" sz="2000" dirty="0"/>
           </a:p>
           <a:p>
             <a:pPr lvl="1"/>
-            <a:endParaRPr lang="en-US" dirty="0"/>
+            <a:endParaRPr lang="en-US" sz="2000" dirty="0"/>
           </a:p>
           <a:p>
             <a:pPr lvl="1"/>
-            <a:endParaRPr lang="en-US" dirty="0"/>
+            <a:endParaRPr lang="en-US" sz="2000" dirty="0"/>
           </a:p>
           <a:p>
             <a:pPr lvl="1"/>
-            <a:endParaRPr lang="en-US" dirty="0"/>
+            <a:endParaRPr lang="en-US" sz="2000" dirty="0"/>
           </a:p>
         </p:txBody>
       </p:sp>
@@ -31254,7 +31264,7 @@
         </p:nvSpPr>
         <p:spPr bwMode="auto">
           <a:xfrm>
-            <a:off x="1828801" y="2276476"/>
+            <a:off x="755781" y="2626716"/>
             <a:ext cx="7426325" cy="2016125"/>
           </a:xfrm>
           <a:prstGeom prst="rect">
@@ -31395,7 +31405,7 @@
         </p:nvSpPr>
         <p:spPr bwMode="auto">
           <a:xfrm>
-            <a:off x="2743200" y="3952876"/>
+            <a:off x="4415762" y="4185659"/>
             <a:ext cx="7532688" cy="2016125"/>
           </a:xfrm>
           <a:prstGeom prst="rect">
@@ -31526,71 +31536,6 @@
           </a:p>
         </p:txBody>
       </p:sp>
-      <p:pic>
-        <p:nvPicPr>
-          <p:cNvPr id="11" name="Picture 11"/>
-          <p:cNvPicPr>
-            <a:picLocks noChangeAspect="1" noChangeArrowheads="1"/>
-          </p:cNvPicPr>
-          <p:nvPr/>
-        </p:nvPicPr>
-        <p:blipFill>
-          <a:blip r:embed="rId3" cstate="print">
-            <a:extLst>
-              <a:ext uri="{28A0092B-C50C-407E-A947-70E740481C1C}">
-                <a14:useLocalDpi xmlns:a14="http://schemas.microsoft.com/office/drawing/2010/main" val="0"/>
-              </a:ext>
-            </a:extLst>
-          </a:blip>
-          <a:srcRect/>
-          <a:stretch>
-            <a:fillRect/>
-          </a:stretch>
-        </p:blipFill>
-        <p:spPr bwMode="auto">
-          <a:xfrm>
-            <a:off x="1611952" y="1752601"/>
-            <a:ext cx="584200" cy="523875"/>
-          </a:xfrm>
-          <a:prstGeom prst="rect">
-            <a:avLst/>
-          </a:prstGeom>
-          <a:noFill/>
-          <a:ln>
-            <a:noFill/>
-          </a:ln>
-          <a:effectLst/>
-          <a:extLst>
-            <a:ext uri="{909E8E84-426E-40DD-AFC4-6F175D3DCCD1}">
-              <a14:hiddenFill xmlns:a14="http://schemas.microsoft.com/office/drawing/2010/main">
-                <a:solidFill>
-                  <a:schemeClr val="accent1"/>
-                </a:solidFill>
-              </a14:hiddenFill>
-            </a:ext>
-            <a:ext uri="{91240B29-F687-4F45-9708-019B960494DF}">
-              <a14:hiddenLine xmlns:a14="http://schemas.microsoft.com/office/drawing/2010/main" w="9525" cap="flat" cmpd="sng" algn="ctr">
-                <a:solidFill>
-                  <a:schemeClr val="tx1"/>
-                </a:solidFill>
-                <a:prstDash val="solid"/>
-                <a:miter lim="800000"/>
-                <a:headEnd/>
-                <a:tailEnd/>
-              </a14:hiddenLine>
-            </a:ext>
-            <a:ext uri="{AF507438-7753-43E0-B8FC-AC1667EBCBE1}">
-              <a14:hiddenEffects xmlns:a14="http://schemas.microsoft.com/office/drawing/2010/main">
-                <a:effectLst>
-                  <a:outerShdw dist="35921" dir="2700000" algn="ctr" rotWithShape="0">
-                    <a:schemeClr val="bg2"/>
-                  </a:outerShdw>
-                </a:effectLst>
-              </a14:hiddenEffects>
-            </a:ext>
-          </a:extLst>
-        </p:spPr>
-      </p:pic>
     </p:spTree>
   </p:cSld>
   <p:clrMapOvr>
@@ -31813,19 +31758,21 @@
           </a:xfrm>
         </p:spPr>
         <p:txBody>
-          <a:bodyPr/>
+          <a:bodyPr>
+            <a:normAutofit/>
+          </a:bodyPr>
           <a:lstStyle/>
           <a:p>
             <a:pPr eaLnBrk="1" hangingPunct="1"/>
             <a:r>
-              <a:rPr lang="en-US" dirty="0"/>
+              <a:rPr lang="en-US" sz="2000" dirty="0"/>
               <a:t>The Template Method Design Pattern allows for the reuse of code structure</a:t>
             </a:r>
           </a:p>
           <a:p>
             <a:pPr lvl="1" eaLnBrk="1" hangingPunct="1"/>
             <a:r>
-              <a:rPr lang="en-US" dirty="0"/>
+              <a:rPr lang="en-US" sz="2000" dirty="0"/>
               <a:t>Not just code</a:t>
             </a:r>
           </a:p>
@@ -31841,7 +31788,7 @@
         </p:nvSpPr>
         <p:spPr bwMode="auto">
           <a:xfrm>
-            <a:off x="2057401" y="4572000"/>
+            <a:off x="4212773" y="4865689"/>
             <a:ext cx="7851775" cy="1377950"/>
           </a:xfrm>
           <a:prstGeom prst="rect">
@@ -31964,7 +31911,7 @@
         </p:nvSpPr>
         <p:spPr bwMode="auto">
           <a:xfrm>
-            <a:off x="1905001" y="2057401"/>
+            <a:off x="475115" y="2341985"/>
             <a:ext cx="8702675" cy="2441575"/>
           </a:xfrm>
           <a:prstGeom prst="rect">
@@ -32117,7 +32064,7 @@
         </p:nvSpPr>
         <p:spPr bwMode="auto">
           <a:xfrm>
-            <a:off x="8610600" y="2590800"/>
+            <a:off x="8305800" y="2805325"/>
             <a:ext cx="1676400" cy="838200"/>
           </a:xfrm>
           <a:prstGeom prst="wedgeRectCallout">
@@ -32182,7 +32129,7 @@
         </p:nvSpPr>
         <p:spPr bwMode="auto">
           <a:xfrm>
-            <a:off x="8763000" y="3733800"/>
+            <a:off x="9008495" y="4103689"/>
             <a:ext cx="1447800" cy="762000"/>
           </a:xfrm>
           <a:prstGeom prst="wedgeRectCallout">
@@ -32287,27 +32234,27 @@
         <p:spPr/>
         <p:txBody>
           <a:bodyPr>
-            <a:normAutofit lnSpcReduction="10000"/>
+            <a:normAutofit/>
           </a:bodyPr>
           <a:lstStyle/>
           <a:p>
             <a:pPr eaLnBrk="1" hangingPunct="1"/>
             <a:r>
-              <a:rPr lang="en-US" dirty="0"/>
+              <a:rPr lang="en-US" sz="2000" dirty="0"/>
               <a:t>The Template Method design pattern leads to deep inheritance hierarchies</a:t>
             </a:r>
           </a:p>
           <a:p>
             <a:pPr lvl="1" eaLnBrk="1" hangingPunct="1"/>
             <a:r>
-              <a:rPr lang="en-US" dirty="0"/>
+              <a:rPr lang="en-US" sz="2000" dirty="0"/>
               <a:t>Deep hierarchies are rigid and hard to maintain</a:t>
             </a:r>
           </a:p>
           <a:p>
             <a:pPr lvl="1" eaLnBrk="1" hangingPunct="1"/>
             <a:r>
-              <a:rPr lang="en-US" dirty="0"/>
+              <a:rPr lang="en-US" sz="2000" dirty="0"/>
               <a:t>Better to have common code in helper classes</a:t>
             </a:r>
           </a:p>
@@ -32321,14 +32268,14 @@
           <a:p>
             <a:pPr eaLnBrk="1" hangingPunct="1"/>
             <a:r>
-              <a:rPr lang="en-US" dirty="0"/>
+              <a:rPr lang="en-US" sz="2000" dirty="0"/>
               <a:t>Use Template Method only if you already have an inheritance hierarchy</a:t>
             </a:r>
           </a:p>
           <a:p>
             <a:pPr lvl="1" eaLnBrk="1" hangingPunct="1"/>
             <a:r>
-              <a:rPr lang="en-US" dirty="0"/>
+              <a:rPr lang="en-US" sz="2000" dirty="0"/>
               <a:t>Move common code up the hierarchy</a:t>
             </a:r>
           </a:p>
@@ -32342,91 +32289,26 @@
           <a:p>
             <a:pPr lvl="1" eaLnBrk="1" hangingPunct="1"/>
             <a:r>
-              <a:rPr lang="en-US" dirty="0"/>
+              <a:rPr lang="en-US" sz="2000" dirty="0"/>
               <a:t>Allow subclasses to customize the method</a:t>
             </a:r>
           </a:p>
           <a:p>
             <a:pPr eaLnBrk="1" hangingPunct="1"/>
             <a:r>
-              <a:rPr lang="en-US" dirty="0"/>
+              <a:rPr lang="en-US" sz="2000" dirty="0"/>
               <a:t>Do not create an inheritance hierarchy just to use Template Method</a:t>
             </a:r>
           </a:p>
           <a:p>
             <a:pPr lvl="1" eaLnBrk="1" hangingPunct="1"/>
             <a:r>
-              <a:rPr lang="en-US" dirty="0"/>
+              <a:rPr lang="en-US" sz="2000" dirty="0"/>
               <a:t>Use the Strategy design pattern instead</a:t>
             </a:r>
           </a:p>
         </p:txBody>
       </p:sp>
-      <p:pic>
-        <p:nvPicPr>
-          <p:cNvPr id="7" name="Picture 9"/>
-          <p:cNvPicPr>
-            <a:picLocks noChangeAspect="1" noChangeArrowheads="1"/>
-          </p:cNvPicPr>
-          <p:nvPr/>
-        </p:nvPicPr>
-        <p:blipFill>
-          <a:blip r:embed="rId3" cstate="print">
-            <a:extLst>
-              <a:ext uri="{28A0092B-C50C-407E-A947-70E740481C1C}">
-                <a14:useLocalDpi xmlns:a14="http://schemas.microsoft.com/office/drawing/2010/main" val="0"/>
-              </a:ext>
-            </a:extLst>
-          </a:blip>
-          <a:srcRect/>
-          <a:stretch>
-            <a:fillRect/>
-          </a:stretch>
-        </p:blipFill>
-        <p:spPr bwMode="auto">
-          <a:xfrm>
-            <a:off x="1650206" y="4011305"/>
-            <a:ext cx="508000" cy="498475"/>
-          </a:xfrm>
-          <a:prstGeom prst="rect">
-            <a:avLst/>
-          </a:prstGeom>
-          <a:noFill/>
-          <a:ln>
-            <a:noFill/>
-          </a:ln>
-          <a:effectLst/>
-          <a:extLst>
-            <a:ext uri="{909E8E84-426E-40DD-AFC4-6F175D3DCCD1}">
-              <a14:hiddenFill xmlns:a14="http://schemas.microsoft.com/office/drawing/2010/main">
-                <a:solidFill>
-                  <a:schemeClr val="accent1"/>
-                </a:solidFill>
-              </a14:hiddenFill>
-            </a:ext>
-            <a:ext uri="{91240B29-F687-4F45-9708-019B960494DF}">
-              <a14:hiddenLine xmlns:a14="http://schemas.microsoft.com/office/drawing/2010/main" w="9525" cap="flat" cmpd="sng" algn="ctr">
-                <a:solidFill>
-                  <a:schemeClr val="tx1"/>
-                </a:solidFill>
-                <a:prstDash val="solid"/>
-                <a:miter lim="800000"/>
-                <a:headEnd/>
-                <a:tailEnd/>
-              </a14:hiddenLine>
-            </a:ext>
-            <a:ext uri="{AF507438-7753-43E0-B8FC-AC1667EBCBE1}">
-              <a14:hiddenEffects xmlns:a14="http://schemas.microsoft.com/office/drawing/2010/main">
-                <a:effectLst>
-                  <a:outerShdw dist="35921" dir="2700000" algn="ctr" rotWithShape="0">
-                    <a:schemeClr val="bg2"/>
-                  </a:outerShdw>
-                </a:effectLst>
-              </a14:hiddenEffects>
-            </a:ext>
-          </a:extLst>
-        </p:spPr>
-      </p:pic>
     </p:spTree>
   </p:cSld>
   <p:clrMapOvr>
@@ -33019,19 +32901,21 @@
         </p:nvSpPr>
         <p:spPr/>
         <p:txBody>
-          <a:bodyPr/>
+          <a:bodyPr>
+            <a:normAutofit/>
+          </a:bodyPr>
           <a:lstStyle/>
           <a:p>
             <a:pPr eaLnBrk="1" hangingPunct="1"/>
             <a:r>
-              <a:rPr lang="en-US" dirty="0"/>
+              <a:rPr lang="en-US" sz="2000" dirty="0"/>
               <a:t>The Template Method Design Pattern leads to deep hierarchies</a:t>
             </a:r>
           </a:p>
           <a:p>
             <a:pPr lvl="1" eaLnBrk="1" hangingPunct="1"/>
             <a:r>
-              <a:rPr lang="en-US" dirty="0"/>
+              <a:rPr lang="en-US" sz="2000" dirty="0"/>
               <a:t>Better to factor out customization to external helper classes</a:t>
             </a:r>
           </a:p>
@@ -33370,42 +33254,44 @@
         </p:nvSpPr>
         <p:spPr/>
         <p:txBody>
-          <a:bodyPr/>
+          <a:bodyPr>
+            <a:normAutofit/>
+          </a:bodyPr>
           <a:lstStyle/>
           <a:p>
             <a:pPr eaLnBrk="1" hangingPunct="1"/>
             <a:r>
-              <a:rPr lang="en-US" dirty="0"/>
+              <a:rPr lang="en-US" sz="2000" dirty="0"/>
               <a:t>Can now create separate PopularityOptions (“strategies”)</a:t>
             </a:r>
           </a:p>
           <a:p>
             <a:pPr eaLnBrk="1" hangingPunct="1"/>
-            <a:endParaRPr lang="en-US" dirty="0"/>
+            <a:endParaRPr lang="en-US" sz="2000" dirty="0"/>
           </a:p>
           <a:p>
             <a:pPr eaLnBrk="1" hangingPunct="1"/>
-            <a:endParaRPr lang="en-US" dirty="0"/>
+            <a:endParaRPr lang="en-US" sz="2000" dirty="0"/>
           </a:p>
           <a:p>
             <a:pPr eaLnBrk="1" hangingPunct="1"/>
-            <a:endParaRPr lang="en-US" dirty="0"/>
+            <a:endParaRPr lang="en-US" sz="2000" dirty="0"/>
           </a:p>
           <a:p>
             <a:pPr eaLnBrk="1" hangingPunct="1"/>
-            <a:endParaRPr lang="en-US" dirty="0"/>
+            <a:endParaRPr lang="en-US" sz="2000" dirty="0"/>
           </a:p>
           <a:p>
             <a:pPr eaLnBrk="1" hangingPunct="1"/>
             <a:r>
-              <a:rPr lang="en-US" dirty="0"/>
+              <a:rPr lang="en-US" sz="2000" dirty="0"/>
               <a:t>The original service is customized at runtime using the strategy object</a:t>
             </a:r>
           </a:p>
           <a:p>
             <a:pPr lvl="1" eaLnBrk="1" hangingPunct="1"/>
             <a:r>
-              <a:rPr lang="en-US" dirty="0"/>
+              <a:rPr lang="en-US" sz="2000" dirty="0"/>
               <a:t>Using constructor, setter method or as parameter to method</a:t>
             </a:r>
           </a:p>
@@ -33979,79 +33865,79 @@
         <p:spPr/>
         <p:txBody>
           <a:bodyPr>
-            <a:normAutofit fontScale="92500" lnSpcReduction="20000"/>
+            <a:normAutofit/>
           </a:bodyPr>
           <a:lstStyle/>
           <a:p>
             <a:pPr eaLnBrk="1" hangingPunct="1"/>
             <a:r>
-              <a:rPr lang="en-US" dirty="0"/>
+              <a:rPr lang="en-US" sz="2000" dirty="0"/>
               <a:t>The Strategy design patterns allows for code reuse</a:t>
             </a:r>
           </a:p>
           <a:p>
             <a:pPr lvl="1" eaLnBrk="1" hangingPunct="1"/>
             <a:r>
-              <a:rPr lang="en-US" dirty="0"/>
+              <a:rPr lang="en-US" sz="2000" dirty="0"/>
               <a:t>Customizations are done in separate helper classes</a:t>
             </a:r>
           </a:p>
           <a:p>
             <a:pPr eaLnBrk="1" hangingPunct="1"/>
             <a:r>
-              <a:rPr lang="en-US" dirty="0"/>
+              <a:rPr lang="en-US" sz="2000" dirty="0"/>
               <a:t>The Template Method design pattern also allows for code reuse</a:t>
             </a:r>
           </a:p>
           <a:p>
             <a:pPr lvl="1" eaLnBrk="1" hangingPunct="1"/>
             <a:r>
-              <a:rPr lang="en-US" dirty="0"/>
+              <a:rPr lang="en-US" sz="2000" dirty="0"/>
               <a:t>Customizations are done in separate subclasses</a:t>
             </a:r>
           </a:p>
           <a:p>
             <a:pPr lvl="1" eaLnBrk="1" hangingPunct="1"/>
-            <a:endParaRPr lang="en-US" dirty="0"/>
+            <a:endParaRPr lang="en-US" sz="2000" dirty="0"/>
           </a:p>
           <a:p>
             <a:pPr lvl="1" eaLnBrk="1" hangingPunct="1"/>
-            <a:endParaRPr lang="en-US" dirty="0"/>
+            <a:endParaRPr lang="en-US" sz="2000" dirty="0"/>
           </a:p>
           <a:p>
             <a:pPr lvl="1" eaLnBrk="1" hangingPunct="1"/>
-            <a:endParaRPr lang="en-US" dirty="0"/>
+            <a:endParaRPr lang="en-US" sz="2000" dirty="0"/>
           </a:p>
           <a:p>
             <a:pPr lvl="1" eaLnBrk="1" hangingPunct="1"/>
-            <a:endParaRPr lang="en-US" dirty="0"/>
+            <a:endParaRPr lang="en-US" sz="2000" dirty="0"/>
           </a:p>
           <a:p>
             <a:pPr lvl="1" eaLnBrk="1" hangingPunct="1"/>
-            <a:endParaRPr lang="en-US" dirty="0"/>
+            <a:endParaRPr lang="en-US" sz="2000" dirty="0"/>
           </a:p>
           <a:p>
             <a:pPr lvl="1" eaLnBrk="1" hangingPunct="1"/>
-            <a:endParaRPr lang="en-US" dirty="0"/>
+            <a:endParaRPr lang="en-US" sz="2000" dirty="0"/>
           </a:p>
           <a:p>
             <a:pPr eaLnBrk="1" hangingPunct="1"/>
             <a:r>
-              <a:rPr lang="en-US" dirty="0"/>
+              <a:rPr lang="en-US" sz="2000" dirty="0"/>
               <a:t>The Template Method is not as flexible as Strategy</a:t>
             </a:r>
           </a:p>
           <a:p>
             <a:pPr lvl="1" eaLnBrk="1" hangingPunct="1"/>
             <a:r>
-              <a:rPr lang="en-US" dirty="0"/>
+              <a:rPr lang="en-US" sz="2000" dirty="0"/>
               <a:t>Prefer Strategy to Template Method unless hierarchy already exists</a:t>
             </a:r>
           </a:p>
           <a:p>
             <a:pPr lvl="1" eaLnBrk="1" hangingPunct="1"/>
             <a:r>
-              <a:rPr lang="en-US" dirty="0"/>
+              <a:rPr lang="en-US" sz="2000" dirty="0"/>
               <a:t>Why is the strategy more flexible?</a:t>
             </a:r>
           </a:p>
@@ -34365,7 +34251,7 @@
           <a:graphicData uri="http://schemas.openxmlformats.org/presentationml/2006/ole">
             <mc:AlternateContent xmlns:mc="http://schemas.openxmlformats.org/markup-compatibility/2006">
               <mc:Choice xmlns:v="urn:schemas-microsoft-com:vml" Requires="v">
-                <p:oleObj spid="_x0000_s1027" name="Visio" r:id="rId4" imgW="2615600" imgH="1625446" progId="">
+                <p:oleObj spid="_x0000_s1047" name="Visio" r:id="rId4" imgW="2615600" imgH="1625446" progId="">
                   <p:embed/>
                 </p:oleObj>
               </mc:Choice>
@@ -34458,7 +34344,7 @@
           <a:graphicData uri="http://schemas.openxmlformats.org/presentationml/2006/ole">
             <mc:AlternateContent xmlns:mc="http://schemas.openxmlformats.org/markup-compatibility/2006">
               <mc:Choice xmlns:v="urn:schemas-microsoft-com:vml" Requires="v">
-                <p:oleObj spid="_x0000_s1028" name="Visio" r:id="rId6" imgW="3340054" imgH="1379299" progId="">
+                <p:oleObj spid="_x0000_s1048" name="Visio" r:id="rId6" imgW="3340054" imgH="1379299" progId="">
                   <p:embed/>
                 </p:oleObj>
               </mc:Choice>
@@ -34535,71 +34421,6 @@
           </a:graphicData>
         </a:graphic>
       </p:graphicFrame>
-      <p:pic>
-        <p:nvPicPr>
-          <p:cNvPr id="11" name="Picture 11"/>
-          <p:cNvPicPr>
-            <a:picLocks noChangeAspect="1" noChangeArrowheads="1"/>
-          </p:cNvPicPr>
-          <p:nvPr/>
-        </p:nvPicPr>
-        <p:blipFill>
-          <a:blip r:embed="rId8" cstate="print">
-            <a:extLst>
-              <a:ext uri="{28A0092B-C50C-407E-A947-70E740481C1C}">
-                <a14:useLocalDpi xmlns:a14="http://schemas.microsoft.com/office/drawing/2010/main" val="0"/>
-              </a:ext>
-            </a:extLst>
-          </a:blip>
-          <a:srcRect/>
-          <a:stretch>
-            <a:fillRect/>
-          </a:stretch>
-        </p:blipFill>
-        <p:spPr bwMode="auto">
-          <a:xfrm>
-            <a:off x="1611952" y="4800601"/>
-            <a:ext cx="584200" cy="523875"/>
-          </a:xfrm>
-          <a:prstGeom prst="rect">
-            <a:avLst/>
-          </a:prstGeom>
-          <a:noFill/>
-          <a:ln>
-            <a:noFill/>
-          </a:ln>
-          <a:effectLst/>
-          <a:extLst>
-            <a:ext uri="{909E8E84-426E-40DD-AFC4-6F175D3DCCD1}">
-              <a14:hiddenFill xmlns:a14="http://schemas.microsoft.com/office/drawing/2010/main">
-                <a:solidFill>
-                  <a:schemeClr val="accent1"/>
-                </a:solidFill>
-              </a14:hiddenFill>
-            </a:ext>
-            <a:ext uri="{91240B29-F687-4F45-9708-019B960494DF}">
-              <a14:hiddenLine xmlns:a14="http://schemas.microsoft.com/office/drawing/2010/main" w="9525" cap="flat" cmpd="sng" algn="ctr">
-                <a:solidFill>
-                  <a:schemeClr val="tx1"/>
-                </a:solidFill>
-                <a:prstDash val="solid"/>
-                <a:miter lim="800000"/>
-                <a:headEnd/>
-                <a:tailEnd/>
-              </a14:hiddenLine>
-            </a:ext>
-            <a:ext uri="{AF507438-7753-43E0-B8FC-AC1667EBCBE1}">
-              <a14:hiddenEffects xmlns:a14="http://schemas.microsoft.com/office/drawing/2010/main">
-                <a:effectLst>
-                  <a:outerShdw dist="35921" dir="2700000" algn="ctr" rotWithShape="0">
-                    <a:schemeClr val="bg2"/>
-                  </a:outerShdw>
-                </a:effectLst>
-              </a14:hiddenEffects>
-            </a:ext>
-          </a:extLst>
-        </p:spPr>
-      </p:pic>
     </p:spTree>
   </p:cSld>
   <p:clrMapOvr>
@@ -34637,19 +34458,21 @@
         </p:nvSpPr>
         <p:spPr/>
         <p:txBody>
-          <a:bodyPr/>
+          <a:bodyPr>
+            <a:normAutofit/>
+          </a:bodyPr>
           <a:lstStyle/>
           <a:p>
             <a:pPr eaLnBrk="1" hangingPunct="1"/>
             <a:r>
-              <a:rPr lang="en-US" dirty="0"/>
+              <a:rPr lang="en-US" sz="4000" dirty="0"/>
               <a:t>Delegation Is More Flexible</a:t>
             </a:r>
             <a:br>
-              <a:rPr lang="en-US" dirty="0"/>
+              <a:rPr lang="en-US" sz="4000" dirty="0"/>
             </a:br>
             <a:r>
-              <a:rPr lang="en-US" dirty="0"/>
+              <a:rPr lang="en-US" sz="4000" dirty="0"/>
               <a:t>Than Inheritance</a:t>
             </a:r>
           </a:p>
@@ -34667,19 +34490,21 @@
         </p:nvSpPr>
         <p:spPr/>
         <p:txBody>
-          <a:bodyPr/>
+          <a:bodyPr>
+            <a:normAutofit/>
+          </a:bodyPr>
           <a:lstStyle/>
           <a:p>
             <a:pPr eaLnBrk="1" hangingPunct="1"/>
             <a:r>
-              <a:rPr lang="en-US" dirty="0"/>
+              <a:rPr lang="en-US" sz="2000" dirty="0"/>
               <a:t>Suppose we really do have type of Gates: Turnstile and Door</a:t>
             </a:r>
           </a:p>
           <a:p>
             <a:pPr lvl="1" eaLnBrk="1" hangingPunct="1"/>
             <a:r>
-              <a:rPr lang="en-US" dirty="0"/>
+              <a:rPr lang="en-US" sz="2000" dirty="0"/>
               <a:t>This is how to fit this into the Strategy and into the Template Method:</a:t>
             </a:r>
           </a:p>
@@ -34701,7 +34526,7 @@
           <a:graphicData uri="http://schemas.openxmlformats.org/presentationml/2006/ole">
             <mc:AlternateContent xmlns:mc="http://schemas.openxmlformats.org/markup-compatibility/2006">
               <mc:Choice xmlns:v="urn:schemas-microsoft-com:vml" Requires="v">
-                <p:oleObj spid="_x0000_s2051" name="Visio" r:id="rId4" imgW="4669675" imgH="3935929" progId="">
+                <p:oleObj spid="_x0000_s2071" name="Visio" r:id="rId4" imgW="4669675" imgH="3935929" progId="">
                   <p:embed/>
                 </p:oleObj>
               </mc:Choice>
@@ -35086,7 +34911,7 @@
           <a:graphicData uri="http://schemas.openxmlformats.org/presentationml/2006/ole">
             <mc:AlternateContent xmlns:mc="http://schemas.openxmlformats.org/markup-compatibility/2006">
               <mc:Choice xmlns:v="urn:schemas-microsoft-com:vml" Requires="v">
-                <p:oleObj spid="_x0000_s2052" name="Visio" r:id="rId6" imgW="4968863" imgH="1443870" progId="">
+                <p:oleObj spid="_x0000_s2072" name="Visio" r:id="rId6" imgW="4968863" imgH="1443870" progId="">
                   <p:embed/>
                 </p:oleObj>
               </mc:Choice>
@@ -36025,7 +35850,7 @@
           <a:graphicData uri="http://schemas.openxmlformats.org/presentationml/2006/ole">
             <mc:AlternateContent xmlns:mc="http://schemas.openxmlformats.org/markup-compatibility/2006">
               <mc:Choice xmlns:v="urn:schemas-microsoft-com:vml" Requires="v">
-                <p:oleObj spid="_x0000_s3074" name="Visio" r:id="rId4" imgW="2414847" imgH="1461833" progId="Visio.Drawing.11">
+                <p:oleObj spid="_x0000_s3084" name="Visio" r:id="rId4" imgW="2414847" imgH="1461833" progId="Visio.Drawing.11">
                   <p:embed/>
                 </p:oleObj>
               </mc:Choice>
@@ -36209,12 +36034,14 @@
         </p:nvSpPr>
         <p:spPr/>
         <p:txBody>
-          <a:bodyPr/>
+          <a:bodyPr>
+            <a:normAutofit/>
+          </a:bodyPr>
           <a:lstStyle/>
           <a:p>
             <a:pPr eaLnBrk="1" hangingPunct="1"/>
             <a:r>
-              <a:rPr lang="en-US" dirty="0"/>
+              <a:rPr lang="en-US" sz="4000" dirty="0"/>
               <a:t>Limitations of Directly Invoking Constructor</a:t>
             </a:r>
           </a:p>
@@ -36232,12 +36059,14 @@
         </p:nvSpPr>
         <p:spPr/>
         <p:txBody>
-          <a:bodyPr/>
+          <a:bodyPr>
+            <a:normAutofit/>
+          </a:bodyPr>
           <a:lstStyle/>
           <a:p>
             <a:pPr eaLnBrk="1" hangingPunct="1"/>
             <a:r>
-              <a:rPr lang="en-US" dirty="0"/>
+              <a:rPr lang="en-US" sz="2400" dirty="0"/>
               <a:t>Ideally, such creation code is centralized in a factory</a:t>
             </a:r>
           </a:p>
@@ -36251,7 +36080,7 @@
           <a:p>
             <a:pPr eaLnBrk="1" hangingPunct="1"/>
             <a:r>
-              <a:rPr lang="en-US" dirty="0"/>
+              <a:rPr lang="en-US" sz="2400" dirty="0"/>
               <a:t>Directly invoking constructor is not flexible</a:t>
             </a:r>
           </a:p>
@@ -36265,7 +36094,7 @@
           <a:p>
             <a:pPr eaLnBrk="1" hangingPunct="1"/>
             <a:r>
-              <a:rPr lang="en-US" dirty="0"/>
+              <a:rPr lang="en-US" sz="2400" dirty="0"/>
               <a:t>The if-then statements do not scale</a:t>
             </a:r>
           </a:p>
@@ -36278,75 +36107,10 @@
           </a:p>
           <a:p>
             <a:pPr eaLnBrk="1" hangingPunct="1"/>
-            <a:endParaRPr lang="en-US" dirty="0"/>
+            <a:endParaRPr lang="en-US" sz="2400" dirty="0"/>
           </a:p>
         </p:txBody>
       </p:sp>
-      <p:pic>
-        <p:nvPicPr>
-          <p:cNvPr id="7" name="Picture 9"/>
-          <p:cNvPicPr>
-            <a:picLocks noChangeAspect="1" noChangeArrowheads="1"/>
-          </p:cNvPicPr>
-          <p:nvPr/>
-        </p:nvPicPr>
-        <p:blipFill>
-          <a:blip r:embed="rId3" cstate="print">
-            <a:extLst>
-              <a:ext uri="{28A0092B-C50C-407E-A947-70E740481C1C}">
-                <a14:useLocalDpi xmlns:a14="http://schemas.microsoft.com/office/drawing/2010/main" val="0"/>
-              </a:ext>
-            </a:extLst>
-          </a:blip>
-          <a:srcRect/>
-          <a:stretch>
-            <a:fillRect/>
-          </a:stretch>
-        </p:blipFill>
-        <p:spPr bwMode="auto">
-          <a:xfrm>
-            <a:off x="1650206" y="152401"/>
-            <a:ext cx="508000" cy="498475"/>
-          </a:xfrm>
-          <a:prstGeom prst="rect">
-            <a:avLst/>
-          </a:prstGeom>
-          <a:noFill/>
-          <a:ln>
-            <a:noFill/>
-          </a:ln>
-          <a:effectLst/>
-          <a:extLst>
-            <a:ext uri="{909E8E84-426E-40DD-AFC4-6F175D3DCCD1}">
-              <a14:hiddenFill xmlns:a14="http://schemas.microsoft.com/office/drawing/2010/main">
-                <a:solidFill>
-                  <a:schemeClr val="accent1"/>
-                </a:solidFill>
-              </a14:hiddenFill>
-            </a:ext>
-            <a:ext uri="{91240B29-F687-4F45-9708-019B960494DF}">
-              <a14:hiddenLine xmlns:a14="http://schemas.microsoft.com/office/drawing/2010/main" w="9525" cap="flat" cmpd="sng" algn="ctr">
-                <a:solidFill>
-                  <a:schemeClr val="tx1"/>
-                </a:solidFill>
-                <a:prstDash val="solid"/>
-                <a:miter lim="800000"/>
-                <a:headEnd/>
-                <a:tailEnd/>
-              </a14:hiddenLine>
-            </a:ext>
-            <a:ext uri="{AF507438-7753-43E0-B8FC-AC1667EBCBE1}">
-              <a14:hiddenEffects xmlns:a14="http://schemas.microsoft.com/office/drawing/2010/main">
-                <a:effectLst>
-                  <a:outerShdw dist="35921" dir="2700000" algn="ctr" rotWithShape="0">
-                    <a:schemeClr val="bg2"/>
-                  </a:outerShdw>
-                </a:effectLst>
-              </a14:hiddenEffects>
-            </a:ext>
-          </a:extLst>
-        </p:spPr>
-      </p:pic>
     </p:spTree>
     <p:extLst>
       <p:ext uri="{BB962C8B-B14F-4D97-AF65-F5344CB8AC3E}">
@@ -44268,7 +44032,7 @@
           <a:graphicData uri="http://schemas.openxmlformats.org/presentationml/2006/ole">
             <mc:AlternateContent xmlns:mc="http://schemas.openxmlformats.org/markup-compatibility/2006">
               <mc:Choice xmlns:v="urn:schemas-microsoft-com:vml" Requires="v">
-                <p:oleObj spid="_x0000_s4098" name="Visio" r:id="rId4" imgW="4335572" imgH="1592432" progId="">
+                <p:oleObj spid="_x0000_s4108" name="Visio" r:id="rId4" imgW="4335572" imgH="1592432" progId="">
                   <p:embed/>
                 </p:oleObj>
               </mc:Choice>
@@ -45271,7 +45035,7 @@
           <a:graphicData uri="http://schemas.openxmlformats.org/presentationml/2006/ole">
             <mc:AlternateContent xmlns:mc="http://schemas.openxmlformats.org/markup-compatibility/2006">
               <mc:Choice xmlns:v="urn:schemas-microsoft-com:vml" Requires="v">
-                <p:oleObj spid="_x0000_s5122" name="Visio" r:id="rId4" imgW="5900859" imgH="645226" progId="">
+                <p:oleObj spid="_x0000_s5132" name="Visio" r:id="rId4" imgW="5900859" imgH="645226" progId="">
                   <p:embed/>
                 </p:oleObj>
               </mc:Choice>
@@ -45803,7 +45567,7 @@
           <a:graphicData uri="http://schemas.openxmlformats.org/presentationml/2006/ole">
             <mc:AlternateContent xmlns:mc="http://schemas.openxmlformats.org/markup-compatibility/2006">
               <mc:Choice xmlns:v="urn:schemas-microsoft-com:vml" Requires="v">
-                <p:oleObj spid="_x0000_s6146" name="Visio" r:id="rId4" imgW="5949350" imgH="1637098" progId="">
+                <p:oleObj spid="_x0000_s6156" name="Visio" r:id="rId4" imgW="5949350" imgH="1637098" progId="">
                   <p:embed/>
                 </p:oleObj>
               </mc:Choice>
@@ -46167,10 +45931,10 @@
               </a:lnSpc>
             </a:pPr>
             <a:r>
-              <a:rPr lang="en-US"/>
+              <a:rPr lang="en-US" sz="1800" dirty="0"/>
               <a:t>Design Patterns: Elements of Reusable Object-Oriented Software</a:t>
             </a:r>
-            <a:endParaRPr/>
+            <a:endParaRPr sz="1800" dirty="0"/>
           </a:p>
           <a:p>
             <a:pPr lvl="1">
@@ -46179,10 +45943,26 @@
               </a:lnSpc>
             </a:pPr>
             <a:r>
-              <a:rPr lang="en-US"/>
-              <a:t>By Erich Gamma, Richard Helm, Ralph Johnson and John Vlissides aka “Gang of Four Book” (GoF) (Addison Wesley; 1994)</a:t>
-            </a:r>
-            <a:endParaRPr/>
+              <a:rPr lang="en-US" sz="1800" dirty="0"/>
+              <a:t>By Erich Gamma, Richard Helm, Ralph Johnson and John </a:t>
+            </a:r>
+            <a:r>
+              <a:rPr lang="en-US" sz="1800" dirty="0" err="1"/>
+              <a:t>Vlissides</a:t>
+            </a:r>
+            <a:r>
+              <a:rPr lang="en-US" sz="1800" dirty="0"/>
+              <a:t> aka “Gang of Four Book” (</a:t>
+            </a:r>
+            <a:r>
+              <a:rPr lang="en-US" sz="1800" dirty="0" err="1"/>
+              <a:t>GoF</a:t>
+            </a:r>
+            <a:r>
+              <a:rPr lang="en-US" sz="1800" dirty="0"/>
+              <a:t>) (Addison Wesley; 1994)</a:t>
+            </a:r>
+            <a:endParaRPr sz="1800" dirty="0"/>
           </a:p>
           <a:p>
             <a:pPr lvl="1">
@@ -46191,10 +45971,10 @@
               </a:lnSpc>
             </a:pPr>
             <a:r>
-              <a:rPr lang="en-US"/>
+              <a:rPr lang="en-US" sz="1800" dirty="0"/>
               <a:t>The book identified 23 patterns</a:t>
             </a:r>
-            <a:endParaRPr/>
+            <a:endParaRPr sz="1800" dirty="0"/>
           </a:p>
           <a:p>
             <a:pPr lvl="2">
@@ -46203,10 +45983,10 @@
               </a:lnSpc>
             </a:pPr>
             <a:r>
-              <a:rPr lang="en-US"/>
+              <a:rPr lang="en-US" sz="1800" dirty="0"/>
               <a:t>Some of which were required to implement a case study for a WYSIWYG editor</a:t>
             </a:r>
-            <a:endParaRPr/>
+            <a:endParaRPr sz="1800" dirty="0"/>
           </a:p>
           <a:p>
             <a:pPr lvl="1">
@@ -46215,10 +45995,18 @@
               </a:lnSpc>
             </a:pPr>
             <a:r>
-              <a:rPr lang="en-US"/>
-              <a:t>Called the GoF patterns</a:t>
-            </a:r>
-            <a:endParaRPr/>
+              <a:rPr lang="en-US" sz="1800" dirty="0"/>
+              <a:t>Called the </a:t>
+            </a:r>
+            <a:r>
+              <a:rPr lang="en-US" sz="1800" dirty="0" err="1"/>
+              <a:t>GoF</a:t>
+            </a:r>
+            <a:r>
+              <a:rPr lang="en-US" sz="1800" dirty="0"/>
+              <a:t> patterns</a:t>
+            </a:r>
+            <a:endParaRPr sz="1800" dirty="0"/>
           </a:p>
           <a:p>
             <a:pPr lvl="1">
@@ -46227,10 +46015,10 @@
               </a:lnSpc>
             </a:pPr>
             <a:r>
-              <a:rPr lang="en-US"/>
+              <a:rPr lang="en-US" sz="1800" dirty="0"/>
               <a:t>Code examples in C++ and Smalltalk</a:t>
             </a:r>
-            <a:endParaRPr/>
+            <a:endParaRPr sz="1800" dirty="0"/>
           </a:p>
           <a:p>
             <a:pPr>
@@ -46242,10 +46030,10 @@
               </a:spcBef>
             </a:pPr>
             <a:r>
-              <a:rPr lang="en-US"/>
+              <a:rPr lang="en-US" sz="1800" dirty="0"/>
               <a:t>They are solutions to often encountered business problems</a:t>
             </a:r>
-            <a:endParaRPr/>
+            <a:endParaRPr sz="1800" dirty="0"/>
           </a:p>
         </p:txBody>
       </p:sp>
@@ -46580,10 +46368,14 @@
               </a:lnSpc>
             </a:pPr>
             <a:r>
-              <a:rPr lang="en-US"/>
-              <a:t>More design patterns have been defined since GoF</a:t>
-            </a:r>
-            <a:endParaRPr/>
+              <a:rPr lang="en-US" sz="1800" dirty="0"/>
+              <a:t>More design patterns have been defined since </a:t>
+            </a:r>
+            <a:r>
+              <a:rPr lang="en-US" sz="1800" dirty="0" err="1"/>
+              <a:t>GoF</a:t>
+            </a:r>
+            <a:endParaRPr sz="1800" dirty="0"/>
           </a:p>
           <a:p>
             <a:pPr lvl="1">
@@ -46592,10 +46384,10 @@
               </a:lnSpc>
             </a:pPr>
             <a:r>
-              <a:rPr lang="en-US"/>
+              <a:rPr lang="en-US" sz="1800" dirty="0"/>
               <a:t>Anyone can define a new pattern</a:t>
             </a:r>
-            <a:endParaRPr/>
+            <a:endParaRPr sz="1800" dirty="0"/>
           </a:p>
           <a:p>
             <a:pPr lvl="1">
@@ -46604,10 +46396,10 @@
               </a:lnSpc>
             </a:pPr>
             <a:r>
-              <a:rPr lang="en-US"/>
+              <a:rPr lang="en-US" sz="1800" dirty="0"/>
               <a:t>They must have a good name</a:t>
             </a:r>
-            <a:endParaRPr/>
+            <a:endParaRPr sz="1800" dirty="0"/>
           </a:p>
           <a:p>
             <a:pPr lvl="2">
@@ -46616,10 +46408,10 @@
               </a:lnSpc>
             </a:pPr>
             <a:r>
-              <a:rPr lang="en-US"/>
+              <a:rPr lang="en-US" sz="1800" dirty="0"/>
               <a:t>This is how they are identified</a:t>
             </a:r>
-            <a:endParaRPr/>
+            <a:endParaRPr sz="1800" dirty="0"/>
           </a:p>
           <a:p>
             <a:pPr lvl="1">
@@ -46628,10 +46420,10 @@
               </a:lnSpc>
             </a:pPr>
             <a:r>
-              <a:rPr lang="en-US"/>
+              <a:rPr lang="en-US" sz="1800" dirty="0"/>
               <a:t>They must be realized in at least 3 systems</a:t>
             </a:r>
-            <a:endParaRPr/>
+            <a:endParaRPr sz="1800" dirty="0"/>
           </a:p>
           <a:p>
             <a:pPr lvl="1">
@@ -46640,10 +46432,10 @@
               </a:lnSpc>
             </a:pPr>
             <a:r>
-              <a:rPr lang="en-US"/>
+              <a:rPr lang="en-US" sz="1800" dirty="0"/>
               <a:t>They must be applicable to new contexts</a:t>
             </a:r>
-            <a:endParaRPr/>
+            <a:endParaRPr sz="1800" dirty="0"/>
           </a:p>
           <a:p>
             <a:pPr>
@@ -46655,10 +46447,10 @@
               </a:spcBef>
             </a:pPr>
             <a:r>
-              <a:rPr lang="en-US"/>
+              <a:rPr lang="en-US" sz="1800" dirty="0"/>
               <a:t>Patterns have been defined for newer technologies</a:t>
             </a:r>
-            <a:endParaRPr/>
+            <a:endParaRPr sz="1800" dirty="0"/>
           </a:p>
           <a:p>
             <a:pPr lvl="1">
@@ -46667,10 +46459,10 @@
               </a:lnSpc>
             </a:pPr>
             <a:r>
-              <a:rPr lang="en-US"/>
+              <a:rPr lang="en-US" sz="1800" dirty="0"/>
               <a:t>Web applications</a:t>
             </a:r>
-            <a:endParaRPr/>
+            <a:endParaRPr sz="1800" dirty="0"/>
           </a:p>
           <a:p>
             <a:pPr lvl="1">
@@ -46679,10 +46471,10 @@
               </a:lnSpc>
             </a:pPr>
             <a:r>
-              <a:rPr lang="en-US"/>
+              <a:rPr lang="en-US" sz="1800" dirty="0"/>
               <a:t>Enterprise JavaBeans</a:t>
             </a:r>
-            <a:endParaRPr/>
+            <a:endParaRPr sz="1800" dirty="0"/>
           </a:p>
           <a:p>
             <a:pPr lvl="1">
@@ -46691,10 +46483,10 @@
               </a:lnSpc>
             </a:pPr>
             <a:r>
-              <a:rPr lang="en-US"/>
+              <a:rPr lang="en-US" sz="1800" dirty="0"/>
               <a:t>Architecture patterns</a:t>
             </a:r>
-            <a:endParaRPr/>
+            <a:endParaRPr sz="1800" dirty="0"/>
           </a:p>
           <a:p>
             <a:pPr>
@@ -46706,10 +46498,10 @@
               </a:spcBef>
             </a:pPr>
             <a:r>
-              <a:rPr lang="en-US"/>
+              <a:rPr lang="en-US" sz="1800" dirty="0"/>
               <a:t>Can you name some design patterns?</a:t>
             </a:r>
-            <a:endParaRPr/>
+            <a:endParaRPr sz="1800" dirty="0"/>
           </a:p>
         </p:txBody>
       </p:sp>

--- a/HAN_AdvancedJava_Ch06-Design Patterns.pptx
+++ b/HAN_AdvancedJava_Ch06-Design Patterns.pptx
@@ -349,7 +349,7 @@
       <p15:notesGuideLst xmlns:p15="http://schemas.microsoft.com/office/powerpoint/2012/main"/>
     </p:ext>
     <p:ext uri="http://customooxmlschemas.google.com/">
-      <go:slidesCustomData xmlns="" xmlns:mc="http://schemas.openxmlformats.org/markup-compatibility/2006" xmlns:mv="urn:schemas-microsoft-com:mac:vml" xmlns:c="http://schemas.openxmlformats.org/drawingml/2006/chart" xmlns:dgm="http://schemas.openxmlformats.org/drawingml/2006/diagram" xmlns:o="urn:schemas-microsoft-com:office:office" xmlns:v="urn:schemas-microsoft-com:vml" xmlns:pvml="urn:schemas-microsoft-com:office:powerpoint" xmlns:com="http://schemas.openxmlformats.org/drawingml/2006/compatibility" xmlns:p14="http://schemas.microsoft.com/office/powerpoint/2010/main" xmlns:p15="http://schemas.microsoft.com/office/powerpoint/2012/main" xmlns:go="http://customooxmlschemas.google.com/" r:id="rId83" roundtripDataSignature="AMtx7mh+9/dCSlYobEHwms6iFvXqxM7Fgg=="/>
+      <go:slidesCustomData xmlns:go="http://customooxmlschemas.google.com/" xmlns:p15="http://schemas.microsoft.com/office/powerpoint/2012/main" xmlns:p14="http://schemas.microsoft.com/office/powerpoint/2010/main" xmlns:com="http://schemas.openxmlformats.org/drawingml/2006/compatibility" xmlns:pvml="urn:schemas-microsoft-com:office:powerpoint" xmlns:v="urn:schemas-microsoft-com:vml" xmlns:o="urn:schemas-microsoft-com:office:office" xmlns:dgm="http://schemas.openxmlformats.org/drawingml/2006/diagram" xmlns:c="http://schemas.openxmlformats.org/drawingml/2006/chart" xmlns:mv="urn:schemas-microsoft-com:mac:vml" xmlns:mc="http://schemas.openxmlformats.org/markup-compatibility/2006" xmlns="" r:id="rId83" roundtripDataSignature="AMtx7mh+9/dCSlYobEHwms6iFvXqxM7Fgg=="/>
     </p:ext>
   </p:extLst>
 </p:presentation>
@@ -3311,8 +3311,8 @@
         </p:nvSpPr>
         <p:spPr>
           <a:xfrm>
-            <a:off x="1143000" y="685800"/>
-            <a:ext cx="4572000" cy="3429000"/>
+            <a:off x="381000" y="685800"/>
+            <a:ext cx="6096000" cy="3429000"/>
           </a:xfrm>
           <a:custGeom>
             <a:avLst/>
@@ -4165,8 +4165,8 @@
         </p:nvSpPr>
         <p:spPr>
           <a:xfrm>
-            <a:off x="1143000" y="685800"/>
-            <a:ext cx="4572000" cy="3429000"/>
+            <a:off x="381000" y="685800"/>
+            <a:ext cx="6096000" cy="3429000"/>
           </a:xfrm>
           <a:custGeom>
             <a:avLst/>
@@ -4260,794 +4260,6 @@
       <p:sp>
         <p:nvSpPr>
           <p:cNvPr id="242" name="Google Shape;242;g5a0274641_0_6:notes"/>
-          <p:cNvSpPr>
-            <a:spLocks noGrp="1" noRot="1" noChangeAspect="1"/>
-          </p:cNvSpPr>
-          <p:nvPr>
-            <p:ph type="sldImg" idx="2"/>
-          </p:nvPr>
-        </p:nvSpPr>
-        <p:spPr>
-          <a:xfrm>
-            <a:off x="1143000" y="685800"/>
-            <a:ext cx="4572000" cy="3429000"/>
-          </a:xfrm>
-          <a:custGeom>
-            <a:avLst/>
-            <a:gdLst/>
-            <a:ahLst/>
-            <a:cxnLst/>
-            <a:rect l="l" t="t" r="r" b="b"/>
-            <a:pathLst>
-              <a:path w="120000" h="120000" extrusionOk="0">
-                <a:moveTo>
-                  <a:pt x="0" y="0"/>
-                </a:moveTo>
-                <a:lnTo>
-                  <a:pt x="120000" y="0"/>
-                </a:lnTo>
-                <a:lnTo>
-                  <a:pt x="120000" y="120000"/>
-                </a:lnTo>
-                <a:lnTo>
-                  <a:pt x="0" y="120000"/>
-                </a:lnTo>
-                <a:close/>
-              </a:path>
-            </a:pathLst>
-          </a:custGeom>
-          <a:noFill/>
-          <a:ln w="9525" cap="flat" cmpd="sng">
-            <a:solidFill>
-              <a:srgbClr val="000000"/>
-            </a:solidFill>
-            <a:prstDash val="solid"/>
-            <a:miter lim="8000"/>
-            <a:headEnd type="none" w="sm" len="sm"/>
-            <a:tailEnd type="none" w="sm" len="sm"/>
-          </a:ln>
-        </p:spPr>
-      </p:sp>
-      <p:sp>
-        <p:nvSpPr>
-          <p:cNvPr id="243" name="Google Shape;243;g5a0274641_0_6:notes"/>
-          <p:cNvSpPr txBox="1">
-            <a:spLocks noGrp="1"/>
-          </p:cNvSpPr>
-          <p:nvPr>
-            <p:ph type="body" idx="1"/>
-          </p:nvPr>
-        </p:nvSpPr>
-        <p:spPr>
-          <a:xfrm>
-            <a:off x="685800" y="4343400"/>
-            <a:ext cx="5486400" cy="4114800"/>
-          </a:xfrm>
-          <a:prstGeom prst="rect">
-            <a:avLst/>
-          </a:prstGeom>
-          <a:noFill/>
-          <a:ln>
-            <a:noFill/>
-          </a:ln>
-        </p:spPr>
-        <p:txBody>
-          <a:bodyPr spcFirstLastPara="1" wrap="square" lIns="91425" tIns="45700" rIns="91425" bIns="45700" anchor="t" anchorCtr="0">
-            <a:noAutofit/>
-          </a:bodyPr>
-          <a:lstStyle/>
-          <a:p>
-            <a:pPr marL="0" marR="0" lvl="0" indent="0" algn="l" rtl="0">
-              <a:spcBef>
-                <a:spcPts val="0"/>
-              </a:spcBef>
-              <a:spcAft>
-                <a:spcPts val="0"/>
-              </a:spcAft>
-              <a:buNone/>
-            </a:pPr>
-            <a:endParaRPr sz="1200" b="0" i="0" u="none" strike="noStrike" cap="none">
-              <a:solidFill>
-                <a:schemeClr val="dk1"/>
-              </a:solidFill>
-              <a:latin typeface="Arial"/>
-              <a:ea typeface="Arial"/>
-              <a:cs typeface="Arial"/>
-              <a:sym typeface="Arial"/>
-            </a:endParaRPr>
-          </a:p>
-        </p:txBody>
-      </p:sp>
-    </p:spTree>
-  </p:cSld>
-  <p:clrMapOvr>
-    <a:masterClrMapping/>
-  </p:clrMapOvr>
-</p:notes>
-</file>
-
-<file path=ppt/notesSlides/notesSlide33.xml><?xml version="1.0" encoding="utf-8"?>
-<p:notes xmlns:a="http://schemas.openxmlformats.org/drawingml/2006/main" xmlns:r="http://schemas.openxmlformats.org/officeDocument/2006/relationships" xmlns:p="http://schemas.openxmlformats.org/presentationml/2006/main" showMasterSp="0" showMasterPhAnim="0">
-  <p:cSld>
-    <p:spTree>
-      <p:nvGrpSpPr>
-        <p:cNvPr id="1" name="Shape 248"/>
-        <p:cNvGrpSpPr/>
-        <p:nvPr/>
-      </p:nvGrpSpPr>
-      <p:grpSpPr>
-        <a:xfrm>
-          <a:off x="0" y="0"/>
-          <a:ext cx="0" cy="0"/>
-          <a:chOff x="0" y="0"/>
-          <a:chExt cx="0" cy="0"/>
-        </a:xfrm>
-      </p:grpSpPr>
-      <p:sp>
-        <p:nvSpPr>
-          <p:cNvPr id="249" name="Google Shape;249;g5a0274641_0_12:notes"/>
-          <p:cNvSpPr>
-            <a:spLocks noGrp="1" noRot="1" noChangeAspect="1"/>
-          </p:cNvSpPr>
-          <p:nvPr>
-            <p:ph type="sldImg" idx="2"/>
-          </p:nvPr>
-        </p:nvSpPr>
-        <p:spPr>
-          <a:xfrm>
-            <a:off x="1143000" y="685800"/>
-            <a:ext cx="4572000" cy="3429000"/>
-          </a:xfrm>
-          <a:custGeom>
-            <a:avLst/>
-            <a:gdLst/>
-            <a:ahLst/>
-            <a:cxnLst/>
-            <a:rect l="l" t="t" r="r" b="b"/>
-            <a:pathLst>
-              <a:path w="120000" h="120000" extrusionOk="0">
-                <a:moveTo>
-                  <a:pt x="0" y="0"/>
-                </a:moveTo>
-                <a:lnTo>
-                  <a:pt x="120000" y="0"/>
-                </a:lnTo>
-                <a:lnTo>
-                  <a:pt x="120000" y="120000"/>
-                </a:lnTo>
-                <a:lnTo>
-                  <a:pt x="0" y="120000"/>
-                </a:lnTo>
-                <a:close/>
-              </a:path>
-            </a:pathLst>
-          </a:custGeom>
-        </p:spPr>
-      </p:sp>
-      <p:sp>
-        <p:nvSpPr>
-          <p:cNvPr id="250" name="Google Shape;250;g5a0274641_0_12:notes"/>
-          <p:cNvSpPr txBox="1">
-            <a:spLocks noGrp="1"/>
-          </p:cNvSpPr>
-          <p:nvPr>
-            <p:ph type="body" idx="1"/>
-          </p:nvPr>
-        </p:nvSpPr>
-        <p:spPr>
-          <a:xfrm>
-            <a:off x="685800" y="4343400"/>
-            <a:ext cx="5486400" cy="4114800"/>
-          </a:xfrm>
-          <a:prstGeom prst="rect">
-            <a:avLst/>
-          </a:prstGeom>
-        </p:spPr>
-        <p:txBody>
-          <a:bodyPr spcFirstLastPara="1" wrap="square" lIns="91425" tIns="91425" rIns="91425" bIns="91425" anchor="t" anchorCtr="0">
-            <a:noAutofit/>
-          </a:bodyPr>
-          <a:lstStyle/>
-          <a:p>
-            <a:pPr marL="0" lvl="0" indent="0" algn="l" rtl="0">
-              <a:spcBef>
-                <a:spcPts val="360"/>
-              </a:spcBef>
-              <a:spcAft>
-                <a:spcPts val="0"/>
-              </a:spcAft>
-              <a:buNone/>
-            </a:pPr>
-            <a:endParaRPr/>
-          </a:p>
-        </p:txBody>
-      </p:sp>
-    </p:spTree>
-  </p:cSld>
-  <p:clrMapOvr>
-    <a:masterClrMapping/>
-  </p:clrMapOvr>
-</p:notes>
-</file>
-
-<file path=ppt/notesSlides/notesSlide34.xml><?xml version="1.0" encoding="utf-8"?>
-<p:notes xmlns:a="http://schemas.openxmlformats.org/drawingml/2006/main" xmlns:r="http://schemas.openxmlformats.org/officeDocument/2006/relationships" xmlns:p="http://schemas.openxmlformats.org/presentationml/2006/main" showMasterSp="0" showMasterPhAnim="0">
-  <p:cSld>
-    <p:spTree>
-      <p:nvGrpSpPr>
-        <p:cNvPr id="1" name="Shape 254"/>
-        <p:cNvGrpSpPr/>
-        <p:nvPr/>
-      </p:nvGrpSpPr>
-      <p:grpSpPr>
-        <a:xfrm>
-          <a:off x="0" y="0"/>
-          <a:ext cx="0" cy="0"/>
-          <a:chOff x="0" y="0"/>
-          <a:chExt cx="0" cy="0"/>
-        </a:xfrm>
-      </p:grpSpPr>
-      <p:sp>
-        <p:nvSpPr>
-          <p:cNvPr id="255" name="Google Shape;255;p106:notes"/>
-          <p:cNvSpPr>
-            <a:spLocks noGrp="1" noRot="1" noChangeAspect="1"/>
-          </p:cNvSpPr>
-          <p:nvPr>
-            <p:ph type="sldImg" idx="2"/>
-          </p:nvPr>
-        </p:nvSpPr>
-        <p:spPr>
-          <a:xfrm>
-            <a:off x="1143000" y="685800"/>
-            <a:ext cx="4572000" cy="3429000"/>
-          </a:xfrm>
-          <a:custGeom>
-            <a:avLst/>
-            <a:gdLst/>
-            <a:ahLst/>
-            <a:cxnLst/>
-            <a:rect l="l" t="t" r="r" b="b"/>
-            <a:pathLst>
-              <a:path w="120000" h="120000" extrusionOk="0">
-                <a:moveTo>
-                  <a:pt x="0" y="0"/>
-                </a:moveTo>
-                <a:lnTo>
-                  <a:pt x="120000" y="0"/>
-                </a:lnTo>
-                <a:lnTo>
-                  <a:pt x="120000" y="120000"/>
-                </a:lnTo>
-                <a:lnTo>
-                  <a:pt x="0" y="120000"/>
-                </a:lnTo>
-                <a:close/>
-              </a:path>
-            </a:pathLst>
-          </a:custGeom>
-          <a:noFill/>
-          <a:ln w="9525" cap="flat" cmpd="sng">
-            <a:solidFill>
-              <a:srgbClr val="000000"/>
-            </a:solidFill>
-            <a:prstDash val="solid"/>
-            <a:miter lim="8000"/>
-            <a:headEnd type="none" w="sm" len="sm"/>
-            <a:tailEnd type="none" w="sm" len="sm"/>
-          </a:ln>
-        </p:spPr>
-      </p:sp>
-      <p:sp>
-        <p:nvSpPr>
-          <p:cNvPr id="256" name="Google Shape;256;p106:notes"/>
-          <p:cNvSpPr txBox="1">
-            <a:spLocks noGrp="1"/>
-          </p:cNvSpPr>
-          <p:nvPr>
-            <p:ph type="body" idx="1"/>
-          </p:nvPr>
-        </p:nvSpPr>
-        <p:spPr>
-          <a:xfrm>
-            <a:off x="685800" y="4343400"/>
-            <a:ext cx="5486400" cy="4114800"/>
-          </a:xfrm>
-          <a:prstGeom prst="rect">
-            <a:avLst/>
-          </a:prstGeom>
-          <a:noFill/>
-          <a:ln>
-            <a:noFill/>
-          </a:ln>
-        </p:spPr>
-        <p:txBody>
-          <a:bodyPr spcFirstLastPara="1" wrap="square" lIns="91425" tIns="45700" rIns="91425" bIns="45700" anchor="t" anchorCtr="0">
-            <a:noAutofit/>
-          </a:bodyPr>
-          <a:lstStyle/>
-          <a:p>
-            <a:pPr marL="0" marR="0" lvl="0" indent="0" algn="l" rtl="0">
-              <a:spcBef>
-                <a:spcPts val="0"/>
-              </a:spcBef>
-              <a:spcAft>
-                <a:spcPts val="0"/>
-              </a:spcAft>
-              <a:buNone/>
-            </a:pPr>
-            <a:endParaRPr sz="1200" b="0" i="0" u="none" strike="noStrike" cap="none">
-              <a:solidFill>
-                <a:schemeClr val="dk1"/>
-              </a:solidFill>
-              <a:latin typeface="Arial"/>
-              <a:ea typeface="Arial"/>
-              <a:cs typeface="Arial"/>
-              <a:sym typeface="Arial"/>
-            </a:endParaRPr>
-          </a:p>
-        </p:txBody>
-      </p:sp>
-    </p:spTree>
-  </p:cSld>
-  <p:clrMapOvr>
-    <a:masterClrMapping/>
-  </p:clrMapOvr>
-</p:notes>
-</file>
-
-<file path=ppt/notesSlides/notesSlide35.xml><?xml version="1.0" encoding="utf-8"?>
-<p:notes xmlns:a="http://schemas.openxmlformats.org/drawingml/2006/main" xmlns:r="http://schemas.openxmlformats.org/officeDocument/2006/relationships" xmlns:p="http://schemas.openxmlformats.org/presentationml/2006/main">
-  <p:cSld>
-    <p:spTree>
-      <p:nvGrpSpPr>
-        <p:cNvPr id="1" name=""/>
-        <p:cNvGrpSpPr/>
-        <p:nvPr/>
-      </p:nvGrpSpPr>
-      <p:grpSpPr>
-        <a:xfrm>
-          <a:off x="0" y="0"/>
-          <a:ext cx="0" cy="0"/>
-          <a:chOff x="0" y="0"/>
-          <a:chExt cx="0" cy="0"/>
-        </a:xfrm>
-      </p:grpSpPr>
-      <p:sp>
-        <p:nvSpPr>
-          <p:cNvPr id="63490" name="Rectangle 2"/>
-          <p:cNvSpPr>
-            <a:spLocks noGrp="1" noRot="1" noChangeAspect="1" noChangeArrowheads="1" noTextEdit="1"/>
-          </p:cNvSpPr>
-          <p:nvPr>
-            <p:ph type="sldImg"/>
-          </p:nvPr>
-        </p:nvSpPr>
-        <p:spPr>
-          <a:ln/>
-        </p:spPr>
-      </p:sp>
-      <p:sp>
-        <p:nvSpPr>
-          <p:cNvPr id="63491" name="Rectangle 3"/>
-          <p:cNvSpPr>
-            <a:spLocks noGrp="1" noChangeArrowheads="1"/>
-          </p:cNvSpPr>
-          <p:nvPr>
-            <p:ph type="body" idx="1"/>
-          </p:nvPr>
-        </p:nvSpPr>
-        <p:spPr>
-          <a:noFill/>
-          <a:ln/>
-          <a:extLst>
-            <a:ext uri="{909E8E84-426E-40DD-AFC4-6F175D3DCCD1}">
-              <a14:hiddenFill xmlns:a14="http://schemas.microsoft.com/office/drawing/2010/main">
-                <a:solidFill>
-                  <a:srgbClr val="FFFFFF"/>
-                </a:solidFill>
-              </a14:hiddenFill>
-            </a:ext>
-            <a:ext uri="{91240B29-F687-4F45-9708-019B960494DF}">
-              <a14:hiddenLine xmlns:a14="http://schemas.microsoft.com/office/drawing/2010/main" w="9525">
-                <a:solidFill>
-                  <a:srgbClr val="000000"/>
-                </a:solidFill>
-                <a:miter lim="800000"/>
-                <a:headEnd/>
-                <a:tailEnd/>
-              </a14:hiddenLine>
-            </a:ext>
-          </a:extLst>
-        </p:spPr>
-        <p:txBody>
-          <a:bodyPr/>
-          <a:lstStyle/>
-          <a:p>
-            <a:pPr eaLnBrk="1" hangingPunct="1"/>
-            <a:endParaRPr lang="en-US" dirty="0"/>
-          </a:p>
-        </p:txBody>
-      </p:sp>
-    </p:spTree>
-    <p:extLst>
-      <p:ext uri="{BB962C8B-B14F-4D97-AF65-F5344CB8AC3E}">
-        <p14:creationId xmlns:p14="http://schemas.microsoft.com/office/powerpoint/2010/main" val="2719903314"/>
-      </p:ext>
-    </p:extLst>
-  </p:cSld>
-  <p:clrMapOvr>
-    <a:masterClrMapping/>
-  </p:clrMapOvr>
-</p:notes>
-</file>
-
-<file path=ppt/notesSlides/notesSlide36.xml><?xml version="1.0" encoding="utf-8"?>
-<p:notes xmlns:a="http://schemas.openxmlformats.org/drawingml/2006/main" xmlns:r="http://schemas.openxmlformats.org/officeDocument/2006/relationships" xmlns:p="http://schemas.openxmlformats.org/presentationml/2006/main">
-  <p:cSld>
-    <p:spTree>
-      <p:nvGrpSpPr>
-        <p:cNvPr id="1" name=""/>
-        <p:cNvGrpSpPr/>
-        <p:nvPr/>
-      </p:nvGrpSpPr>
-      <p:grpSpPr>
-        <a:xfrm>
-          <a:off x="0" y="0"/>
-          <a:ext cx="0" cy="0"/>
-          <a:chOff x="0" y="0"/>
-          <a:chExt cx="0" cy="0"/>
-        </a:xfrm>
-      </p:grpSpPr>
-      <p:sp>
-        <p:nvSpPr>
-          <p:cNvPr id="64514" name="Rectangle 2"/>
-          <p:cNvSpPr>
-            <a:spLocks noGrp="1" noRot="1" noChangeAspect="1" noChangeArrowheads="1" noTextEdit="1"/>
-          </p:cNvSpPr>
-          <p:nvPr>
-            <p:ph type="sldImg"/>
-          </p:nvPr>
-        </p:nvSpPr>
-        <p:spPr>
-          <a:xfrm>
-            <a:off x="1258888" y="720725"/>
-            <a:ext cx="4800600" cy="3600450"/>
-          </a:xfrm>
-          <a:ln/>
-        </p:spPr>
-      </p:sp>
-      <p:sp>
-        <p:nvSpPr>
-          <p:cNvPr id="64515" name="Rectangle 3"/>
-          <p:cNvSpPr>
-            <a:spLocks noGrp="1" noChangeArrowheads="1"/>
-          </p:cNvSpPr>
-          <p:nvPr>
-            <p:ph type="body" idx="1"/>
-          </p:nvPr>
-        </p:nvSpPr>
-        <p:spPr>
-          <a:xfrm>
-            <a:off x="973138" y="4562475"/>
-            <a:ext cx="5368925" cy="4318000"/>
-          </a:xfrm>
-          <a:noFill/>
-          <a:ln/>
-          <a:extLst>
-            <a:ext uri="{909E8E84-426E-40DD-AFC4-6F175D3DCCD1}">
-              <a14:hiddenFill xmlns:a14="http://schemas.microsoft.com/office/drawing/2010/main">
-                <a:solidFill>
-                  <a:srgbClr val="FFFFFF"/>
-                </a:solidFill>
-              </a14:hiddenFill>
-            </a:ext>
-            <a:ext uri="{91240B29-F687-4F45-9708-019B960494DF}">
-              <a14:hiddenLine xmlns:a14="http://schemas.microsoft.com/office/drawing/2010/main" w="9525">
-                <a:solidFill>
-                  <a:srgbClr val="000000"/>
-                </a:solidFill>
-                <a:miter lim="800000"/>
-                <a:headEnd/>
-                <a:tailEnd/>
-              </a14:hiddenLine>
-            </a:ext>
-          </a:extLst>
-        </p:spPr>
-        <p:txBody>
-          <a:bodyPr/>
-          <a:lstStyle/>
-          <a:p>
-            <a:pPr eaLnBrk="1" hangingPunct="1"/>
-            <a:endParaRPr lang="en-US" dirty="0"/>
-          </a:p>
-        </p:txBody>
-      </p:sp>
-    </p:spTree>
-    <p:extLst>
-      <p:ext uri="{BB962C8B-B14F-4D97-AF65-F5344CB8AC3E}">
-        <p14:creationId xmlns:p14="http://schemas.microsoft.com/office/powerpoint/2010/main" val="918740193"/>
-      </p:ext>
-    </p:extLst>
-  </p:cSld>
-  <p:clrMapOvr>
-    <a:masterClrMapping/>
-  </p:clrMapOvr>
-</p:notes>
-</file>
-
-<file path=ppt/notesSlides/notesSlide37.xml><?xml version="1.0" encoding="utf-8"?>
-<p:notes xmlns:a="http://schemas.openxmlformats.org/drawingml/2006/main" xmlns:r="http://schemas.openxmlformats.org/officeDocument/2006/relationships" xmlns:p="http://schemas.openxmlformats.org/presentationml/2006/main">
-  <p:cSld>
-    <p:bg>
-      <p:bgPr>
-        <a:solidFill>
-          <a:srgbClr val="FFFFFF"/>
-        </a:solidFill>
-        <a:effectLst/>
-      </p:bgPr>
-    </p:bg>
-    <p:spTree>
-      <p:nvGrpSpPr>
-        <p:cNvPr id="1" name=""/>
-        <p:cNvGrpSpPr/>
-        <p:nvPr/>
-      </p:nvGrpSpPr>
-      <p:grpSpPr>
-        <a:xfrm>
-          <a:off x="0" y="0"/>
-          <a:ext cx="0" cy="0"/>
-          <a:chOff x="0" y="0"/>
-          <a:chExt cx="0" cy="0"/>
-        </a:xfrm>
-      </p:grpSpPr>
-      <p:sp>
-        <p:nvSpPr>
-          <p:cNvPr id="88066" name="Rectangle 2"/>
-          <p:cNvSpPr>
-            <a:spLocks noGrp="1" noRot="1" noChangeAspect="1" noChangeArrowheads="1" noTextEdit="1"/>
-          </p:cNvSpPr>
-          <p:nvPr>
-            <p:ph type="sldImg"/>
-          </p:nvPr>
-        </p:nvSpPr>
-        <p:spPr>
-          <a:xfrm>
-            <a:off x="1260475" y="720725"/>
-            <a:ext cx="4800600" cy="3600450"/>
-          </a:xfrm>
-          <a:solidFill>
-            <a:srgbClr val="FFFFFF"/>
-          </a:solidFill>
-          <a:ln/>
-        </p:spPr>
-      </p:sp>
-      <p:sp>
-        <p:nvSpPr>
-          <p:cNvPr id="88067" name="Rectangle 3"/>
-          <p:cNvSpPr>
-            <a:spLocks noGrp="1" noChangeArrowheads="1"/>
-          </p:cNvSpPr>
-          <p:nvPr>
-            <p:ph type="body" idx="1"/>
-          </p:nvPr>
-        </p:nvSpPr>
-        <p:spPr>
-          <a:xfrm>
-            <a:off x="973138" y="4562475"/>
-            <a:ext cx="5368925" cy="4319588"/>
-          </a:xfrm>
-          <a:noFill/>
-          <a:ln/>
-          <a:extLst>
-            <a:ext uri="{909E8E84-426E-40DD-AFC4-6F175D3DCCD1}">
-              <a14:hiddenFill xmlns:a14="http://schemas.microsoft.com/office/drawing/2010/main">
-                <a:solidFill>
-                  <a:srgbClr val="FFFFFF"/>
-                </a:solidFill>
-              </a14:hiddenFill>
-            </a:ext>
-            <a:ext uri="{91240B29-F687-4F45-9708-019B960494DF}">
-              <a14:hiddenLine xmlns:a14="http://schemas.microsoft.com/office/drawing/2010/main" w="9525">
-                <a:solidFill>
-                  <a:srgbClr val="000000"/>
-                </a:solidFill>
-                <a:miter lim="800000"/>
-                <a:headEnd/>
-                <a:tailEnd/>
-              </a14:hiddenLine>
-            </a:ext>
-          </a:extLst>
-        </p:spPr>
-        <p:txBody>
-          <a:bodyPr wrap="none" lIns="95458" tIns="47728" rIns="95458" bIns="47728" anchor="ctr"/>
-          <a:lstStyle/>
-          <a:p>
-            <a:pPr eaLnBrk="1" hangingPunct="1"/>
-            <a:endParaRPr lang="en-US" dirty="0"/>
-          </a:p>
-        </p:txBody>
-      </p:sp>
-    </p:spTree>
-    <p:extLst>
-      <p:ext uri="{BB962C8B-B14F-4D97-AF65-F5344CB8AC3E}">
-        <p14:creationId xmlns:p14="http://schemas.microsoft.com/office/powerpoint/2010/main" val="2768704195"/>
-      </p:ext>
-    </p:extLst>
-  </p:cSld>
-  <p:clrMapOvr>
-    <a:masterClrMapping/>
-  </p:clrMapOvr>
-</p:notes>
-</file>
-
-<file path=ppt/notesSlides/notesSlide38.xml><?xml version="1.0" encoding="utf-8"?>
-<p:notes xmlns:a="http://schemas.openxmlformats.org/drawingml/2006/main" xmlns:r="http://schemas.openxmlformats.org/officeDocument/2006/relationships" xmlns:p="http://schemas.openxmlformats.org/presentationml/2006/main">
-  <p:cSld>
-    <p:spTree>
-      <p:nvGrpSpPr>
-        <p:cNvPr id="1" name=""/>
-        <p:cNvGrpSpPr/>
-        <p:nvPr/>
-      </p:nvGrpSpPr>
-      <p:grpSpPr>
-        <a:xfrm>
-          <a:off x="0" y="0"/>
-          <a:ext cx="0" cy="0"/>
-          <a:chOff x="0" y="0"/>
-          <a:chExt cx="0" cy="0"/>
-        </a:xfrm>
-      </p:grpSpPr>
-      <p:sp>
-        <p:nvSpPr>
-          <p:cNvPr id="89090" name="Rectangle 2"/>
-          <p:cNvSpPr>
-            <a:spLocks noGrp="1" noRot="1" noChangeAspect="1" noChangeArrowheads="1" noTextEdit="1"/>
-          </p:cNvSpPr>
-          <p:nvPr>
-            <p:ph type="sldImg"/>
-          </p:nvPr>
-        </p:nvSpPr>
-        <p:spPr>
-          <a:ln/>
-        </p:spPr>
-      </p:sp>
-      <p:sp>
-        <p:nvSpPr>
-          <p:cNvPr id="89091" name="Rectangle 3"/>
-          <p:cNvSpPr>
-            <a:spLocks noGrp="1" noChangeArrowheads="1"/>
-          </p:cNvSpPr>
-          <p:nvPr>
-            <p:ph type="body" idx="1"/>
-          </p:nvPr>
-        </p:nvSpPr>
-        <p:spPr>
-          <a:noFill/>
-          <a:ln/>
-          <a:extLst>
-            <a:ext uri="{909E8E84-426E-40DD-AFC4-6F175D3DCCD1}">
-              <a14:hiddenFill xmlns:a14="http://schemas.microsoft.com/office/drawing/2010/main">
-                <a:solidFill>
-                  <a:srgbClr val="FFFFFF"/>
-                </a:solidFill>
-              </a14:hiddenFill>
-            </a:ext>
-            <a:ext uri="{91240B29-F687-4F45-9708-019B960494DF}">
-              <a14:hiddenLine xmlns:a14="http://schemas.microsoft.com/office/drawing/2010/main" w="9525">
-                <a:solidFill>
-                  <a:srgbClr val="000000"/>
-                </a:solidFill>
-                <a:miter lim="800000"/>
-                <a:headEnd/>
-                <a:tailEnd/>
-              </a14:hiddenLine>
-            </a:ext>
-          </a:extLst>
-        </p:spPr>
-        <p:txBody>
-          <a:bodyPr/>
-          <a:lstStyle/>
-          <a:p>
-            <a:pPr eaLnBrk="1" hangingPunct="1"/>
-            <a:endParaRPr lang="en-US" dirty="0"/>
-          </a:p>
-        </p:txBody>
-      </p:sp>
-    </p:spTree>
-    <p:extLst>
-      <p:ext uri="{BB962C8B-B14F-4D97-AF65-F5344CB8AC3E}">
-        <p14:creationId xmlns:p14="http://schemas.microsoft.com/office/powerpoint/2010/main" val="3189302538"/>
-      </p:ext>
-    </p:extLst>
-  </p:cSld>
-  <p:clrMapOvr>
-    <a:masterClrMapping/>
-  </p:clrMapOvr>
-</p:notes>
-</file>
-
-<file path=ppt/notesSlides/notesSlide39.xml><?xml version="1.0" encoding="utf-8"?>
-<p:notes xmlns:a="http://schemas.openxmlformats.org/drawingml/2006/main" xmlns:r="http://schemas.openxmlformats.org/officeDocument/2006/relationships" xmlns:p="http://schemas.openxmlformats.org/presentationml/2006/main">
-  <p:cSld>
-    <p:spTree>
-      <p:nvGrpSpPr>
-        <p:cNvPr id="1" name=""/>
-        <p:cNvGrpSpPr/>
-        <p:nvPr/>
-      </p:nvGrpSpPr>
-      <p:grpSpPr>
-        <a:xfrm>
-          <a:off x="0" y="0"/>
-          <a:ext cx="0" cy="0"/>
-          <a:chOff x="0" y="0"/>
-          <a:chExt cx="0" cy="0"/>
-        </a:xfrm>
-      </p:grpSpPr>
-      <p:sp>
-        <p:nvSpPr>
-          <p:cNvPr id="2" name="Slide Image Placeholder 1"/>
-          <p:cNvSpPr>
-            <a:spLocks noGrp="1" noRot="1" noChangeAspect="1"/>
-          </p:cNvSpPr>
-          <p:nvPr>
-            <p:ph type="sldImg"/>
-          </p:nvPr>
-        </p:nvSpPr>
-        <p:spPr/>
-      </p:sp>
-      <p:sp>
-        <p:nvSpPr>
-          <p:cNvPr id="3" name="Notes Placeholder 2"/>
-          <p:cNvSpPr>
-            <a:spLocks noGrp="1"/>
-          </p:cNvSpPr>
-          <p:nvPr>
-            <p:ph type="body" idx="1"/>
-          </p:nvPr>
-        </p:nvSpPr>
-        <p:spPr/>
-        <p:txBody>
-          <a:bodyPr/>
-          <a:lstStyle/>
-          <a:p>
-            <a:endParaRPr lang="en-US"/>
-          </a:p>
-        </p:txBody>
-      </p:sp>
-    </p:spTree>
-    <p:extLst>
-      <p:ext uri="{BB962C8B-B14F-4D97-AF65-F5344CB8AC3E}">
-        <p14:creationId xmlns:p14="http://schemas.microsoft.com/office/powerpoint/2010/main" val="3774534132"/>
-      </p:ext>
-    </p:extLst>
-  </p:cSld>
-  <p:clrMapOvr>
-    <a:masterClrMapping/>
-  </p:clrMapOvr>
-</p:notes>
-</file>
-
-<file path=ppt/notesSlides/notesSlide4.xml><?xml version="1.0" encoding="utf-8"?>
-<p:notes xmlns:a="http://schemas.openxmlformats.org/drawingml/2006/main" xmlns:r="http://schemas.openxmlformats.org/officeDocument/2006/relationships" xmlns:p="http://schemas.openxmlformats.org/presentationml/2006/main" showMasterSp="0" showMasterPhAnim="0">
-  <p:cSld>
-    <p:spTree>
-      <p:nvGrpSpPr>
-        <p:cNvPr id="1" name="Shape 58"/>
-        <p:cNvGrpSpPr/>
-        <p:nvPr/>
-      </p:nvGrpSpPr>
-      <p:grpSpPr>
-        <a:xfrm>
-          <a:off x="0" y="0"/>
-          <a:ext cx="0" cy="0"/>
-          <a:chOff x="0" y="0"/>
-          <a:chExt cx="0" cy="0"/>
-        </a:xfrm>
-      </p:grpSpPr>
-      <p:sp>
-        <p:nvSpPr>
-          <p:cNvPr id="59" name="Google Shape;59;p10:notes"/>
           <p:cNvSpPr>
             <a:spLocks noGrp="1" noRot="1" noChangeAspect="1"/>
           </p:cNvSpPr>
@@ -5098,7 +4310,7 @@
       </p:sp>
       <p:sp>
         <p:nvSpPr>
-          <p:cNvPr id="60" name="Google Shape;60;p10:notes"/>
+          <p:cNvPr id="243" name="Google Shape;243;g5a0274641_0_6:notes"/>
           <p:cNvSpPr txBox="1">
             <a:spLocks noGrp="1"/>
           </p:cNvSpPr>
@@ -5154,12 +4366,12 @@
 </p:notes>
 </file>
 
-<file path=ppt/notesSlides/notesSlide40.xml><?xml version="1.0" encoding="utf-8"?>
-<p:notes xmlns:a="http://schemas.openxmlformats.org/drawingml/2006/main" xmlns:r="http://schemas.openxmlformats.org/officeDocument/2006/relationships" xmlns:p="http://schemas.openxmlformats.org/presentationml/2006/main">
+<file path=ppt/notesSlides/notesSlide33.xml><?xml version="1.0" encoding="utf-8"?>
+<p:notes xmlns:a="http://schemas.openxmlformats.org/drawingml/2006/main" xmlns:r="http://schemas.openxmlformats.org/officeDocument/2006/relationships" xmlns:p="http://schemas.openxmlformats.org/presentationml/2006/main" showMasterSp="0" showMasterPhAnim="0">
   <p:cSld>
     <p:spTree>
       <p:nvGrpSpPr>
-        <p:cNvPr id="1" name=""/>
+        <p:cNvPr id="1" name="Shape 248"/>
         <p:cNvGrpSpPr/>
         <p:nvPr/>
       </p:nvGrpSpPr>
@@ -5173,41 +4385,84 @@
       </p:grpSpPr>
       <p:sp>
         <p:nvSpPr>
-          <p:cNvPr id="2" name="Slide Image Placeholder 1"/>
+          <p:cNvPr id="249" name="Google Shape;249;g5a0274641_0_12:notes"/>
           <p:cNvSpPr>
             <a:spLocks noGrp="1" noRot="1" noChangeAspect="1"/>
           </p:cNvSpPr>
           <p:nvPr>
-            <p:ph type="sldImg"/>
+            <p:ph type="sldImg" idx="2"/>
           </p:nvPr>
         </p:nvSpPr>
-        <p:spPr/>
-      </p:sp>
-      <p:sp>
-        <p:nvSpPr>
-          <p:cNvPr id="3" name="Notes Placeholder 2"/>
-          <p:cNvSpPr>
+        <p:spPr>
+          <a:xfrm>
+            <a:off x="381000" y="685800"/>
+            <a:ext cx="6096000" cy="3429000"/>
+          </a:xfrm>
+          <a:custGeom>
+            <a:avLst/>
+            <a:gdLst/>
+            <a:ahLst/>
+            <a:cxnLst/>
+            <a:rect l="l" t="t" r="r" b="b"/>
+            <a:pathLst>
+              <a:path w="120000" h="120000" extrusionOk="0">
+                <a:moveTo>
+                  <a:pt x="0" y="0"/>
+                </a:moveTo>
+                <a:lnTo>
+                  <a:pt x="120000" y="0"/>
+                </a:lnTo>
+                <a:lnTo>
+                  <a:pt x="120000" y="120000"/>
+                </a:lnTo>
+                <a:lnTo>
+                  <a:pt x="0" y="120000"/>
+                </a:lnTo>
+                <a:close/>
+              </a:path>
+            </a:pathLst>
+          </a:custGeom>
+        </p:spPr>
+      </p:sp>
+      <p:sp>
+        <p:nvSpPr>
+          <p:cNvPr id="250" name="Google Shape;250;g5a0274641_0_12:notes"/>
+          <p:cNvSpPr txBox="1">
             <a:spLocks noGrp="1"/>
           </p:cNvSpPr>
           <p:nvPr>
             <p:ph type="body" idx="1"/>
           </p:nvPr>
         </p:nvSpPr>
-        <p:spPr/>
+        <p:spPr>
+          <a:xfrm>
+            <a:off x="685800" y="4343400"/>
+            <a:ext cx="5486400" cy="4114800"/>
+          </a:xfrm>
+          <a:prstGeom prst="rect">
+            <a:avLst/>
+          </a:prstGeom>
+        </p:spPr>
         <p:txBody>
-          <a:bodyPr/>
+          <a:bodyPr spcFirstLastPara="1" wrap="square" lIns="91425" tIns="91425" rIns="91425" bIns="91425" anchor="t" anchorCtr="0">
+            <a:noAutofit/>
+          </a:bodyPr>
           <a:lstStyle/>
           <a:p>
-            <a:endParaRPr lang="en-US"/>
+            <a:pPr marL="0" lvl="0" indent="0" algn="l" rtl="0">
+              <a:spcBef>
+                <a:spcPts val="360"/>
+              </a:spcBef>
+              <a:spcAft>
+                <a:spcPts val="0"/>
+              </a:spcAft>
+              <a:buNone/>
+            </a:pPr>
+            <a:endParaRPr/>
           </a:p>
         </p:txBody>
       </p:sp>
     </p:spTree>
-    <p:extLst>
-      <p:ext uri="{BB962C8B-B14F-4D97-AF65-F5344CB8AC3E}">
-        <p14:creationId xmlns:p14="http://schemas.microsoft.com/office/powerpoint/2010/main" val="3462584054"/>
-      </p:ext>
-    </p:extLst>
   </p:cSld>
   <p:clrMapOvr>
     <a:masterClrMapping/>
@@ -5215,12 +4470,12 @@
 </p:notes>
 </file>
 
-<file path=ppt/notesSlides/notesSlide41.xml><?xml version="1.0" encoding="utf-8"?>
-<p:notes xmlns:a="http://schemas.openxmlformats.org/drawingml/2006/main" xmlns:r="http://schemas.openxmlformats.org/officeDocument/2006/relationships" xmlns:p="http://schemas.openxmlformats.org/presentationml/2006/main">
+<file path=ppt/notesSlides/notesSlide34.xml><?xml version="1.0" encoding="utf-8"?>
+<p:notes xmlns:a="http://schemas.openxmlformats.org/drawingml/2006/main" xmlns:r="http://schemas.openxmlformats.org/officeDocument/2006/relationships" xmlns:p="http://schemas.openxmlformats.org/presentationml/2006/main" showMasterSp="0" showMasterPhAnim="0">
   <p:cSld>
     <p:spTree>
       <p:nvGrpSpPr>
-        <p:cNvPr id="1" name=""/>
+        <p:cNvPr id="1" name="Shape 254"/>
         <p:cNvGrpSpPr/>
         <p:nvPr/>
       </p:nvGrpSpPr>
@@ -5234,792 +4489,7 @@
       </p:grpSpPr>
       <p:sp>
         <p:nvSpPr>
-          <p:cNvPr id="2" name="Slide Image Placeholder 1"/>
-          <p:cNvSpPr>
-            <a:spLocks noGrp="1" noRot="1" noChangeAspect="1"/>
-          </p:cNvSpPr>
-          <p:nvPr>
-            <p:ph type="sldImg"/>
-          </p:nvPr>
-        </p:nvSpPr>
-        <p:spPr/>
-      </p:sp>
-      <p:sp>
-        <p:nvSpPr>
-          <p:cNvPr id="3" name="Notes Placeholder 2"/>
-          <p:cNvSpPr>
-            <a:spLocks noGrp="1"/>
-          </p:cNvSpPr>
-          <p:nvPr>
-            <p:ph type="body" idx="1"/>
-          </p:nvPr>
-        </p:nvSpPr>
-        <p:spPr/>
-        <p:txBody>
-          <a:bodyPr/>
-          <a:lstStyle/>
-          <a:p>
-            <a:endParaRPr lang="en-US"/>
-          </a:p>
-        </p:txBody>
-      </p:sp>
-    </p:spTree>
-    <p:extLst>
-      <p:ext uri="{BB962C8B-B14F-4D97-AF65-F5344CB8AC3E}">
-        <p14:creationId xmlns:p14="http://schemas.microsoft.com/office/powerpoint/2010/main" val="2392903266"/>
-      </p:ext>
-    </p:extLst>
-  </p:cSld>
-  <p:clrMapOvr>
-    <a:masterClrMapping/>
-  </p:clrMapOvr>
-</p:notes>
-</file>
-
-<file path=ppt/notesSlides/notesSlide42.xml><?xml version="1.0" encoding="utf-8"?>
-<p:notes xmlns:a="http://schemas.openxmlformats.org/drawingml/2006/main" xmlns:r="http://schemas.openxmlformats.org/officeDocument/2006/relationships" xmlns:p="http://schemas.openxmlformats.org/presentationml/2006/main">
-  <p:cSld>
-    <p:bg>
-      <p:bgPr>
-        <a:solidFill>
-          <a:srgbClr val="FFFFFF"/>
-        </a:solidFill>
-        <a:effectLst/>
-      </p:bgPr>
-    </p:bg>
-    <p:spTree>
-      <p:nvGrpSpPr>
-        <p:cNvPr id="1" name=""/>
-        <p:cNvGrpSpPr/>
-        <p:nvPr/>
-      </p:nvGrpSpPr>
-      <p:grpSpPr>
-        <a:xfrm>
-          <a:off x="0" y="0"/>
-          <a:ext cx="0" cy="0"/>
-          <a:chOff x="0" y="0"/>
-          <a:chExt cx="0" cy="0"/>
-        </a:xfrm>
-      </p:grpSpPr>
-      <p:sp>
-        <p:nvSpPr>
-          <p:cNvPr id="88066" name="Rectangle 2"/>
-          <p:cNvSpPr>
-            <a:spLocks noGrp="1" noRot="1" noChangeAspect="1" noChangeArrowheads="1" noTextEdit="1"/>
-          </p:cNvSpPr>
-          <p:nvPr>
-            <p:ph type="sldImg"/>
-          </p:nvPr>
-        </p:nvSpPr>
-        <p:spPr>
-          <a:xfrm>
-            <a:off x="1260475" y="720725"/>
-            <a:ext cx="4800600" cy="3600450"/>
-          </a:xfrm>
-          <a:solidFill>
-            <a:srgbClr val="FFFFFF"/>
-          </a:solidFill>
-          <a:ln/>
-        </p:spPr>
-      </p:sp>
-      <p:sp>
-        <p:nvSpPr>
-          <p:cNvPr id="88067" name="Rectangle 3"/>
-          <p:cNvSpPr>
-            <a:spLocks noGrp="1" noChangeArrowheads="1"/>
-          </p:cNvSpPr>
-          <p:nvPr>
-            <p:ph type="body" idx="1"/>
-          </p:nvPr>
-        </p:nvSpPr>
-        <p:spPr>
-          <a:xfrm>
-            <a:off x="973138" y="4562475"/>
-            <a:ext cx="5368925" cy="4319588"/>
-          </a:xfrm>
-          <a:noFill/>
-          <a:ln/>
-          <a:extLst>
-            <a:ext uri="{909E8E84-426E-40DD-AFC4-6F175D3DCCD1}">
-              <a14:hiddenFill xmlns:a14="http://schemas.microsoft.com/office/drawing/2010/main">
-                <a:solidFill>
-                  <a:srgbClr val="FFFFFF"/>
-                </a:solidFill>
-              </a14:hiddenFill>
-            </a:ext>
-            <a:ext uri="{91240B29-F687-4F45-9708-019B960494DF}">
-              <a14:hiddenLine xmlns:a14="http://schemas.microsoft.com/office/drawing/2010/main" w="9525">
-                <a:solidFill>
-                  <a:srgbClr val="000000"/>
-                </a:solidFill>
-                <a:miter lim="800000"/>
-                <a:headEnd/>
-                <a:tailEnd/>
-              </a14:hiddenLine>
-            </a:ext>
-          </a:extLst>
-        </p:spPr>
-        <p:txBody>
-          <a:bodyPr wrap="none" lIns="95458" tIns="47728" rIns="95458" bIns="47728" anchor="ctr"/>
-          <a:lstStyle/>
-          <a:p>
-            <a:pPr eaLnBrk="1" hangingPunct="1"/>
-            <a:endParaRPr lang="en-US" dirty="0"/>
-          </a:p>
-        </p:txBody>
-      </p:sp>
-    </p:spTree>
-    <p:extLst>
-      <p:ext uri="{BB962C8B-B14F-4D97-AF65-F5344CB8AC3E}">
-        <p14:creationId xmlns:p14="http://schemas.microsoft.com/office/powerpoint/2010/main" val="2117534009"/>
-      </p:ext>
-    </p:extLst>
-  </p:cSld>
-  <p:clrMapOvr>
-    <a:masterClrMapping/>
-  </p:clrMapOvr>
-</p:notes>
-</file>
-
-<file path=ppt/notesSlides/notesSlide43.xml><?xml version="1.0" encoding="utf-8"?>
-<p:notes xmlns:a="http://schemas.openxmlformats.org/drawingml/2006/main" xmlns:r="http://schemas.openxmlformats.org/officeDocument/2006/relationships" xmlns:p="http://schemas.openxmlformats.org/presentationml/2006/main">
-  <p:cSld>
-    <p:spTree>
-      <p:nvGrpSpPr>
-        <p:cNvPr id="1" name=""/>
-        <p:cNvGrpSpPr/>
-        <p:nvPr/>
-      </p:nvGrpSpPr>
-      <p:grpSpPr>
-        <a:xfrm>
-          <a:off x="0" y="0"/>
-          <a:ext cx="0" cy="0"/>
-          <a:chOff x="0" y="0"/>
-          <a:chExt cx="0" cy="0"/>
-        </a:xfrm>
-      </p:grpSpPr>
-      <p:sp>
-        <p:nvSpPr>
-          <p:cNvPr id="2" name="Slide Image Placeholder 1"/>
-          <p:cNvSpPr>
-            <a:spLocks noGrp="1" noRot="1" noChangeAspect="1"/>
-          </p:cNvSpPr>
-          <p:nvPr>
-            <p:ph type="sldImg"/>
-          </p:nvPr>
-        </p:nvSpPr>
-        <p:spPr/>
-      </p:sp>
-      <p:sp>
-        <p:nvSpPr>
-          <p:cNvPr id="3" name="Notes Placeholder 2"/>
-          <p:cNvSpPr>
-            <a:spLocks noGrp="1"/>
-          </p:cNvSpPr>
-          <p:nvPr>
-            <p:ph type="body" idx="1"/>
-          </p:nvPr>
-        </p:nvSpPr>
-        <p:spPr/>
-        <p:txBody>
-          <a:bodyPr/>
-          <a:lstStyle/>
-          <a:p>
-            <a:endParaRPr lang="en-US"/>
-          </a:p>
-        </p:txBody>
-      </p:sp>
-    </p:spTree>
-    <p:extLst>
-      <p:ext uri="{BB962C8B-B14F-4D97-AF65-F5344CB8AC3E}">
-        <p14:creationId xmlns:p14="http://schemas.microsoft.com/office/powerpoint/2010/main" val="1443879862"/>
-      </p:ext>
-    </p:extLst>
-  </p:cSld>
-  <p:clrMapOvr>
-    <a:masterClrMapping/>
-  </p:clrMapOvr>
-</p:notes>
-</file>
-
-<file path=ppt/notesSlides/notesSlide44.xml><?xml version="1.0" encoding="utf-8"?>
-<p:notes xmlns:a="http://schemas.openxmlformats.org/drawingml/2006/main" xmlns:r="http://schemas.openxmlformats.org/officeDocument/2006/relationships" xmlns:p="http://schemas.openxmlformats.org/presentationml/2006/main">
-  <p:cSld>
-    <p:spTree>
-      <p:nvGrpSpPr>
-        <p:cNvPr id="1" name=""/>
-        <p:cNvGrpSpPr/>
-        <p:nvPr/>
-      </p:nvGrpSpPr>
-      <p:grpSpPr>
-        <a:xfrm>
-          <a:off x="0" y="0"/>
-          <a:ext cx="0" cy="0"/>
-          <a:chOff x="0" y="0"/>
-          <a:chExt cx="0" cy="0"/>
-        </a:xfrm>
-      </p:grpSpPr>
-      <p:sp>
-        <p:nvSpPr>
-          <p:cNvPr id="2" name="Slide Image Placeholder 1"/>
-          <p:cNvSpPr>
-            <a:spLocks noGrp="1" noRot="1" noChangeAspect="1"/>
-          </p:cNvSpPr>
-          <p:nvPr>
-            <p:ph type="sldImg"/>
-          </p:nvPr>
-        </p:nvSpPr>
-        <p:spPr/>
-      </p:sp>
-      <p:sp>
-        <p:nvSpPr>
-          <p:cNvPr id="3" name="Notes Placeholder 2"/>
-          <p:cNvSpPr>
-            <a:spLocks noGrp="1"/>
-          </p:cNvSpPr>
-          <p:nvPr>
-            <p:ph type="body" idx="1"/>
-          </p:nvPr>
-        </p:nvSpPr>
-        <p:spPr/>
-        <p:txBody>
-          <a:bodyPr/>
-          <a:lstStyle/>
-          <a:p>
-            <a:endParaRPr lang="en-US"/>
-          </a:p>
-        </p:txBody>
-      </p:sp>
-    </p:spTree>
-    <p:extLst>
-      <p:ext uri="{BB962C8B-B14F-4D97-AF65-F5344CB8AC3E}">
-        <p14:creationId xmlns:p14="http://schemas.microsoft.com/office/powerpoint/2010/main" val="407689751"/>
-      </p:ext>
-    </p:extLst>
-  </p:cSld>
-  <p:clrMapOvr>
-    <a:masterClrMapping/>
-  </p:clrMapOvr>
-</p:notes>
-</file>
-
-<file path=ppt/notesSlides/notesSlide45.xml><?xml version="1.0" encoding="utf-8"?>
-<p:notes xmlns:a="http://schemas.openxmlformats.org/drawingml/2006/main" xmlns:r="http://schemas.openxmlformats.org/officeDocument/2006/relationships" xmlns:p="http://schemas.openxmlformats.org/presentationml/2006/main">
-  <p:cSld>
-    <p:spTree>
-      <p:nvGrpSpPr>
-        <p:cNvPr id="1" name=""/>
-        <p:cNvGrpSpPr/>
-        <p:nvPr/>
-      </p:nvGrpSpPr>
-      <p:grpSpPr>
-        <a:xfrm>
-          <a:off x="0" y="0"/>
-          <a:ext cx="0" cy="0"/>
-          <a:chOff x="0" y="0"/>
-          <a:chExt cx="0" cy="0"/>
-        </a:xfrm>
-      </p:grpSpPr>
-      <p:sp>
-        <p:nvSpPr>
-          <p:cNvPr id="2" name="Slide Image Placeholder 1"/>
-          <p:cNvSpPr>
-            <a:spLocks noGrp="1" noRot="1" noChangeAspect="1"/>
-          </p:cNvSpPr>
-          <p:nvPr>
-            <p:ph type="sldImg"/>
-          </p:nvPr>
-        </p:nvSpPr>
-        <p:spPr/>
-      </p:sp>
-      <p:sp>
-        <p:nvSpPr>
-          <p:cNvPr id="3" name="Notes Placeholder 2"/>
-          <p:cNvSpPr>
-            <a:spLocks noGrp="1"/>
-          </p:cNvSpPr>
-          <p:nvPr>
-            <p:ph type="body" idx="1"/>
-          </p:nvPr>
-        </p:nvSpPr>
-        <p:spPr/>
-        <p:txBody>
-          <a:bodyPr/>
-          <a:lstStyle/>
-          <a:p>
-            <a:endParaRPr lang="en-US"/>
-          </a:p>
-        </p:txBody>
-      </p:sp>
-    </p:spTree>
-    <p:extLst>
-      <p:ext uri="{BB962C8B-B14F-4D97-AF65-F5344CB8AC3E}">
-        <p14:creationId xmlns:p14="http://schemas.microsoft.com/office/powerpoint/2010/main" val="3739929503"/>
-      </p:ext>
-    </p:extLst>
-  </p:cSld>
-  <p:clrMapOvr>
-    <a:masterClrMapping/>
-  </p:clrMapOvr>
-</p:notes>
-</file>
-
-<file path=ppt/notesSlides/notesSlide46.xml><?xml version="1.0" encoding="utf-8"?>
-<p:notes xmlns:a="http://schemas.openxmlformats.org/drawingml/2006/main" xmlns:r="http://schemas.openxmlformats.org/officeDocument/2006/relationships" xmlns:p="http://schemas.openxmlformats.org/presentationml/2006/main">
-  <p:cSld>
-    <p:spTree>
-      <p:nvGrpSpPr>
-        <p:cNvPr id="1" name=""/>
-        <p:cNvGrpSpPr/>
-        <p:nvPr/>
-      </p:nvGrpSpPr>
-      <p:grpSpPr>
-        <a:xfrm>
-          <a:off x="0" y="0"/>
-          <a:ext cx="0" cy="0"/>
-          <a:chOff x="0" y="0"/>
-          <a:chExt cx="0" cy="0"/>
-        </a:xfrm>
-      </p:grpSpPr>
-      <p:sp>
-        <p:nvSpPr>
-          <p:cNvPr id="2" name="Slide Image Placeholder 1"/>
-          <p:cNvSpPr>
-            <a:spLocks noGrp="1" noRot="1" noChangeAspect="1"/>
-          </p:cNvSpPr>
-          <p:nvPr>
-            <p:ph type="sldImg"/>
-          </p:nvPr>
-        </p:nvSpPr>
-        <p:spPr/>
-      </p:sp>
-      <p:sp>
-        <p:nvSpPr>
-          <p:cNvPr id="3" name="Notes Placeholder 2"/>
-          <p:cNvSpPr>
-            <a:spLocks noGrp="1"/>
-          </p:cNvSpPr>
-          <p:nvPr>
-            <p:ph type="body" idx="1"/>
-          </p:nvPr>
-        </p:nvSpPr>
-        <p:spPr/>
-        <p:txBody>
-          <a:bodyPr/>
-          <a:lstStyle/>
-          <a:p>
-            <a:endParaRPr lang="en-US"/>
-          </a:p>
-        </p:txBody>
-      </p:sp>
-    </p:spTree>
-    <p:extLst>
-      <p:ext uri="{BB962C8B-B14F-4D97-AF65-F5344CB8AC3E}">
-        <p14:creationId xmlns:p14="http://schemas.microsoft.com/office/powerpoint/2010/main" val="2438042890"/>
-      </p:ext>
-    </p:extLst>
-  </p:cSld>
-  <p:clrMapOvr>
-    <a:masterClrMapping/>
-  </p:clrMapOvr>
-</p:notes>
-</file>
-
-<file path=ppt/notesSlides/notesSlide47.xml><?xml version="1.0" encoding="utf-8"?>
-<p:notes xmlns:a="http://schemas.openxmlformats.org/drawingml/2006/main" xmlns:r="http://schemas.openxmlformats.org/officeDocument/2006/relationships" xmlns:p="http://schemas.openxmlformats.org/presentationml/2006/main">
-  <p:cSld>
-    <p:spTree>
-      <p:nvGrpSpPr>
-        <p:cNvPr id="1" name=""/>
-        <p:cNvGrpSpPr/>
-        <p:nvPr/>
-      </p:nvGrpSpPr>
-      <p:grpSpPr>
-        <a:xfrm>
-          <a:off x="0" y="0"/>
-          <a:ext cx="0" cy="0"/>
-          <a:chOff x="0" y="0"/>
-          <a:chExt cx="0" cy="0"/>
-        </a:xfrm>
-      </p:grpSpPr>
-      <p:sp>
-        <p:nvSpPr>
-          <p:cNvPr id="2" name="Slide Image Placeholder 1"/>
-          <p:cNvSpPr>
-            <a:spLocks noGrp="1" noRot="1" noChangeAspect="1"/>
-          </p:cNvSpPr>
-          <p:nvPr>
-            <p:ph type="sldImg"/>
-          </p:nvPr>
-        </p:nvSpPr>
-        <p:spPr/>
-      </p:sp>
-      <p:sp>
-        <p:nvSpPr>
-          <p:cNvPr id="3" name="Notes Placeholder 2"/>
-          <p:cNvSpPr>
-            <a:spLocks noGrp="1"/>
-          </p:cNvSpPr>
-          <p:nvPr>
-            <p:ph type="body" idx="1"/>
-          </p:nvPr>
-        </p:nvSpPr>
-        <p:spPr/>
-        <p:txBody>
-          <a:bodyPr/>
-          <a:lstStyle/>
-          <a:p>
-            <a:endParaRPr lang="en-US"/>
-          </a:p>
-        </p:txBody>
-      </p:sp>
-    </p:spTree>
-    <p:extLst>
-      <p:ext uri="{BB962C8B-B14F-4D97-AF65-F5344CB8AC3E}">
-        <p14:creationId xmlns:p14="http://schemas.microsoft.com/office/powerpoint/2010/main" val="2656801477"/>
-      </p:ext>
-    </p:extLst>
-  </p:cSld>
-  <p:clrMapOvr>
-    <a:masterClrMapping/>
-  </p:clrMapOvr>
-</p:notes>
-</file>
-
-<file path=ppt/notesSlides/notesSlide48.xml><?xml version="1.0" encoding="utf-8"?>
-<p:notes xmlns:a="http://schemas.openxmlformats.org/drawingml/2006/main" xmlns:r="http://schemas.openxmlformats.org/officeDocument/2006/relationships" xmlns:p="http://schemas.openxmlformats.org/presentationml/2006/main">
-  <p:cSld>
-    <p:bg>
-      <p:bgPr>
-        <a:solidFill>
-          <a:srgbClr val="FFFFFF"/>
-        </a:solidFill>
-        <a:effectLst/>
-      </p:bgPr>
-    </p:bg>
-    <p:spTree>
-      <p:nvGrpSpPr>
-        <p:cNvPr id="1" name=""/>
-        <p:cNvGrpSpPr/>
-        <p:nvPr/>
-      </p:nvGrpSpPr>
-      <p:grpSpPr>
-        <a:xfrm>
-          <a:off x="0" y="0"/>
-          <a:ext cx="0" cy="0"/>
-          <a:chOff x="0" y="0"/>
-          <a:chExt cx="0" cy="0"/>
-        </a:xfrm>
-      </p:grpSpPr>
-      <p:sp>
-        <p:nvSpPr>
-          <p:cNvPr id="88066" name="Rectangle 2"/>
-          <p:cNvSpPr>
-            <a:spLocks noGrp="1" noRot="1" noChangeAspect="1" noChangeArrowheads="1" noTextEdit="1"/>
-          </p:cNvSpPr>
-          <p:nvPr>
-            <p:ph type="sldImg"/>
-          </p:nvPr>
-        </p:nvSpPr>
-        <p:spPr>
-          <a:xfrm>
-            <a:off x="1260475" y="720725"/>
-            <a:ext cx="4800600" cy="3600450"/>
-          </a:xfrm>
-          <a:solidFill>
-            <a:srgbClr val="FFFFFF"/>
-          </a:solidFill>
-          <a:ln/>
-        </p:spPr>
-      </p:sp>
-      <p:sp>
-        <p:nvSpPr>
-          <p:cNvPr id="88067" name="Rectangle 3"/>
-          <p:cNvSpPr>
-            <a:spLocks noGrp="1" noChangeArrowheads="1"/>
-          </p:cNvSpPr>
-          <p:nvPr>
-            <p:ph type="body" idx="1"/>
-          </p:nvPr>
-        </p:nvSpPr>
-        <p:spPr>
-          <a:xfrm>
-            <a:off x="973138" y="4562475"/>
-            <a:ext cx="5368925" cy="4319588"/>
-          </a:xfrm>
-          <a:noFill/>
-          <a:ln/>
-          <a:extLst>
-            <a:ext uri="{909E8E84-426E-40DD-AFC4-6F175D3DCCD1}">
-              <a14:hiddenFill xmlns:a14="http://schemas.microsoft.com/office/drawing/2010/main">
-                <a:solidFill>
-                  <a:srgbClr val="FFFFFF"/>
-                </a:solidFill>
-              </a14:hiddenFill>
-            </a:ext>
-            <a:ext uri="{91240B29-F687-4F45-9708-019B960494DF}">
-              <a14:hiddenLine xmlns:a14="http://schemas.microsoft.com/office/drawing/2010/main" w="9525">
-                <a:solidFill>
-                  <a:srgbClr val="000000"/>
-                </a:solidFill>
-                <a:miter lim="800000"/>
-                <a:headEnd/>
-                <a:tailEnd/>
-              </a14:hiddenLine>
-            </a:ext>
-          </a:extLst>
-        </p:spPr>
-        <p:txBody>
-          <a:bodyPr wrap="none" lIns="95458" tIns="47728" rIns="95458" bIns="47728" anchor="ctr"/>
-          <a:lstStyle/>
-          <a:p>
-            <a:pPr eaLnBrk="1" hangingPunct="1"/>
-            <a:endParaRPr lang="en-US" dirty="0"/>
-          </a:p>
-        </p:txBody>
-      </p:sp>
-    </p:spTree>
-    <p:extLst>
-      <p:ext uri="{BB962C8B-B14F-4D97-AF65-F5344CB8AC3E}">
-        <p14:creationId xmlns:p14="http://schemas.microsoft.com/office/powerpoint/2010/main" val="2239175053"/>
-      </p:ext>
-    </p:extLst>
-  </p:cSld>
-  <p:clrMapOvr>
-    <a:masterClrMapping/>
-  </p:clrMapOvr>
-</p:notes>
-</file>
-
-<file path=ppt/notesSlides/notesSlide49.xml><?xml version="1.0" encoding="utf-8"?>
-<p:notes xmlns:a="http://schemas.openxmlformats.org/drawingml/2006/main" xmlns:r="http://schemas.openxmlformats.org/officeDocument/2006/relationships" xmlns:p="http://schemas.openxmlformats.org/presentationml/2006/main">
-  <p:cSld>
-    <p:spTree>
-      <p:nvGrpSpPr>
-        <p:cNvPr id="1" name=""/>
-        <p:cNvGrpSpPr/>
-        <p:nvPr/>
-      </p:nvGrpSpPr>
-      <p:grpSpPr>
-        <a:xfrm>
-          <a:off x="0" y="0"/>
-          <a:ext cx="0" cy="0"/>
-          <a:chOff x="0" y="0"/>
-          <a:chExt cx="0" cy="0"/>
-        </a:xfrm>
-      </p:grpSpPr>
-      <p:sp>
-        <p:nvSpPr>
-          <p:cNvPr id="40962" name="Rectangle 2"/>
-          <p:cNvSpPr>
-            <a:spLocks noGrp="1" noRot="1" noChangeAspect="1" noChangeArrowheads="1" noTextEdit="1"/>
-          </p:cNvSpPr>
-          <p:nvPr>
-            <p:ph type="sldImg"/>
-          </p:nvPr>
-        </p:nvSpPr>
-        <p:spPr>
-          <a:xfrm>
-            <a:off x="409575" y="701675"/>
-            <a:ext cx="6235700" cy="3508375"/>
-          </a:xfrm>
-          <a:ln/>
-        </p:spPr>
-      </p:sp>
-      <p:sp>
-        <p:nvSpPr>
-          <p:cNvPr id="40963" name="Rectangle 3"/>
-          <p:cNvSpPr>
-            <a:spLocks noGrp="1" noChangeArrowheads="1"/>
-          </p:cNvSpPr>
-          <p:nvPr>
-            <p:ph type="body" idx="1"/>
-          </p:nvPr>
-        </p:nvSpPr>
-        <p:spPr>
-          <a:noFill/>
-        </p:spPr>
-        <p:txBody>
-          <a:bodyPr/>
-          <a:lstStyle/>
-          <a:p>
-            <a:pPr eaLnBrk="1" hangingPunct="1"/>
-            <a:r>
-              <a:rPr lang="en-US" dirty="0"/>
-              <a:t>Does not scale</a:t>
-            </a:r>
-          </a:p>
-        </p:txBody>
-      </p:sp>
-      <p:sp>
-        <p:nvSpPr>
-          <p:cNvPr id="4" name="Header Placeholder 3"/>
-          <p:cNvSpPr>
-            <a:spLocks noGrp="1"/>
-          </p:cNvSpPr>
-          <p:nvPr>
-            <p:ph type="hdr" sz="quarter"/>
-          </p:nvPr>
-        </p:nvSpPr>
-        <p:spPr>
-          <a:xfrm>
-            <a:off x="3862388" y="174625"/>
-            <a:ext cx="3063875" cy="468313"/>
-          </a:xfrm>
-          <a:prstGeom prst="rect">
-            <a:avLst/>
-          </a:prstGeom>
-        </p:spPr>
-        <p:txBody>
-          <a:bodyPr/>
-          <a:lstStyle/>
-          <a:p>
-            <a:pPr>
-              <a:defRPr/>
-            </a:pPr>
-            <a:r>
-              <a:rPr lang="en-US" dirty="0"/>
-              <a:t>INSTRUCTOR GUIDE</a:t>
-            </a:r>
-          </a:p>
-        </p:txBody>
-      </p:sp>
-      <p:sp>
-        <p:nvSpPr>
-          <p:cNvPr id="5" name="Footer Placeholder 5"/>
-          <p:cNvSpPr>
-            <a:spLocks noGrp="1"/>
-          </p:cNvSpPr>
-          <p:nvPr>
-            <p:ph type="ftr" sz="quarter" idx="4"/>
-          </p:nvPr>
-        </p:nvSpPr>
-        <p:spPr>
-          <a:xfrm>
-            <a:off x="172906" y="8989949"/>
-            <a:ext cx="3891094" cy="341376"/>
-          </a:xfrm>
-          <a:prstGeom prst="rect">
-            <a:avLst/>
-          </a:prstGeom>
-        </p:spPr>
-        <p:txBody>
-          <a:bodyPr vert="horz" lIns="91440" tIns="45720" rIns="91440" bIns="45720" rtlCol="0" anchor="b"/>
-          <a:lstStyle>
-            <a:lvl1pPr algn="l">
-              <a:defRPr sz="1200">
-                <a:latin typeface="Tahoma" pitchFamily="34" charset="0"/>
-                <a:ea typeface="Tahoma" pitchFamily="34" charset="0"/>
-                <a:cs typeface="Tahoma" pitchFamily="34" charset="0"/>
-              </a:defRPr>
-            </a:lvl1pPr>
-          </a:lstStyle>
-          <a:p>
-            <a:pPr>
-              <a:tabLst>
-                <a:tab pos="3657600" algn="r"/>
-              </a:tabLst>
-            </a:pPr>
-            <a:r>
-              <a:rPr lang="en-US" dirty="0">
-                <a:solidFill>
-                  <a:schemeClr val="tx1"/>
-                </a:solidFill>
-              </a:rPr>
-              <a:t>472: Java Best Practices and Design Patterns</a:t>
-            </a:r>
-          </a:p>
-        </p:txBody>
-      </p:sp>
-      <p:sp>
-        <p:nvSpPr>
-          <p:cNvPr id="6" name="Slide Number Placeholder 6"/>
-          <p:cNvSpPr>
-            <a:spLocks noGrp="1"/>
-          </p:cNvSpPr>
-          <p:nvPr>
-            <p:ph type="sldNum" sz="quarter" idx="5"/>
-          </p:nvPr>
-        </p:nvSpPr>
-        <p:spPr>
-          <a:xfrm>
-            <a:off x="5638800" y="8977249"/>
-            <a:ext cx="1298563" cy="341376"/>
-          </a:xfrm>
-          <a:prstGeom prst="rect">
-            <a:avLst/>
-          </a:prstGeom>
-        </p:spPr>
-        <p:txBody>
-          <a:bodyPr vert="horz" lIns="91440" tIns="45720" rIns="91440" bIns="45720" rtlCol="0" anchor="b"/>
-          <a:lstStyle>
-            <a:lvl1pPr algn="r" defTabSz="938213" eaLnBrk="1" hangingPunct="1">
-              <a:defRPr sz="1200">
-                <a:latin typeface="Tahoma" pitchFamily="34" charset="0"/>
-                <a:ea typeface="Tahoma" pitchFamily="34" charset="0"/>
-                <a:cs typeface="Tahoma" pitchFamily="34" charset="0"/>
-              </a:defRPr>
-            </a:lvl1pPr>
-          </a:lstStyle>
-          <a:p>
-            <a:r>
-              <a:rPr lang="en-US" dirty="0">
-                <a:solidFill>
-                  <a:schemeClr val="tx1"/>
-                </a:solidFill>
-              </a:rPr>
-              <a:t>Chapter 4-</a:t>
-            </a:r>
-            <a:fld id="{97BFBC74-E758-44AA-8094-34AE1447602B}" type="slidenum">
-              <a:rPr lang="en-US" smtClean="0">
-                <a:solidFill>
-                  <a:schemeClr val="tx1"/>
-                </a:solidFill>
-              </a:rPr>
-              <a:pPr/>
-              <a:t>50</a:t>
-            </a:fld>
-            <a:endParaRPr lang="en-US" dirty="0">
-              <a:solidFill>
-                <a:schemeClr val="tx1"/>
-              </a:solidFill>
-            </a:endParaRPr>
-          </a:p>
-        </p:txBody>
-      </p:sp>
-    </p:spTree>
-    <p:extLst>
-      <p:ext uri="{BB962C8B-B14F-4D97-AF65-F5344CB8AC3E}">
-        <p14:creationId xmlns:p14="http://schemas.microsoft.com/office/powerpoint/2010/main" val="1600181913"/>
-      </p:ext>
-    </p:extLst>
-  </p:cSld>
-  <p:clrMapOvr>
-    <a:masterClrMapping/>
-  </p:clrMapOvr>
-</p:notes>
-</file>
-
-<file path=ppt/notesSlides/notesSlide5.xml><?xml version="1.0" encoding="utf-8"?>
-<p:notes xmlns:a="http://schemas.openxmlformats.org/drawingml/2006/main" xmlns:r="http://schemas.openxmlformats.org/officeDocument/2006/relationships" xmlns:p="http://schemas.openxmlformats.org/presentationml/2006/main" showMasterSp="0" showMasterPhAnim="0">
-  <p:cSld>
-    <p:spTree>
-      <p:nvGrpSpPr>
-        <p:cNvPr id="1" name="Shape 65"/>
-        <p:cNvGrpSpPr/>
-        <p:nvPr/>
-      </p:nvGrpSpPr>
-      <p:grpSpPr>
-        <a:xfrm>
-          <a:off x="0" y="0"/>
-          <a:ext cx="0" cy="0"/>
-          <a:chOff x="0" y="0"/>
-          <a:chExt cx="0" cy="0"/>
-        </a:xfrm>
-      </p:grpSpPr>
-      <p:sp>
-        <p:nvSpPr>
-          <p:cNvPr id="66" name="Google Shape;66;p12:notes"/>
+          <p:cNvPr id="255" name="Google Shape;255;p106:notes"/>
           <p:cNvSpPr>
             <a:spLocks noGrp="1" noRot="1" noChangeAspect="1"/>
           </p:cNvSpPr>
@@ -6070,6 +4540,1536 @@
       </p:sp>
       <p:sp>
         <p:nvSpPr>
+          <p:cNvPr id="256" name="Google Shape;256;p106:notes"/>
+          <p:cNvSpPr txBox="1">
+            <a:spLocks noGrp="1"/>
+          </p:cNvSpPr>
+          <p:nvPr>
+            <p:ph type="body" idx="1"/>
+          </p:nvPr>
+        </p:nvSpPr>
+        <p:spPr>
+          <a:xfrm>
+            <a:off x="685800" y="4343400"/>
+            <a:ext cx="5486400" cy="4114800"/>
+          </a:xfrm>
+          <a:prstGeom prst="rect">
+            <a:avLst/>
+          </a:prstGeom>
+          <a:noFill/>
+          <a:ln>
+            <a:noFill/>
+          </a:ln>
+        </p:spPr>
+        <p:txBody>
+          <a:bodyPr spcFirstLastPara="1" wrap="square" lIns="91425" tIns="45700" rIns="91425" bIns="45700" anchor="t" anchorCtr="0">
+            <a:noAutofit/>
+          </a:bodyPr>
+          <a:lstStyle/>
+          <a:p>
+            <a:pPr marL="0" marR="0" lvl="0" indent="0" algn="l" rtl="0">
+              <a:spcBef>
+                <a:spcPts val="0"/>
+              </a:spcBef>
+              <a:spcAft>
+                <a:spcPts val="0"/>
+              </a:spcAft>
+              <a:buNone/>
+            </a:pPr>
+            <a:endParaRPr sz="1200" b="0" i="0" u="none" strike="noStrike" cap="none">
+              <a:solidFill>
+                <a:schemeClr val="dk1"/>
+              </a:solidFill>
+              <a:latin typeface="Arial"/>
+              <a:ea typeface="Arial"/>
+              <a:cs typeface="Arial"/>
+              <a:sym typeface="Arial"/>
+            </a:endParaRPr>
+          </a:p>
+        </p:txBody>
+      </p:sp>
+    </p:spTree>
+  </p:cSld>
+  <p:clrMapOvr>
+    <a:masterClrMapping/>
+  </p:clrMapOvr>
+</p:notes>
+</file>
+
+<file path=ppt/notesSlides/notesSlide35.xml><?xml version="1.0" encoding="utf-8"?>
+<p:notes xmlns:a="http://schemas.openxmlformats.org/drawingml/2006/main" xmlns:r="http://schemas.openxmlformats.org/officeDocument/2006/relationships" xmlns:p="http://schemas.openxmlformats.org/presentationml/2006/main">
+  <p:cSld>
+    <p:spTree>
+      <p:nvGrpSpPr>
+        <p:cNvPr id="1" name=""/>
+        <p:cNvGrpSpPr/>
+        <p:nvPr/>
+      </p:nvGrpSpPr>
+      <p:grpSpPr>
+        <a:xfrm>
+          <a:off x="0" y="0"/>
+          <a:ext cx="0" cy="0"/>
+          <a:chOff x="0" y="0"/>
+          <a:chExt cx="0" cy="0"/>
+        </a:xfrm>
+      </p:grpSpPr>
+      <p:sp>
+        <p:nvSpPr>
+          <p:cNvPr id="63490" name="Rectangle 2"/>
+          <p:cNvSpPr>
+            <a:spLocks noGrp="1" noRot="1" noChangeAspect="1" noChangeArrowheads="1" noTextEdit="1"/>
+          </p:cNvSpPr>
+          <p:nvPr>
+            <p:ph type="sldImg"/>
+          </p:nvPr>
+        </p:nvSpPr>
+        <p:spPr>
+          <a:ln/>
+        </p:spPr>
+      </p:sp>
+      <p:sp>
+        <p:nvSpPr>
+          <p:cNvPr id="63491" name="Rectangle 3"/>
+          <p:cNvSpPr>
+            <a:spLocks noGrp="1" noChangeArrowheads="1"/>
+          </p:cNvSpPr>
+          <p:nvPr>
+            <p:ph type="body" idx="1"/>
+          </p:nvPr>
+        </p:nvSpPr>
+        <p:spPr>
+          <a:noFill/>
+          <a:ln/>
+          <a:extLst>
+            <a:ext uri="{909E8E84-426E-40DD-AFC4-6F175D3DCCD1}">
+              <a14:hiddenFill xmlns:a14="http://schemas.microsoft.com/office/drawing/2010/main">
+                <a:solidFill>
+                  <a:srgbClr val="FFFFFF"/>
+                </a:solidFill>
+              </a14:hiddenFill>
+            </a:ext>
+            <a:ext uri="{91240B29-F687-4F45-9708-019B960494DF}">
+              <a14:hiddenLine xmlns:a14="http://schemas.microsoft.com/office/drawing/2010/main" w="9525">
+                <a:solidFill>
+                  <a:srgbClr val="000000"/>
+                </a:solidFill>
+                <a:miter lim="800000"/>
+                <a:headEnd/>
+                <a:tailEnd/>
+              </a14:hiddenLine>
+            </a:ext>
+          </a:extLst>
+        </p:spPr>
+        <p:txBody>
+          <a:bodyPr/>
+          <a:lstStyle/>
+          <a:p>
+            <a:pPr eaLnBrk="1" hangingPunct="1"/>
+            <a:endParaRPr lang="en-US" dirty="0"/>
+          </a:p>
+        </p:txBody>
+      </p:sp>
+    </p:spTree>
+    <p:extLst>
+      <p:ext uri="{BB962C8B-B14F-4D97-AF65-F5344CB8AC3E}">
+        <p14:creationId xmlns:p14="http://schemas.microsoft.com/office/powerpoint/2010/main" val="2719903314"/>
+      </p:ext>
+    </p:extLst>
+  </p:cSld>
+  <p:clrMapOvr>
+    <a:masterClrMapping/>
+  </p:clrMapOvr>
+</p:notes>
+</file>
+
+<file path=ppt/notesSlides/notesSlide36.xml><?xml version="1.0" encoding="utf-8"?>
+<p:notes xmlns:a="http://schemas.openxmlformats.org/drawingml/2006/main" xmlns:r="http://schemas.openxmlformats.org/officeDocument/2006/relationships" xmlns:p="http://schemas.openxmlformats.org/presentationml/2006/main">
+  <p:cSld>
+    <p:spTree>
+      <p:nvGrpSpPr>
+        <p:cNvPr id="1" name=""/>
+        <p:cNvGrpSpPr/>
+        <p:nvPr/>
+      </p:nvGrpSpPr>
+      <p:grpSpPr>
+        <a:xfrm>
+          <a:off x="0" y="0"/>
+          <a:ext cx="0" cy="0"/>
+          <a:chOff x="0" y="0"/>
+          <a:chExt cx="0" cy="0"/>
+        </a:xfrm>
+      </p:grpSpPr>
+      <p:sp>
+        <p:nvSpPr>
+          <p:cNvPr id="64514" name="Rectangle 2"/>
+          <p:cNvSpPr>
+            <a:spLocks noGrp="1" noRot="1" noChangeAspect="1" noChangeArrowheads="1" noTextEdit="1"/>
+          </p:cNvSpPr>
+          <p:nvPr>
+            <p:ph type="sldImg"/>
+          </p:nvPr>
+        </p:nvSpPr>
+        <p:spPr>
+          <a:xfrm>
+            <a:off x="458788" y="720725"/>
+            <a:ext cx="6400800" cy="3600450"/>
+          </a:xfrm>
+          <a:ln/>
+        </p:spPr>
+      </p:sp>
+      <p:sp>
+        <p:nvSpPr>
+          <p:cNvPr id="64515" name="Rectangle 3"/>
+          <p:cNvSpPr>
+            <a:spLocks noGrp="1" noChangeArrowheads="1"/>
+          </p:cNvSpPr>
+          <p:nvPr>
+            <p:ph type="body" idx="1"/>
+          </p:nvPr>
+        </p:nvSpPr>
+        <p:spPr>
+          <a:xfrm>
+            <a:off x="973138" y="4562475"/>
+            <a:ext cx="5368925" cy="4318000"/>
+          </a:xfrm>
+          <a:noFill/>
+          <a:ln/>
+          <a:extLst>
+            <a:ext uri="{909E8E84-426E-40DD-AFC4-6F175D3DCCD1}">
+              <a14:hiddenFill xmlns:a14="http://schemas.microsoft.com/office/drawing/2010/main">
+                <a:solidFill>
+                  <a:srgbClr val="FFFFFF"/>
+                </a:solidFill>
+              </a14:hiddenFill>
+            </a:ext>
+            <a:ext uri="{91240B29-F687-4F45-9708-019B960494DF}">
+              <a14:hiddenLine xmlns:a14="http://schemas.microsoft.com/office/drawing/2010/main" w="9525">
+                <a:solidFill>
+                  <a:srgbClr val="000000"/>
+                </a:solidFill>
+                <a:miter lim="800000"/>
+                <a:headEnd/>
+                <a:tailEnd/>
+              </a14:hiddenLine>
+            </a:ext>
+          </a:extLst>
+        </p:spPr>
+        <p:txBody>
+          <a:bodyPr/>
+          <a:lstStyle/>
+          <a:p>
+            <a:pPr eaLnBrk="1" hangingPunct="1"/>
+            <a:endParaRPr lang="en-US" dirty="0"/>
+          </a:p>
+        </p:txBody>
+      </p:sp>
+    </p:spTree>
+    <p:extLst>
+      <p:ext uri="{BB962C8B-B14F-4D97-AF65-F5344CB8AC3E}">
+        <p14:creationId xmlns:p14="http://schemas.microsoft.com/office/powerpoint/2010/main" val="918740193"/>
+      </p:ext>
+    </p:extLst>
+  </p:cSld>
+  <p:clrMapOvr>
+    <a:masterClrMapping/>
+  </p:clrMapOvr>
+</p:notes>
+</file>
+
+<file path=ppt/notesSlides/notesSlide37.xml><?xml version="1.0" encoding="utf-8"?>
+<p:notes xmlns:a="http://schemas.openxmlformats.org/drawingml/2006/main" xmlns:r="http://schemas.openxmlformats.org/officeDocument/2006/relationships" xmlns:p="http://schemas.openxmlformats.org/presentationml/2006/main">
+  <p:cSld>
+    <p:bg>
+      <p:bgPr>
+        <a:solidFill>
+          <a:srgbClr val="FFFFFF"/>
+        </a:solidFill>
+        <a:effectLst/>
+      </p:bgPr>
+    </p:bg>
+    <p:spTree>
+      <p:nvGrpSpPr>
+        <p:cNvPr id="1" name=""/>
+        <p:cNvGrpSpPr/>
+        <p:nvPr/>
+      </p:nvGrpSpPr>
+      <p:grpSpPr>
+        <a:xfrm>
+          <a:off x="0" y="0"/>
+          <a:ext cx="0" cy="0"/>
+          <a:chOff x="0" y="0"/>
+          <a:chExt cx="0" cy="0"/>
+        </a:xfrm>
+      </p:grpSpPr>
+      <p:sp>
+        <p:nvSpPr>
+          <p:cNvPr id="88066" name="Rectangle 2"/>
+          <p:cNvSpPr>
+            <a:spLocks noGrp="1" noRot="1" noChangeAspect="1" noChangeArrowheads="1" noTextEdit="1"/>
+          </p:cNvSpPr>
+          <p:nvPr>
+            <p:ph type="sldImg"/>
+          </p:nvPr>
+        </p:nvSpPr>
+        <p:spPr>
+          <a:xfrm>
+            <a:off x="460375" y="720725"/>
+            <a:ext cx="6400800" cy="3600450"/>
+          </a:xfrm>
+          <a:solidFill>
+            <a:srgbClr val="FFFFFF"/>
+          </a:solidFill>
+          <a:ln/>
+        </p:spPr>
+      </p:sp>
+      <p:sp>
+        <p:nvSpPr>
+          <p:cNvPr id="88067" name="Rectangle 3"/>
+          <p:cNvSpPr>
+            <a:spLocks noGrp="1" noChangeArrowheads="1"/>
+          </p:cNvSpPr>
+          <p:nvPr>
+            <p:ph type="body" idx="1"/>
+          </p:nvPr>
+        </p:nvSpPr>
+        <p:spPr>
+          <a:xfrm>
+            <a:off x="973138" y="4562475"/>
+            <a:ext cx="5368925" cy="4319588"/>
+          </a:xfrm>
+          <a:noFill/>
+          <a:ln/>
+          <a:extLst>
+            <a:ext uri="{909E8E84-426E-40DD-AFC4-6F175D3DCCD1}">
+              <a14:hiddenFill xmlns:a14="http://schemas.microsoft.com/office/drawing/2010/main">
+                <a:solidFill>
+                  <a:srgbClr val="FFFFFF"/>
+                </a:solidFill>
+              </a14:hiddenFill>
+            </a:ext>
+            <a:ext uri="{91240B29-F687-4F45-9708-019B960494DF}">
+              <a14:hiddenLine xmlns:a14="http://schemas.microsoft.com/office/drawing/2010/main" w="9525">
+                <a:solidFill>
+                  <a:srgbClr val="000000"/>
+                </a:solidFill>
+                <a:miter lim="800000"/>
+                <a:headEnd/>
+                <a:tailEnd/>
+              </a14:hiddenLine>
+            </a:ext>
+          </a:extLst>
+        </p:spPr>
+        <p:txBody>
+          <a:bodyPr wrap="none" lIns="95458" tIns="47728" rIns="95458" bIns="47728" anchor="ctr"/>
+          <a:lstStyle/>
+          <a:p>
+            <a:pPr eaLnBrk="1" hangingPunct="1"/>
+            <a:endParaRPr lang="en-US" dirty="0"/>
+          </a:p>
+        </p:txBody>
+      </p:sp>
+    </p:spTree>
+    <p:extLst>
+      <p:ext uri="{BB962C8B-B14F-4D97-AF65-F5344CB8AC3E}">
+        <p14:creationId xmlns:p14="http://schemas.microsoft.com/office/powerpoint/2010/main" val="2768704195"/>
+      </p:ext>
+    </p:extLst>
+  </p:cSld>
+  <p:clrMapOvr>
+    <a:masterClrMapping/>
+  </p:clrMapOvr>
+</p:notes>
+</file>
+
+<file path=ppt/notesSlides/notesSlide38.xml><?xml version="1.0" encoding="utf-8"?>
+<p:notes xmlns:a="http://schemas.openxmlformats.org/drawingml/2006/main" xmlns:r="http://schemas.openxmlformats.org/officeDocument/2006/relationships" xmlns:p="http://schemas.openxmlformats.org/presentationml/2006/main">
+  <p:cSld>
+    <p:spTree>
+      <p:nvGrpSpPr>
+        <p:cNvPr id="1" name=""/>
+        <p:cNvGrpSpPr/>
+        <p:nvPr/>
+      </p:nvGrpSpPr>
+      <p:grpSpPr>
+        <a:xfrm>
+          <a:off x="0" y="0"/>
+          <a:ext cx="0" cy="0"/>
+          <a:chOff x="0" y="0"/>
+          <a:chExt cx="0" cy="0"/>
+        </a:xfrm>
+      </p:grpSpPr>
+      <p:sp>
+        <p:nvSpPr>
+          <p:cNvPr id="89090" name="Rectangle 2"/>
+          <p:cNvSpPr>
+            <a:spLocks noGrp="1" noRot="1" noChangeAspect="1" noChangeArrowheads="1" noTextEdit="1"/>
+          </p:cNvSpPr>
+          <p:nvPr>
+            <p:ph type="sldImg"/>
+          </p:nvPr>
+        </p:nvSpPr>
+        <p:spPr>
+          <a:ln/>
+        </p:spPr>
+      </p:sp>
+      <p:sp>
+        <p:nvSpPr>
+          <p:cNvPr id="89091" name="Rectangle 3"/>
+          <p:cNvSpPr>
+            <a:spLocks noGrp="1" noChangeArrowheads="1"/>
+          </p:cNvSpPr>
+          <p:nvPr>
+            <p:ph type="body" idx="1"/>
+          </p:nvPr>
+        </p:nvSpPr>
+        <p:spPr>
+          <a:noFill/>
+          <a:ln/>
+          <a:extLst>
+            <a:ext uri="{909E8E84-426E-40DD-AFC4-6F175D3DCCD1}">
+              <a14:hiddenFill xmlns:a14="http://schemas.microsoft.com/office/drawing/2010/main">
+                <a:solidFill>
+                  <a:srgbClr val="FFFFFF"/>
+                </a:solidFill>
+              </a14:hiddenFill>
+            </a:ext>
+            <a:ext uri="{91240B29-F687-4F45-9708-019B960494DF}">
+              <a14:hiddenLine xmlns:a14="http://schemas.microsoft.com/office/drawing/2010/main" w="9525">
+                <a:solidFill>
+                  <a:srgbClr val="000000"/>
+                </a:solidFill>
+                <a:miter lim="800000"/>
+                <a:headEnd/>
+                <a:tailEnd/>
+              </a14:hiddenLine>
+            </a:ext>
+          </a:extLst>
+        </p:spPr>
+        <p:txBody>
+          <a:bodyPr/>
+          <a:lstStyle/>
+          <a:p>
+            <a:pPr eaLnBrk="1" hangingPunct="1"/>
+            <a:endParaRPr lang="en-US" dirty="0"/>
+          </a:p>
+        </p:txBody>
+      </p:sp>
+    </p:spTree>
+    <p:extLst>
+      <p:ext uri="{BB962C8B-B14F-4D97-AF65-F5344CB8AC3E}">
+        <p14:creationId xmlns:p14="http://schemas.microsoft.com/office/powerpoint/2010/main" val="3189302538"/>
+      </p:ext>
+    </p:extLst>
+  </p:cSld>
+  <p:clrMapOvr>
+    <a:masterClrMapping/>
+  </p:clrMapOvr>
+</p:notes>
+</file>
+
+<file path=ppt/notesSlides/notesSlide39.xml><?xml version="1.0" encoding="utf-8"?>
+<p:notes xmlns:a="http://schemas.openxmlformats.org/drawingml/2006/main" xmlns:r="http://schemas.openxmlformats.org/officeDocument/2006/relationships" xmlns:p="http://schemas.openxmlformats.org/presentationml/2006/main">
+  <p:cSld>
+    <p:spTree>
+      <p:nvGrpSpPr>
+        <p:cNvPr id="1" name=""/>
+        <p:cNvGrpSpPr/>
+        <p:nvPr/>
+      </p:nvGrpSpPr>
+      <p:grpSpPr>
+        <a:xfrm>
+          <a:off x="0" y="0"/>
+          <a:ext cx="0" cy="0"/>
+          <a:chOff x="0" y="0"/>
+          <a:chExt cx="0" cy="0"/>
+        </a:xfrm>
+      </p:grpSpPr>
+      <p:sp>
+        <p:nvSpPr>
+          <p:cNvPr id="2" name="Slide Image Placeholder 1"/>
+          <p:cNvSpPr>
+            <a:spLocks noGrp="1" noRot="1" noChangeAspect="1"/>
+          </p:cNvSpPr>
+          <p:nvPr>
+            <p:ph type="sldImg"/>
+          </p:nvPr>
+        </p:nvSpPr>
+        <p:spPr/>
+      </p:sp>
+      <p:sp>
+        <p:nvSpPr>
+          <p:cNvPr id="3" name="Notes Placeholder 2"/>
+          <p:cNvSpPr>
+            <a:spLocks noGrp="1"/>
+          </p:cNvSpPr>
+          <p:nvPr>
+            <p:ph type="body" idx="1"/>
+          </p:nvPr>
+        </p:nvSpPr>
+        <p:spPr/>
+        <p:txBody>
+          <a:bodyPr/>
+          <a:lstStyle/>
+          <a:p>
+            <a:endParaRPr lang="en-US"/>
+          </a:p>
+        </p:txBody>
+      </p:sp>
+    </p:spTree>
+    <p:extLst>
+      <p:ext uri="{BB962C8B-B14F-4D97-AF65-F5344CB8AC3E}">
+        <p14:creationId xmlns:p14="http://schemas.microsoft.com/office/powerpoint/2010/main" val="3774534132"/>
+      </p:ext>
+    </p:extLst>
+  </p:cSld>
+  <p:clrMapOvr>
+    <a:masterClrMapping/>
+  </p:clrMapOvr>
+</p:notes>
+</file>
+
+<file path=ppt/notesSlides/notesSlide4.xml><?xml version="1.0" encoding="utf-8"?>
+<p:notes xmlns:a="http://schemas.openxmlformats.org/drawingml/2006/main" xmlns:r="http://schemas.openxmlformats.org/officeDocument/2006/relationships" xmlns:p="http://schemas.openxmlformats.org/presentationml/2006/main" showMasterSp="0" showMasterPhAnim="0">
+  <p:cSld>
+    <p:spTree>
+      <p:nvGrpSpPr>
+        <p:cNvPr id="1" name="Shape 58"/>
+        <p:cNvGrpSpPr/>
+        <p:nvPr/>
+      </p:nvGrpSpPr>
+      <p:grpSpPr>
+        <a:xfrm>
+          <a:off x="0" y="0"/>
+          <a:ext cx="0" cy="0"/>
+          <a:chOff x="0" y="0"/>
+          <a:chExt cx="0" cy="0"/>
+        </a:xfrm>
+      </p:grpSpPr>
+      <p:sp>
+        <p:nvSpPr>
+          <p:cNvPr id="59" name="Google Shape;59;p10:notes"/>
+          <p:cNvSpPr>
+            <a:spLocks noGrp="1" noRot="1" noChangeAspect="1"/>
+          </p:cNvSpPr>
+          <p:nvPr>
+            <p:ph type="sldImg" idx="2"/>
+          </p:nvPr>
+        </p:nvSpPr>
+        <p:spPr>
+          <a:xfrm>
+            <a:off x="381000" y="685800"/>
+            <a:ext cx="6096000" cy="3429000"/>
+          </a:xfrm>
+          <a:custGeom>
+            <a:avLst/>
+            <a:gdLst/>
+            <a:ahLst/>
+            <a:cxnLst/>
+            <a:rect l="l" t="t" r="r" b="b"/>
+            <a:pathLst>
+              <a:path w="120000" h="120000" extrusionOk="0">
+                <a:moveTo>
+                  <a:pt x="0" y="0"/>
+                </a:moveTo>
+                <a:lnTo>
+                  <a:pt x="120000" y="0"/>
+                </a:lnTo>
+                <a:lnTo>
+                  <a:pt x="120000" y="120000"/>
+                </a:lnTo>
+                <a:lnTo>
+                  <a:pt x="0" y="120000"/>
+                </a:lnTo>
+                <a:close/>
+              </a:path>
+            </a:pathLst>
+          </a:custGeom>
+          <a:noFill/>
+          <a:ln w="9525" cap="flat" cmpd="sng">
+            <a:solidFill>
+              <a:srgbClr val="000000"/>
+            </a:solidFill>
+            <a:prstDash val="solid"/>
+            <a:miter lim="8000"/>
+            <a:headEnd type="none" w="sm" len="sm"/>
+            <a:tailEnd type="none" w="sm" len="sm"/>
+          </a:ln>
+        </p:spPr>
+      </p:sp>
+      <p:sp>
+        <p:nvSpPr>
+          <p:cNvPr id="60" name="Google Shape;60;p10:notes"/>
+          <p:cNvSpPr txBox="1">
+            <a:spLocks noGrp="1"/>
+          </p:cNvSpPr>
+          <p:nvPr>
+            <p:ph type="body" idx="1"/>
+          </p:nvPr>
+        </p:nvSpPr>
+        <p:spPr>
+          <a:xfrm>
+            <a:off x="685800" y="4343400"/>
+            <a:ext cx="5486400" cy="4114800"/>
+          </a:xfrm>
+          <a:prstGeom prst="rect">
+            <a:avLst/>
+          </a:prstGeom>
+          <a:noFill/>
+          <a:ln>
+            <a:noFill/>
+          </a:ln>
+        </p:spPr>
+        <p:txBody>
+          <a:bodyPr spcFirstLastPara="1" wrap="square" lIns="91425" tIns="45700" rIns="91425" bIns="45700" anchor="t" anchorCtr="0">
+            <a:noAutofit/>
+          </a:bodyPr>
+          <a:lstStyle/>
+          <a:p>
+            <a:pPr marL="0" marR="0" lvl="0" indent="0" algn="l" rtl="0">
+              <a:spcBef>
+                <a:spcPts val="0"/>
+              </a:spcBef>
+              <a:spcAft>
+                <a:spcPts val="0"/>
+              </a:spcAft>
+              <a:buNone/>
+            </a:pPr>
+            <a:endParaRPr sz="1200" b="0" i="0" u="none" strike="noStrike" cap="none">
+              <a:solidFill>
+                <a:schemeClr val="dk1"/>
+              </a:solidFill>
+              <a:latin typeface="Arial"/>
+              <a:ea typeface="Arial"/>
+              <a:cs typeface="Arial"/>
+              <a:sym typeface="Arial"/>
+            </a:endParaRPr>
+          </a:p>
+        </p:txBody>
+      </p:sp>
+    </p:spTree>
+  </p:cSld>
+  <p:clrMapOvr>
+    <a:masterClrMapping/>
+  </p:clrMapOvr>
+</p:notes>
+</file>
+
+<file path=ppt/notesSlides/notesSlide40.xml><?xml version="1.0" encoding="utf-8"?>
+<p:notes xmlns:a="http://schemas.openxmlformats.org/drawingml/2006/main" xmlns:r="http://schemas.openxmlformats.org/officeDocument/2006/relationships" xmlns:p="http://schemas.openxmlformats.org/presentationml/2006/main">
+  <p:cSld>
+    <p:spTree>
+      <p:nvGrpSpPr>
+        <p:cNvPr id="1" name=""/>
+        <p:cNvGrpSpPr/>
+        <p:nvPr/>
+      </p:nvGrpSpPr>
+      <p:grpSpPr>
+        <a:xfrm>
+          <a:off x="0" y="0"/>
+          <a:ext cx="0" cy="0"/>
+          <a:chOff x="0" y="0"/>
+          <a:chExt cx="0" cy="0"/>
+        </a:xfrm>
+      </p:grpSpPr>
+      <p:sp>
+        <p:nvSpPr>
+          <p:cNvPr id="2" name="Slide Image Placeholder 1"/>
+          <p:cNvSpPr>
+            <a:spLocks noGrp="1" noRot="1" noChangeAspect="1"/>
+          </p:cNvSpPr>
+          <p:nvPr>
+            <p:ph type="sldImg"/>
+          </p:nvPr>
+        </p:nvSpPr>
+        <p:spPr/>
+      </p:sp>
+      <p:sp>
+        <p:nvSpPr>
+          <p:cNvPr id="3" name="Notes Placeholder 2"/>
+          <p:cNvSpPr>
+            <a:spLocks noGrp="1"/>
+          </p:cNvSpPr>
+          <p:nvPr>
+            <p:ph type="body" idx="1"/>
+          </p:nvPr>
+        </p:nvSpPr>
+        <p:spPr/>
+        <p:txBody>
+          <a:bodyPr/>
+          <a:lstStyle/>
+          <a:p>
+            <a:endParaRPr lang="en-US"/>
+          </a:p>
+        </p:txBody>
+      </p:sp>
+    </p:spTree>
+    <p:extLst>
+      <p:ext uri="{BB962C8B-B14F-4D97-AF65-F5344CB8AC3E}">
+        <p14:creationId xmlns:p14="http://schemas.microsoft.com/office/powerpoint/2010/main" val="3462584054"/>
+      </p:ext>
+    </p:extLst>
+  </p:cSld>
+  <p:clrMapOvr>
+    <a:masterClrMapping/>
+  </p:clrMapOvr>
+</p:notes>
+</file>
+
+<file path=ppt/notesSlides/notesSlide41.xml><?xml version="1.0" encoding="utf-8"?>
+<p:notes xmlns:a="http://schemas.openxmlformats.org/drawingml/2006/main" xmlns:r="http://schemas.openxmlformats.org/officeDocument/2006/relationships" xmlns:p="http://schemas.openxmlformats.org/presentationml/2006/main">
+  <p:cSld>
+    <p:spTree>
+      <p:nvGrpSpPr>
+        <p:cNvPr id="1" name=""/>
+        <p:cNvGrpSpPr/>
+        <p:nvPr/>
+      </p:nvGrpSpPr>
+      <p:grpSpPr>
+        <a:xfrm>
+          <a:off x="0" y="0"/>
+          <a:ext cx="0" cy="0"/>
+          <a:chOff x="0" y="0"/>
+          <a:chExt cx="0" cy="0"/>
+        </a:xfrm>
+      </p:grpSpPr>
+      <p:sp>
+        <p:nvSpPr>
+          <p:cNvPr id="2" name="Slide Image Placeholder 1"/>
+          <p:cNvSpPr>
+            <a:spLocks noGrp="1" noRot="1" noChangeAspect="1"/>
+          </p:cNvSpPr>
+          <p:nvPr>
+            <p:ph type="sldImg"/>
+          </p:nvPr>
+        </p:nvSpPr>
+        <p:spPr/>
+      </p:sp>
+      <p:sp>
+        <p:nvSpPr>
+          <p:cNvPr id="3" name="Notes Placeholder 2"/>
+          <p:cNvSpPr>
+            <a:spLocks noGrp="1"/>
+          </p:cNvSpPr>
+          <p:nvPr>
+            <p:ph type="body" idx="1"/>
+          </p:nvPr>
+        </p:nvSpPr>
+        <p:spPr/>
+        <p:txBody>
+          <a:bodyPr/>
+          <a:lstStyle/>
+          <a:p>
+            <a:endParaRPr lang="en-US"/>
+          </a:p>
+        </p:txBody>
+      </p:sp>
+    </p:spTree>
+    <p:extLst>
+      <p:ext uri="{BB962C8B-B14F-4D97-AF65-F5344CB8AC3E}">
+        <p14:creationId xmlns:p14="http://schemas.microsoft.com/office/powerpoint/2010/main" val="2392903266"/>
+      </p:ext>
+    </p:extLst>
+  </p:cSld>
+  <p:clrMapOvr>
+    <a:masterClrMapping/>
+  </p:clrMapOvr>
+</p:notes>
+</file>
+
+<file path=ppt/notesSlides/notesSlide42.xml><?xml version="1.0" encoding="utf-8"?>
+<p:notes xmlns:a="http://schemas.openxmlformats.org/drawingml/2006/main" xmlns:r="http://schemas.openxmlformats.org/officeDocument/2006/relationships" xmlns:p="http://schemas.openxmlformats.org/presentationml/2006/main">
+  <p:cSld>
+    <p:bg>
+      <p:bgPr>
+        <a:solidFill>
+          <a:srgbClr val="FFFFFF"/>
+        </a:solidFill>
+        <a:effectLst/>
+      </p:bgPr>
+    </p:bg>
+    <p:spTree>
+      <p:nvGrpSpPr>
+        <p:cNvPr id="1" name=""/>
+        <p:cNvGrpSpPr/>
+        <p:nvPr/>
+      </p:nvGrpSpPr>
+      <p:grpSpPr>
+        <a:xfrm>
+          <a:off x="0" y="0"/>
+          <a:ext cx="0" cy="0"/>
+          <a:chOff x="0" y="0"/>
+          <a:chExt cx="0" cy="0"/>
+        </a:xfrm>
+      </p:grpSpPr>
+      <p:sp>
+        <p:nvSpPr>
+          <p:cNvPr id="88066" name="Rectangle 2"/>
+          <p:cNvSpPr>
+            <a:spLocks noGrp="1" noRot="1" noChangeAspect="1" noChangeArrowheads="1" noTextEdit="1"/>
+          </p:cNvSpPr>
+          <p:nvPr>
+            <p:ph type="sldImg"/>
+          </p:nvPr>
+        </p:nvSpPr>
+        <p:spPr>
+          <a:xfrm>
+            <a:off x="460375" y="720725"/>
+            <a:ext cx="6400800" cy="3600450"/>
+          </a:xfrm>
+          <a:solidFill>
+            <a:srgbClr val="FFFFFF"/>
+          </a:solidFill>
+          <a:ln/>
+        </p:spPr>
+      </p:sp>
+      <p:sp>
+        <p:nvSpPr>
+          <p:cNvPr id="88067" name="Rectangle 3"/>
+          <p:cNvSpPr>
+            <a:spLocks noGrp="1" noChangeArrowheads="1"/>
+          </p:cNvSpPr>
+          <p:nvPr>
+            <p:ph type="body" idx="1"/>
+          </p:nvPr>
+        </p:nvSpPr>
+        <p:spPr>
+          <a:xfrm>
+            <a:off x="973138" y="4562475"/>
+            <a:ext cx="5368925" cy="4319588"/>
+          </a:xfrm>
+          <a:noFill/>
+          <a:ln/>
+          <a:extLst>
+            <a:ext uri="{909E8E84-426E-40DD-AFC4-6F175D3DCCD1}">
+              <a14:hiddenFill xmlns:a14="http://schemas.microsoft.com/office/drawing/2010/main">
+                <a:solidFill>
+                  <a:srgbClr val="FFFFFF"/>
+                </a:solidFill>
+              </a14:hiddenFill>
+            </a:ext>
+            <a:ext uri="{91240B29-F687-4F45-9708-019B960494DF}">
+              <a14:hiddenLine xmlns:a14="http://schemas.microsoft.com/office/drawing/2010/main" w="9525">
+                <a:solidFill>
+                  <a:srgbClr val="000000"/>
+                </a:solidFill>
+                <a:miter lim="800000"/>
+                <a:headEnd/>
+                <a:tailEnd/>
+              </a14:hiddenLine>
+            </a:ext>
+          </a:extLst>
+        </p:spPr>
+        <p:txBody>
+          <a:bodyPr wrap="none" lIns="95458" tIns="47728" rIns="95458" bIns="47728" anchor="ctr"/>
+          <a:lstStyle/>
+          <a:p>
+            <a:pPr eaLnBrk="1" hangingPunct="1"/>
+            <a:endParaRPr lang="en-US" dirty="0"/>
+          </a:p>
+        </p:txBody>
+      </p:sp>
+    </p:spTree>
+    <p:extLst>
+      <p:ext uri="{BB962C8B-B14F-4D97-AF65-F5344CB8AC3E}">
+        <p14:creationId xmlns:p14="http://schemas.microsoft.com/office/powerpoint/2010/main" val="2117534009"/>
+      </p:ext>
+    </p:extLst>
+  </p:cSld>
+  <p:clrMapOvr>
+    <a:masterClrMapping/>
+  </p:clrMapOvr>
+</p:notes>
+</file>
+
+<file path=ppt/notesSlides/notesSlide43.xml><?xml version="1.0" encoding="utf-8"?>
+<p:notes xmlns:a="http://schemas.openxmlformats.org/drawingml/2006/main" xmlns:r="http://schemas.openxmlformats.org/officeDocument/2006/relationships" xmlns:p="http://schemas.openxmlformats.org/presentationml/2006/main">
+  <p:cSld>
+    <p:spTree>
+      <p:nvGrpSpPr>
+        <p:cNvPr id="1" name=""/>
+        <p:cNvGrpSpPr/>
+        <p:nvPr/>
+      </p:nvGrpSpPr>
+      <p:grpSpPr>
+        <a:xfrm>
+          <a:off x="0" y="0"/>
+          <a:ext cx="0" cy="0"/>
+          <a:chOff x="0" y="0"/>
+          <a:chExt cx="0" cy="0"/>
+        </a:xfrm>
+      </p:grpSpPr>
+      <p:sp>
+        <p:nvSpPr>
+          <p:cNvPr id="2" name="Slide Image Placeholder 1"/>
+          <p:cNvSpPr>
+            <a:spLocks noGrp="1" noRot="1" noChangeAspect="1"/>
+          </p:cNvSpPr>
+          <p:nvPr>
+            <p:ph type="sldImg"/>
+          </p:nvPr>
+        </p:nvSpPr>
+        <p:spPr/>
+      </p:sp>
+      <p:sp>
+        <p:nvSpPr>
+          <p:cNvPr id="3" name="Notes Placeholder 2"/>
+          <p:cNvSpPr>
+            <a:spLocks noGrp="1"/>
+          </p:cNvSpPr>
+          <p:nvPr>
+            <p:ph type="body" idx="1"/>
+          </p:nvPr>
+        </p:nvSpPr>
+        <p:spPr/>
+        <p:txBody>
+          <a:bodyPr/>
+          <a:lstStyle/>
+          <a:p>
+            <a:endParaRPr lang="en-US"/>
+          </a:p>
+        </p:txBody>
+      </p:sp>
+    </p:spTree>
+    <p:extLst>
+      <p:ext uri="{BB962C8B-B14F-4D97-AF65-F5344CB8AC3E}">
+        <p14:creationId xmlns:p14="http://schemas.microsoft.com/office/powerpoint/2010/main" val="1443879862"/>
+      </p:ext>
+    </p:extLst>
+  </p:cSld>
+  <p:clrMapOvr>
+    <a:masterClrMapping/>
+  </p:clrMapOvr>
+</p:notes>
+</file>
+
+<file path=ppt/notesSlides/notesSlide44.xml><?xml version="1.0" encoding="utf-8"?>
+<p:notes xmlns:a="http://schemas.openxmlformats.org/drawingml/2006/main" xmlns:r="http://schemas.openxmlformats.org/officeDocument/2006/relationships" xmlns:p="http://schemas.openxmlformats.org/presentationml/2006/main">
+  <p:cSld>
+    <p:spTree>
+      <p:nvGrpSpPr>
+        <p:cNvPr id="1" name=""/>
+        <p:cNvGrpSpPr/>
+        <p:nvPr/>
+      </p:nvGrpSpPr>
+      <p:grpSpPr>
+        <a:xfrm>
+          <a:off x="0" y="0"/>
+          <a:ext cx="0" cy="0"/>
+          <a:chOff x="0" y="0"/>
+          <a:chExt cx="0" cy="0"/>
+        </a:xfrm>
+      </p:grpSpPr>
+      <p:sp>
+        <p:nvSpPr>
+          <p:cNvPr id="2" name="Slide Image Placeholder 1"/>
+          <p:cNvSpPr>
+            <a:spLocks noGrp="1" noRot="1" noChangeAspect="1"/>
+          </p:cNvSpPr>
+          <p:nvPr>
+            <p:ph type="sldImg"/>
+          </p:nvPr>
+        </p:nvSpPr>
+        <p:spPr/>
+      </p:sp>
+      <p:sp>
+        <p:nvSpPr>
+          <p:cNvPr id="3" name="Notes Placeholder 2"/>
+          <p:cNvSpPr>
+            <a:spLocks noGrp="1"/>
+          </p:cNvSpPr>
+          <p:nvPr>
+            <p:ph type="body" idx="1"/>
+          </p:nvPr>
+        </p:nvSpPr>
+        <p:spPr/>
+        <p:txBody>
+          <a:bodyPr/>
+          <a:lstStyle/>
+          <a:p>
+            <a:endParaRPr lang="en-US"/>
+          </a:p>
+        </p:txBody>
+      </p:sp>
+    </p:spTree>
+    <p:extLst>
+      <p:ext uri="{BB962C8B-B14F-4D97-AF65-F5344CB8AC3E}">
+        <p14:creationId xmlns:p14="http://schemas.microsoft.com/office/powerpoint/2010/main" val="407689751"/>
+      </p:ext>
+    </p:extLst>
+  </p:cSld>
+  <p:clrMapOvr>
+    <a:masterClrMapping/>
+  </p:clrMapOvr>
+</p:notes>
+</file>
+
+<file path=ppt/notesSlides/notesSlide45.xml><?xml version="1.0" encoding="utf-8"?>
+<p:notes xmlns:a="http://schemas.openxmlformats.org/drawingml/2006/main" xmlns:r="http://schemas.openxmlformats.org/officeDocument/2006/relationships" xmlns:p="http://schemas.openxmlformats.org/presentationml/2006/main">
+  <p:cSld>
+    <p:spTree>
+      <p:nvGrpSpPr>
+        <p:cNvPr id="1" name=""/>
+        <p:cNvGrpSpPr/>
+        <p:nvPr/>
+      </p:nvGrpSpPr>
+      <p:grpSpPr>
+        <a:xfrm>
+          <a:off x="0" y="0"/>
+          <a:ext cx="0" cy="0"/>
+          <a:chOff x="0" y="0"/>
+          <a:chExt cx="0" cy="0"/>
+        </a:xfrm>
+      </p:grpSpPr>
+      <p:sp>
+        <p:nvSpPr>
+          <p:cNvPr id="2" name="Slide Image Placeholder 1"/>
+          <p:cNvSpPr>
+            <a:spLocks noGrp="1" noRot="1" noChangeAspect="1"/>
+          </p:cNvSpPr>
+          <p:nvPr>
+            <p:ph type="sldImg"/>
+          </p:nvPr>
+        </p:nvSpPr>
+        <p:spPr/>
+      </p:sp>
+      <p:sp>
+        <p:nvSpPr>
+          <p:cNvPr id="3" name="Notes Placeholder 2"/>
+          <p:cNvSpPr>
+            <a:spLocks noGrp="1"/>
+          </p:cNvSpPr>
+          <p:nvPr>
+            <p:ph type="body" idx="1"/>
+          </p:nvPr>
+        </p:nvSpPr>
+        <p:spPr/>
+        <p:txBody>
+          <a:bodyPr/>
+          <a:lstStyle/>
+          <a:p>
+            <a:endParaRPr lang="en-US"/>
+          </a:p>
+        </p:txBody>
+      </p:sp>
+    </p:spTree>
+    <p:extLst>
+      <p:ext uri="{BB962C8B-B14F-4D97-AF65-F5344CB8AC3E}">
+        <p14:creationId xmlns:p14="http://schemas.microsoft.com/office/powerpoint/2010/main" val="3739929503"/>
+      </p:ext>
+    </p:extLst>
+  </p:cSld>
+  <p:clrMapOvr>
+    <a:masterClrMapping/>
+  </p:clrMapOvr>
+</p:notes>
+</file>
+
+<file path=ppt/notesSlides/notesSlide46.xml><?xml version="1.0" encoding="utf-8"?>
+<p:notes xmlns:a="http://schemas.openxmlformats.org/drawingml/2006/main" xmlns:r="http://schemas.openxmlformats.org/officeDocument/2006/relationships" xmlns:p="http://schemas.openxmlformats.org/presentationml/2006/main">
+  <p:cSld>
+    <p:spTree>
+      <p:nvGrpSpPr>
+        <p:cNvPr id="1" name=""/>
+        <p:cNvGrpSpPr/>
+        <p:nvPr/>
+      </p:nvGrpSpPr>
+      <p:grpSpPr>
+        <a:xfrm>
+          <a:off x="0" y="0"/>
+          <a:ext cx="0" cy="0"/>
+          <a:chOff x="0" y="0"/>
+          <a:chExt cx="0" cy="0"/>
+        </a:xfrm>
+      </p:grpSpPr>
+      <p:sp>
+        <p:nvSpPr>
+          <p:cNvPr id="2" name="Slide Image Placeholder 1"/>
+          <p:cNvSpPr>
+            <a:spLocks noGrp="1" noRot="1" noChangeAspect="1"/>
+          </p:cNvSpPr>
+          <p:nvPr>
+            <p:ph type="sldImg"/>
+          </p:nvPr>
+        </p:nvSpPr>
+        <p:spPr/>
+      </p:sp>
+      <p:sp>
+        <p:nvSpPr>
+          <p:cNvPr id="3" name="Notes Placeholder 2"/>
+          <p:cNvSpPr>
+            <a:spLocks noGrp="1"/>
+          </p:cNvSpPr>
+          <p:nvPr>
+            <p:ph type="body" idx="1"/>
+          </p:nvPr>
+        </p:nvSpPr>
+        <p:spPr/>
+        <p:txBody>
+          <a:bodyPr/>
+          <a:lstStyle/>
+          <a:p>
+            <a:endParaRPr lang="en-US"/>
+          </a:p>
+        </p:txBody>
+      </p:sp>
+    </p:spTree>
+    <p:extLst>
+      <p:ext uri="{BB962C8B-B14F-4D97-AF65-F5344CB8AC3E}">
+        <p14:creationId xmlns:p14="http://schemas.microsoft.com/office/powerpoint/2010/main" val="2438042890"/>
+      </p:ext>
+    </p:extLst>
+  </p:cSld>
+  <p:clrMapOvr>
+    <a:masterClrMapping/>
+  </p:clrMapOvr>
+</p:notes>
+</file>
+
+<file path=ppt/notesSlides/notesSlide47.xml><?xml version="1.0" encoding="utf-8"?>
+<p:notes xmlns:a="http://schemas.openxmlformats.org/drawingml/2006/main" xmlns:r="http://schemas.openxmlformats.org/officeDocument/2006/relationships" xmlns:p="http://schemas.openxmlformats.org/presentationml/2006/main">
+  <p:cSld>
+    <p:spTree>
+      <p:nvGrpSpPr>
+        <p:cNvPr id="1" name=""/>
+        <p:cNvGrpSpPr/>
+        <p:nvPr/>
+      </p:nvGrpSpPr>
+      <p:grpSpPr>
+        <a:xfrm>
+          <a:off x="0" y="0"/>
+          <a:ext cx="0" cy="0"/>
+          <a:chOff x="0" y="0"/>
+          <a:chExt cx="0" cy="0"/>
+        </a:xfrm>
+      </p:grpSpPr>
+      <p:sp>
+        <p:nvSpPr>
+          <p:cNvPr id="2" name="Slide Image Placeholder 1"/>
+          <p:cNvSpPr>
+            <a:spLocks noGrp="1" noRot="1" noChangeAspect="1"/>
+          </p:cNvSpPr>
+          <p:nvPr>
+            <p:ph type="sldImg"/>
+          </p:nvPr>
+        </p:nvSpPr>
+        <p:spPr/>
+      </p:sp>
+      <p:sp>
+        <p:nvSpPr>
+          <p:cNvPr id="3" name="Notes Placeholder 2"/>
+          <p:cNvSpPr>
+            <a:spLocks noGrp="1"/>
+          </p:cNvSpPr>
+          <p:nvPr>
+            <p:ph type="body" idx="1"/>
+          </p:nvPr>
+        </p:nvSpPr>
+        <p:spPr/>
+        <p:txBody>
+          <a:bodyPr/>
+          <a:lstStyle/>
+          <a:p>
+            <a:endParaRPr lang="en-US"/>
+          </a:p>
+        </p:txBody>
+      </p:sp>
+    </p:spTree>
+    <p:extLst>
+      <p:ext uri="{BB962C8B-B14F-4D97-AF65-F5344CB8AC3E}">
+        <p14:creationId xmlns:p14="http://schemas.microsoft.com/office/powerpoint/2010/main" val="2656801477"/>
+      </p:ext>
+    </p:extLst>
+  </p:cSld>
+  <p:clrMapOvr>
+    <a:masterClrMapping/>
+  </p:clrMapOvr>
+</p:notes>
+</file>
+
+<file path=ppt/notesSlides/notesSlide48.xml><?xml version="1.0" encoding="utf-8"?>
+<p:notes xmlns:a="http://schemas.openxmlformats.org/drawingml/2006/main" xmlns:r="http://schemas.openxmlformats.org/officeDocument/2006/relationships" xmlns:p="http://schemas.openxmlformats.org/presentationml/2006/main">
+  <p:cSld>
+    <p:bg>
+      <p:bgPr>
+        <a:solidFill>
+          <a:srgbClr val="FFFFFF"/>
+        </a:solidFill>
+        <a:effectLst/>
+      </p:bgPr>
+    </p:bg>
+    <p:spTree>
+      <p:nvGrpSpPr>
+        <p:cNvPr id="1" name=""/>
+        <p:cNvGrpSpPr/>
+        <p:nvPr/>
+      </p:nvGrpSpPr>
+      <p:grpSpPr>
+        <a:xfrm>
+          <a:off x="0" y="0"/>
+          <a:ext cx="0" cy="0"/>
+          <a:chOff x="0" y="0"/>
+          <a:chExt cx="0" cy="0"/>
+        </a:xfrm>
+      </p:grpSpPr>
+      <p:sp>
+        <p:nvSpPr>
+          <p:cNvPr id="88066" name="Rectangle 2"/>
+          <p:cNvSpPr>
+            <a:spLocks noGrp="1" noRot="1" noChangeAspect="1" noChangeArrowheads="1" noTextEdit="1"/>
+          </p:cNvSpPr>
+          <p:nvPr>
+            <p:ph type="sldImg"/>
+          </p:nvPr>
+        </p:nvSpPr>
+        <p:spPr>
+          <a:xfrm>
+            <a:off x="460375" y="720725"/>
+            <a:ext cx="6400800" cy="3600450"/>
+          </a:xfrm>
+          <a:solidFill>
+            <a:srgbClr val="FFFFFF"/>
+          </a:solidFill>
+          <a:ln/>
+        </p:spPr>
+      </p:sp>
+      <p:sp>
+        <p:nvSpPr>
+          <p:cNvPr id="88067" name="Rectangle 3"/>
+          <p:cNvSpPr>
+            <a:spLocks noGrp="1" noChangeArrowheads="1"/>
+          </p:cNvSpPr>
+          <p:nvPr>
+            <p:ph type="body" idx="1"/>
+          </p:nvPr>
+        </p:nvSpPr>
+        <p:spPr>
+          <a:xfrm>
+            <a:off x="973138" y="4562475"/>
+            <a:ext cx="5368925" cy="4319588"/>
+          </a:xfrm>
+          <a:noFill/>
+          <a:ln/>
+          <a:extLst>
+            <a:ext uri="{909E8E84-426E-40DD-AFC4-6F175D3DCCD1}">
+              <a14:hiddenFill xmlns:a14="http://schemas.microsoft.com/office/drawing/2010/main">
+                <a:solidFill>
+                  <a:srgbClr val="FFFFFF"/>
+                </a:solidFill>
+              </a14:hiddenFill>
+            </a:ext>
+            <a:ext uri="{91240B29-F687-4F45-9708-019B960494DF}">
+              <a14:hiddenLine xmlns:a14="http://schemas.microsoft.com/office/drawing/2010/main" w="9525">
+                <a:solidFill>
+                  <a:srgbClr val="000000"/>
+                </a:solidFill>
+                <a:miter lim="800000"/>
+                <a:headEnd/>
+                <a:tailEnd/>
+              </a14:hiddenLine>
+            </a:ext>
+          </a:extLst>
+        </p:spPr>
+        <p:txBody>
+          <a:bodyPr wrap="none" lIns="95458" tIns="47728" rIns="95458" bIns="47728" anchor="ctr"/>
+          <a:lstStyle/>
+          <a:p>
+            <a:pPr eaLnBrk="1" hangingPunct="1"/>
+            <a:endParaRPr lang="en-US" dirty="0"/>
+          </a:p>
+        </p:txBody>
+      </p:sp>
+    </p:spTree>
+    <p:extLst>
+      <p:ext uri="{BB962C8B-B14F-4D97-AF65-F5344CB8AC3E}">
+        <p14:creationId xmlns:p14="http://schemas.microsoft.com/office/powerpoint/2010/main" val="2239175053"/>
+      </p:ext>
+    </p:extLst>
+  </p:cSld>
+  <p:clrMapOvr>
+    <a:masterClrMapping/>
+  </p:clrMapOvr>
+</p:notes>
+</file>
+
+<file path=ppt/notesSlides/notesSlide49.xml><?xml version="1.0" encoding="utf-8"?>
+<p:notes xmlns:a="http://schemas.openxmlformats.org/drawingml/2006/main" xmlns:r="http://schemas.openxmlformats.org/officeDocument/2006/relationships" xmlns:p="http://schemas.openxmlformats.org/presentationml/2006/main">
+  <p:cSld>
+    <p:spTree>
+      <p:nvGrpSpPr>
+        <p:cNvPr id="1" name=""/>
+        <p:cNvGrpSpPr/>
+        <p:nvPr/>
+      </p:nvGrpSpPr>
+      <p:grpSpPr>
+        <a:xfrm>
+          <a:off x="0" y="0"/>
+          <a:ext cx="0" cy="0"/>
+          <a:chOff x="0" y="0"/>
+          <a:chExt cx="0" cy="0"/>
+        </a:xfrm>
+      </p:grpSpPr>
+      <p:sp>
+        <p:nvSpPr>
+          <p:cNvPr id="40962" name="Rectangle 2"/>
+          <p:cNvSpPr>
+            <a:spLocks noGrp="1" noRot="1" noChangeAspect="1" noChangeArrowheads="1" noTextEdit="1"/>
+          </p:cNvSpPr>
+          <p:nvPr>
+            <p:ph type="sldImg"/>
+          </p:nvPr>
+        </p:nvSpPr>
+        <p:spPr>
+          <a:xfrm>
+            <a:off x="409575" y="701675"/>
+            <a:ext cx="6235700" cy="3508375"/>
+          </a:xfrm>
+          <a:ln/>
+        </p:spPr>
+      </p:sp>
+      <p:sp>
+        <p:nvSpPr>
+          <p:cNvPr id="40963" name="Rectangle 3"/>
+          <p:cNvSpPr>
+            <a:spLocks noGrp="1" noChangeArrowheads="1"/>
+          </p:cNvSpPr>
+          <p:nvPr>
+            <p:ph type="body" idx="1"/>
+          </p:nvPr>
+        </p:nvSpPr>
+        <p:spPr>
+          <a:noFill/>
+        </p:spPr>
+        <p:txBody>
+          <a:bodyPr/>
+          <a:lstStyle/>
+          <a:p>
+            <a:pPr eaLnBrk="1" hangingPunct="1"/>
+            <a:r>
+              <a:rPr lang="en-US" dirty="0"/>
+              <a:t>Does not scale</a:t>
+            </a:r>
+          </a:p>
+        </p:txBody>
+      </p:sp>
+      <p:sp>
+        <p:nvSpPr>
+          <p:cNvPr id="4" name="Header Placeholder 3"/>
+          <p:cNvSpPr>
+            <a:spLocks noGrp="1"/>
+          </p:cNvSpPr>
+          <p:nvPr>
+            <p:ph type="hdr" sz="quarter"/>
+          </p:nvPr>
+        </p:nvSpPr>
+        <p:spPr>
+          <a:xfrm>
+            <a:off x="3862388" y="174625"/>
+            <a:ext cx="3063875" cy="468313"/>
+          </a:xfrm>
+          <a:prstGeom prst="rect">
+            <a:avLst/>
+          </a:prstGeom>
+        </p:spPr>
+        <p:txBody>
+          <a:bodyPr/>
+          <a:lstStyle/>
+          <a:p>
+            <a:pPr>
+              <a:defRPr/>
+            </a:pPr>
+            <a:r>
+              <a:rPr lang="en-US" dirty="0"/>
+              <a:t>INSTRUCTOR GUIDE</a:t>
+            </a:r>
+          </a:p>
+        </p:txBody>
+      </p:sp>
+      <p:sp>
+        <p:nvSpPr>
+          <p:cNvPr id="5" name="Footer Placeholder 5"/>
+          <p:cNvSpPr>
+            <a:spLocks noGrp="1"/>
+          </p:cNvSpPr>
+          <p:nvPr>
+            <p:ph type="ftr" sz="quarter" idx="4"/>
+          </p:nvPr>
+        </p:nvSpPr>
+        <p:spPr>
+          <a:xfrm>
+            <a:off x="172906" y="8989949"/>
+            <a:ext cx="3891094" cy="341376"/>
+          </a:xfrm>
+          <a:prstGeom prst="rect">
+            <a:avLst/>
+          </a:prstGeom>
+        </p:spPr>
+        <p:txBody>
+          <a:bodyPr vert="horz" lIns="91440" tIns="45720" rIns="91440" bIns="45720" rtlCol="0" anchor="b"/>
+          <a:lstStyle>
+            <a:lvl1pPr algn="l">
+              <a:defRPr sz="1200">
+                <a:latin typeface="Tahoma" pitchFamily="34" charset="0"/>
+                <a:ea typeface="Tahoma" pitchFamily="34" charset="0"/>
+                <a:cs typeface="Tahoma" pitchFamily="34" charset="0"/>
+              </a:defRPr>
+            </a:lvl1pPr>
+          </a:lstStyle>
+          <a:p>
+            <a:pPr>
+              <a:tabLst>
+                <a:tab pos="3657600" algn="r"/>
+              </a:tabLst>
+            </a:pPr>
+            <a:r>
+              <a:rPr lang="en-US" dirty="0">
+                <a:solidFill>
+                  <a:schemeClr val="tx1"/>
+                </a:solidFill>
+              </a:rPr>
+              <a:t>472: Java Best Practices and Design Patterns</a:t>
+            </a:r>
+          </a:p>
+        </p:txBody>
+      </p:sp>
+      <p:sp>
+        <p:nvSpPr>
+          <p:cNvPr id="6" name="Slide Number Placeholder 6"/>
+          <p:cNvSpPr>
+            <a:spLocks noGrp="1"/>
+          </p:cNvSpPr>
+          <p:nvPr>
+            <p:ph type="sldNum" sz="quarter" idx="5"/>
+          </p:nvPr>
+        </p:nvSpPr>
+        <p:spPr>
+          <a:xfrm>
+            <a:off x="5638800" y="8977249"/>
+            <a:ext cx="1298563" cy="341376"/>
+          </a:xfrm>
+          <a:prstGeom prst="rect">
+            <a:avLst/>
+          </a:prstGeom>
+        </p:spPr>
+        <p:txBody>
+          <a:bodyPr vert="horz" lIns="91440" tIns="45720" rIns="91440" bIns="45720" rtlCol="0" anchor="b"/>
+          <a:lstStyle>
+            <a:lvl1pPr algn="r" defTabSz="938213" eaLnBrk="1" hangingPunct="1">
+              <a:defRPr sz="1200">
+                <a:latin typeface="Tahoma" pitchFamily="34" charset="0"/>
+                <a:ea typeface="Tahoma" pitchFamily="34" charset="0"/>
+                <a:cs typeface="Tahoma" pitchFamily="34" charset="0"/>
+              </a:defRPr>
+            </a:lvl1pPr>
+          </a:lstStyle>
+          <a:p>
+            <a:r>
+              <a:rPr lang="en-US" dirty="0">
+                <a:solidFill>
+                  <a:schemeClr val="tx1"/>
+                </a:solidFill>
+              </a:rPr>
+              <a:t>Chapter 4-</a:t>
+            </a:r>
+            <a:fld id="{97BFBC74-E758-44AA-8094-34AE1447602B}" type="slidenum">
+              <a:rPr lang="en-US" smtClean="0">
+                <a:solidFill>
+                  <a:schemeClr val="tx1"/>
+                </a:solidFill>
+              </a:rPr>
+              <a:pPr/>
+              <a:t>50</a:t>
+            </a:fld>
+            <a:endParaRPr lang="en-US" dirty="0">
+              <a:solidFill>
+                <a:schemeClr val="tx1"/>
+              </a:solidFill>
+            </a:endParaRPr>
+          </a:p>
+        </p:txBody>
+      </p:sp>
+    </p:spTree>
+    <p:extLst>
+      <p:ext uri="{BB962C8B-B14F-4D97-AF65-F5344CB8AC3E}">
+        <p14:creationId xmlns:p14="http://schemas.microsoft.com/office/powerpoint/2010/main" val="1600181913"/>
+      </p:ext>
+    </p:extLst>
+  </p:cSld>
+  <p:clrMapOvr>
+    <a:masterClrMapping/>
+  </p:clrMapOvr>
+</p:notes>
+</file>
+
+<file path=ppt/notesSlides/notesSlide5.xml><?xml version="1.0" encoding="utf-8"?>
+<p:notes xmlns:a="http://schemas.openxmlformats.org/drawingml/2006/main" xmlns:r="http://schemas.openxmlformats.org/officeDocument/2006/relationships" xmlns:p="http://schemas.openxmlformats.org/presentationml/2006/main" showMasterSp="0" showMasterPhAnim="0">
+  <p:cSld>
+    <p:spTree>
+      <p:nvGrpSpPr>
+        <p:cNvPr id="1" name="Shape 65"/>
+        <p:cNvGrpSpPr/>
+        <p:nvPr/>
+      </p:nvGrpSpPr>
+      <p:grpSpPr>
+        <a:xfrm>
+          <a:off x="0" y="0"/>
+          <a:ext cx="0" cy="0"/>
+          <a:chOff x="0" y="0"/>
+          <a:chExt cx="0" cy="0"/>
+        </a:xfrm>
+      </p:grpSpPr>
+      <p:sp>
+        <p:nvSpPr>
+          <p:cNvPr id="66" name="Google Shape;66;p12:notes"/>
+          <p:cNvSpPr>
+            <a:spLocks noGrp="1" noRot="1" noChangeAspect="1"/>
+          </p:cNvSpPr>
+          <p:nvPr>
+            <p:ph type="sldImg" idx="2"/>
+          </p:nvPr>
+        </p:nvSpPr>
+        <p:spPr>
+          <a:xfrm>
+            <a:off x="381000" y="685800"/>
+            <a:ext cx="6096000" cy="3429000"/>
+          </a:xfrm>
+          <a:custGeom>
+            <a:avLst/>
+            <a:gdLst/>
+            <a:ahLst/>
+            <a:cxnLst/>
+            <a:rect l="l" t="t" r="r" b="b"/>
+            <a:pathLst>
+              <a:path w="120000" h="120000" extrusionOk="0">
+                <a:moveTo>
+                  <a:pt x="0" y="0"/>
+                </a:moveTo>
+                <a:lnTo>
+                  <a:pt x="120000" y="0"/>
+                </a:lnTo>
+                <a:lnTo>
+                  <a:pt x="120000" y="120000"/>
+                </a:lnTo>
+                <a:lnTo>
+                  <a:pt x="0" y="120000"/>
+                </a:lnTo>
+                <a:close/>
+              </a:path>
+            </a:pathLst>
+          </a:custGeom>
+          <a:noFill/>
+          <a:ln w="9525" cap="flat" cmpd="sng">
+            <a:solidFill>
+              <a:srgbClr val="000000"/>
+            </a:solidFill>
+            <a:prstDash val="solid"/>
+            <a:miter lim="8000"/>
+            <a:headEnd type="none" w="sm" len="sm"/>
+            <a:tailEnd type="none" w="sm" len="sm"/>
+          </a:ln>
+        </p:spPr>
+      </p:sp>
+      <p:sp>
+        <p:nvSpPr>
           <p:cNvPr id="67" name="Google Shape;67;p12:notes"/>
           <p:cNvSpPr txBox="1">
             <a:spLocks noGrp="1"/>
@@ -6927,8 +6927,8 @@
         </p:nvSpPr>
         <p:spPr>
           <a:xfrm>
-            <a:off x="1189038" y="701675"/>
-            <a:ext cx="4676775" cy="3508375"/>
+            <a:off x="409575" y="701675"/>
+            <a:ext cx="6235700" cy="3508375"/>
           </a:xfrm>
         </p:spPr>
       </p:sp>
@@ -7299,8 +7299,8 @@
         </p:nvSpPr>
         <p:spPr>
           <a:xfrm>
-            <a:off x="1189038" y="701675"/>
-            <a:ext cx="4676775" cy="3508375"/>
+            <a:off x="409575" y="701675"/>
+            <a:ext cx="6235700" cy="3508375"/>
           </a:xfrm>
         </p:spPr>
       </p:sp>
@@ -7485,8 +7485,8 @@
         </p:nvSpPr>
         <p:spPr>
           <a:xfrm>
-            <a:off x="1189038" y="701675"/>
-            <a:ext cx="4676775" cy="3508375"/>
+            <a:off x="409575" y="701675"/>
+            <a:ext cx="6235700" cy="3508375"/>
           </a:xfrm>
         </p:spPr>
       </p:sp>
@@ -7679,8 +7679,8 @@
         </p:nvSpPr>
         <p:spPr>
           <a:xfrm>
-            <a:off x="1260475" y="720725"/>
-            <a:ext cx="4800600" cy="3600450"/>
+            <a:off x="460375" y="720725"/>
+            <a:ext cx="6400800" cy="3600450"/>
           </a:xfrm>
           <a:solidFill>
             <a:srgbClr val="FFFFFF"/>
@@ -8315,8 +8315,8 @@
         </p:nvSpPr>
         <p:spPr>
           <a:xfrm>
-            <a:off x="1260475" y="720725"/>
-            <a:ext cx="4800600" cy="3600450"/>
+            <a:off x="460375" y="720725"/>
+            <a:ext cx="6400800" cy="3600450"/>
           </a:xfrm>
           <a:solidFill>
             <a:srgbClr val="FFFFFF"/>
@@ -34251,7 +34251,7 @@
           <a:graphicData uri="http://schemas.openxmlformats.org/presentationml/2006/ole">
             <mc:AlternateContent xmlns:mc="http://schemas.openxmlformats.org/markup-compatibility/2006">
               <mc:Choice xmlns:v="urn:schemas-microsoft-com:vml" Requires="v">
-                <p:oleObj spid="_x0000_s1047" name="Visio" r:id="rId4" imgW="2615600" imgH="1625446" progId="">
+                <p:oleObj spid="_x0000_s1049" name="Visio" r:id="rId4" imgW="2615600" imgH="1625446" progId="">
                   <p:embed/>
                 </p:oleObj>
               </mc:Choice>
@@ -34344,7 +34344,7 @@
           <a:graphicData uri="http://schemas.openxmlformats.org/presentationml/2006/ole">
             <mc:AlternateContent xmlns:mc="http://schemas.openxmlformats.org/markup-compatibility/2006">
               <mc:Choice xmlns:v="urn:schemas-microsoft-com:vml" Requires="v">
-                <p:oleObj spid="_x0000_s1048" name="Visio" r:id="rId6" imgW="3340054" imgH="1379299" progId="">
+                <p:oleObj spid="_x0000_s1050" name="Visio" r:id="rId6" imgW="3340054" imgH="1379299" progId="">
                   <p:embed/>
                 </p:oleObj>
               </mc:Choice>
@@ -34526,7 +34526,7 @@
           <a:graphicData uri="http://schemas.openxmlformats.org/presentationml/2006/ole">
             <mc:AlternateContent xmlns:mc="http://schemas.openxmlformats.org/markup-compatibility/2006">
               <mc:Choice xmlns:v="urn:schemas-microsoft-com:vml" Requires="v">
-                <p:oleObj spid="_x0000_s2071" name="Visio" r:id="rId4" imgW="4669675" imgH="3935929" progId="">
+                <p:oleObj spid="_x0000_s2073" name="Visio" r:id="rId4" imgW="4669675" imgH="3935929" progId="">
                   <p:embed/>
                 </p:oleObj>
               </mc:Choice>
@@ -34911,7 +34911,7 @@
           <a:graphicData uri="http://schemas.openxmlformats.org/presentationml/2006/ole">
             <mc:AlternateContent xmlns:mc="http://schemas.openxmlformats.org/markup-compatibility/2006">
               <mc:Choice xmlns:v="urn:schemas-microsoft-com:vml" Requires="v">
-                <p:oleObj spid="_x0000_s2072" name="Visio" r:id="rId6" imgW="4968863" imgH="1443870" progId="">
+                <p:oleObj spid="_x0000_s2074" name="Visio" r:id="rId6" imgW="4968863" imgH="1443870" progId="">
                   <p:embed/>
                 </p:oleObj>
               </mc:Choice>
@@ -35850,7 +35850,7 @@
           <a:graphicData uri="http://schemas.openxmlformats.org/presentationml/2006/ole">
             <mc:AlternateContent xmlns:mc="http://schemas.openxmlformats.org/markup-compatibility/2006">
               <mc:Choice xmlns:v="urn:schemas-microsoft-com:vml" Requires="v">
-                <p:oleObj spid="_x0000_s3084" name="Visio" r:id="rId4" imgW="2414847" imgH="1461833" progId="Visio.Drawing.11">
+                <p:oleObj spid="_x0000_s3085" name="Visio" r:id="rId4" imgW="2414847" imgH="1461833" progId="Visio.Drawing.11">
                   <p:embed/>
                 </p:oleObj>
               </mc:Choice>
@@ -44032,7 +44032,7 @@
           <a:graphicData uri="http://schemas.openxmlformats.org/presentationml/2006/ole">
             <mc:AlternateContent xmlns:mc="http://schemas.openxmlformats.org/markup-compatibility/2006">
               <mc:Choice xmlns:v="urn:schemas-microsoft-com:vml" Requires="v">
-                <p:oleObj spid="_x0000_s4108" name="Visio" r:id="rId4" imgW="4335572" imgH="1592432" progId="">
+                <p:oleObj spid="_x0000_s4109" name="Visio" r:id="rId4" imgW="4335572" imgH="1592432" progId="">
                   <p:embed/>
                 </p:oleObj>
               </mc:Choice>
@@ -45035,7 +45035,7 @@
           <a:graphicData uri="http://schemas.openxmlformats.org/presentationml/2006/ole">
             <mc:AlternateContent xmlns:mc="http://schemas.openxmlformats.org/markup-compatibility/2006">
               <mc:Choice xmlns:v="urn:schemas-microsoft-com:vml" Requires="v">
-                <p:oleObj spid="_x0000_s5132" name="Visio" r:id="rId4" imgW="5900859" imgH="645226" progId="">
+                <p:oleObj spid="_x0000_s5133" name="Visio" r:id="rId4" imgW="5900859" imgH="645226" progId="">
                   <p:embed/>
                 </p:oleObj>
               </mc:Choice>
@@ -45567,7 +45567,7 @@
           <a:graphicData uri="http://schemas.openxmlformats.org/presentationml/2006/ole">
             <mc:AlternateContent xmlns:mc="http://schemas.openxmlformats.org/markup-compatibility/2006">
               <mc:Choice xmlns:v="urn:schemas-microsoft-com:vml" Requires="v">
-                <p:oleObj spid="_x0000_s6156" name="Visio" r:id="rId4" imgW="5949350" imgH="1637098" progId="">
+                <p:oleObj spid="_x0000_s6157" name="Visio" r:id="rId4" imgW="5949350" imgH="1637098" progId="">
                   <p:embed/>
                 </p:oleObj>
               </mc:Choice>
